--- a/auca/Sem-3/ICP/Assignment/Solution/Group4_Bubble_Sort_Presentation.pptx
+++ b/auca/Sem-3/ICP/Assignment/Solution/Group4_Bubble_Sort_Presentation.pptx
@@ -4479,7 +4479,7 @@
             <a:avLst/>
           </a:prstGeom>
           <a:solidFill>
-            <a:schemeClr val="accent4"/>
+            <a:schemeClr val="accent6"/>
           </a:solidFill>
           <a:ln>
             <a:noFill/>
@@ -4855,62 +4855,6 @@
       </p:sp>
       <p:sp>
         <p:nvSpPr>
-          <p:cNvPr id="20" name="Rectangle 19"/>
-          <p:cNvSpPr/>
-          <p:nvPr/>
-        </p:nvSpPr>
-        <p:spPr>
-          <a:xfrm>
-            <a:off x="4919476" y="5720714"/>
-            <a:ext cx="6730738" cy="518474"/>
-          </a:xfrm>
-          <a:prstGeom prst="rect">
-            <a:avLst/>
-          </a:prstGeom>
-          <a:noFill/>
-          <a:ln>
-            <a:noFill/>
-          </a:ln>
-        </p:spPr>
-        <p:style>
-          <a:lnRef idx="2">
-            <a:schemeClr val="accent1">
-              <a:shade val="50000"/>
-            </a:schemeClr>
-          </a:lnRef>
-          <a:fillRef idx="1">
-            <a:schemeClr val="accent1"/>
-          </a:fillRef>
-          <a:effectRef idx="0">
-            <a:schemeClr val="accent1"/>
-          </a:effectRef>
-          <a:fontRef idx="minor">
-            <a:schemeClr val="lt1"/>
-          </a:fontRef>
-        </p:style>
-        <p:txBody>
-          <a:bodyPr rtlCol="0" anchor="ctr"/>
-          <a:lstStyle/>
-          <a:p>
-            <a:pPr algn="ctr"/>
-            <a:r>
-              <a:rPr lang="en-US" b="1" dirty="0" smtClean="0">
-                <a:solidFill>
-                  <a:schemeClr val="accent4"/>
-                </a:solidFill>
-              </a:rPr>
-              <a:t>The big number (9) we found earlier, there is no need to test it again.</a:t>
-            </a:r>
-            <a:endParaRPr lang="en-US" b="1" dirty="0">
-              <a:solidFill>
-                <a:schemeClr val="accent4"/>
-              </a:solidFill>
-            </a:endParaRPr>
-          </a:p>
-        </p:txBody>
-      </p:sp>
-      <p:sp>
-        <p:nvSpPr>
           <p:cNvPr id="21" name="Rectangle 20"/>
           <p:cNvSpPr/>
           <p:nvPr/>
@@ -4965,33 +4909,6 @@
                 <a:schemeClr val="accent4"/>
               </a:solidFill>
             </a:endParaRPr>
-          </a:p>
-          <a:p>
-            <a:pPr algn="ctr"/>
-            <a:r>
-              <a:rPr lang="en-US" b="1" dirty="0" smtClean="0">
-                <a:solidFill>
-                  <a:schemeClr val="accent4"/>
-                </a:solidFill>
-              </a:rPr>
-              <a:t>PASS</a:t>
-            </a:r>
-            <a:r>
-              <a:rPr lang="en-US" b="1" dirty="0" smtClean="0">
-                <a:solidFill>
-                  <a:schemeClr val="accent4"/>
-                </a:solidFill>
-              </a:rPr>
-              <a:t> </a:t>
-            </a:r>
-            <a:r>
-              <a:rPr lang="en-US" b="1" dirty="0" smtClean="0">
-                <a:solidFill>
-                  <a:schemeClr val="accent4"/>
-                </a:solidFill>
-              </a:rPr>
-              <a:t>2:</a:t>
-            </a:r>
           </a:p>
         </p:txBody>
       </p:sp>
@@ -5163,6 +5080,186 @@
           </a:p>
         </p:txBody>
       </p:sp>
+      <p:sp>
+        <p:nvSpPr>
+          <p:cNvPr id="19" name="Rectangle 18"/>
+          <p:cNvSpPr/>
+          <p:nvPr/>
+        </p:nvSpPr>
+        <p:spPr>
+          <a:xfrm>
+            <a:off x="6743756" y="5730636"/>
+            <a:ext cx="4881766" cy="866335"/>
+          </a:xfrm>
+          <a:prstGeom prst="rect">
+            <a:avLst/>
+          </a:prstGeom>
+          <a:noFill/>
+          <a:ln>
+            <a:noFill/>
+          </a:ln>
+        </p:spPr>
+        <p:style>
+          <a:lnRef idx="2">
+            <a:schemeClr val="accent1">
+              <a:shade val="50000"/>
+            </a:schemeClr>
+          </a:lnRef>
+          <a:fillRef idx="1">
+            <a:schemeClr val="accent1"/>
+          </a:fillRef>
+          <a:effectRef idx="0">
+            <a:schemeClr val="accent1"/>
+          </a:effectRef>
+          <a:fontRef idx="minor">
+            <a:schemeClr val="lt1"/>
+          </a:fontRef>
+        </p:style>
+        <p:txBody>
+          <a:bodyPr rtlCol="0" anchor="ctr"/>
+          <a:lstStyle/>
+          <a:p>
+            <a:pPr algn="ctr"/>
+            <a:r>
+              <a:rPr lang="en-US" b="1" dirty="0" smtClean="0">
+                <a:solidFill>
+                  <a:schemeClr val="accent4"/>
+                </a:solidFill>
+              </a:rPr>
+              <a:t>Now 5 is in </a:t>
+            </a:r>
+            <a:r>
+              <a:rPr lang="en-US" b="1" dirty="0">
+                <a:solidFill>
+                  <a:schemeClr val="accent4"/>
+                </a:solidFill>
+              </a:rPr>
+              <a:t>correct order </a:t>
+            </a:r>
+            <a:r>
+              <a:rPr lang="en-US" b="1" dirty="0" smtClean="0">
+                <a:solidFill>
+                  <a:schemeClr val="accent4"/>
+                </a:solidFill>
+              </a:rPr>
+              <a:t>no </a:t>
+            </a:r>
+            <a:r>
+              <a:rPr lang="en-US" b="1" dirty="0">
+                <a:solidFill>
+                  <a:schemeClr val="accent4"/>
+                </a:solidFill>
+              </a:rPr>
+              <a:t>need to compare it to 9, because 9 already sorted</a:t>
+            </a:r>
+          </a:p>
+          <a:p>
+            <a:pPr algn="ctr"/>
+            <a:endParaRPr lang="en-US" b="1" dirty="0">
+              <a:solidFill>
+                <a:schemeClr val="accent4"/>
+              </a:solidFill>
+            </a:endParaRPr>
+          </a:p>
+        </p:txBody>
+      </p:sp>
+      <p:sp>
+        <p:nvSpPr>
+          <p:cNvPr id="24" name="Rectangle 23"/>
+          <p:cNvSpPr/>
+          <p:nvPr/>
+        </p:nvSpPr>
+        <p:spPr>
+          <a:xfrm>
+            <a:off x="379191" y="1277812"/>
+            <a:ext cx="5513725" cy="1192669"/>
+          </a:xfrm>
+          <a:prstGeom prst="rect">
+            <a:avLst/>
+          </a:prstGeom>
+          <a:noFill/>
+          <a:ln>
+            <a:noFill/>
+          </a:ln>
+        </p:spPr>
+        <p:style>
+          <a:lnRef idx="2">
+            <a:schemeClr val="accent1">
+              <a:shade val="50000"/>
+            </a:schemeClr>
+          </a:lnRef>
+          <a:fillRef idx="1">
+            <a:schemeClr val="accent1"/>
+          </a:fillRef>
+          <a:effectRef idx="0">
+            <a:schemeClr val="accent1"/>
+          </a:effectRef>
+          <a:fontRef idx="minor">
+            <a:schemeClr val="lt1"/>
+          </a:fontRef>
+        </p:style>
+        <p:txBody>
+          <a:bodyPr rtlCol="0" anchor="ctr"/>
+          <a:lstStyle/>
+          <a:p>
+            <a:pPr algn="ctr"/>
+            <a:r>
+              <a:rPr lang="en-US" b="1" dirty="0" smtClean="0">
+                <a:solidFill>
+                  <a:schemeClr val="accent4"/>
+                </a:solidFill>
+              </a:rPr>
+              <a:t>Let us pass through it again</a:t>
+            </a:r>
+            <a:r>
+              <a:rPr lang="en-US" b="1" dirty="0" smtClean="0">
+                <a:solidFill>
+                  <a:schemeClr val="accent4"/>
+                </a:solidFill>
+              </a:rPr>
+              <a:t/>
+            </a:r>
+            <a:br>
+              <a:rPr lang="en-US" b="1" dirty="0" smtClean="0">
+                <a:solidFill>
+                  <a:schemeClr val="accent4"/>
+                </a:solidFill>
+              </a:rPr>
+            </a:br>
+            <a:r>
+              <a:rPr lang="en-US" b="1" dirty="0" smtClean="0">
+                <a:solidFill>
+                  <a:schemeClr val="accent4"/>
+                </a:solidFill>
+              </a:rPr>
+              <a:t/>
+            </a:r>
+            <a:br>
+              <a:rPr lang="en-US" b="1" dirty="0" smtClean="0">
+                <a:solidFill>
+                  <a:schemeClr val="accent4"/>
+                </a:solidFill>
+              </a:rPr>
+            </a:br>
+            <a:r>
+              <a:rPr lang="en-US" b="1" dirty="0" smtClean="0">
+                <a:solidFill>
+                  <a:schemeClr val="accent4"/>
+                </a:solidFill>
+              </a:rPr>
+              <a:t>PASS 2:</a:t>
+            </a:r>
+          </a:p>
+          <a:p>
+            <a:pPr algn="ctr"/>
+            <a:endParaRPr lang="en-US" b="1" dirty="0" smtClean="0">
+              <a:solidFill>
+                <a:schemeClr val="accent4"/>
+              </a:solidFill>
+            </a:endParaRPr>
+          </a:p>
+        </p:txBody>
+      </p:sp>
     </p:spTree>
     <p:extLst>
       <p:ext uri="{BB962C8B-B14F-4D97-AF65-F5344CB8AC3E}">
@@ -5185,6 +5282,9 @@
                     <p:cTn id="3" fill="hold">
                       <p:stCondLst>
                         <p:cond delay="indefinite"/>
+                        <p:cond evt="onBegin" delay="0">
+                          <p:tn val="2"/>
+                        </p:cond>
                       </p:stCondLst>
                       <p:childTnLst>
                         <p:par>
@@ -5194,60 +5294,20 @@
                             </p:stCondLst>
                             <p:childTnLst>
                               <p:par>
-                                <p:cTn id="5" presetID="42" presetClass="path" presetSubtype="0" accel="50000" decel="50000" fill="hold" grpId="0" nodeType="clickEffect">
-                                  <p:stCondLst>
-                                    <p:cond delay="0"/>
-                                  </p:stCondLst>
-                                  <p:childTnLst>
-                                    <p:animMotion origin="layout" path="M 3.54167E-6 4.07407E-6 L 0.11705 -0.07593 " pathEditMode="relative" rAng="0" ptsTypes="AA">
-                                      <p:cBhvr>
-                                        <p:cTn id="6" dur="300" fill="hold"/>
-                                        <p:tgtEl>
-                                          <p:spTgt spid="9"/>
-                                        </p:tgtEl>
-                                        <p:attrNameLst>
-                                          <p:attrName>ppt_x</p:attrName>
-                                          <p:attrName>ppt_y</p:attrName>
-                                        </p:attrNameLst>
-                                      </p:cBhvr>
-                                      <p:rCtr x="5846" y="-3796"/>
-                                    </p:animMotion>
-                                  </p:childTnLst>
-                                </p:cTn>
-                              </p:par>
-                            </p:childTnLst>
-                          </p:cTn>
-                        </p:par>
-                      </p:childTnLst>
-                    </p:cTn>
-                  </p:par>
-                  <p:par>
-                    <p:cTn id="7" fill="hold">
-                      <p:stCondLst>
-                        <p:cond delay="indefinite"/>
-                      </p:stCondLst>
-                      <p:childTnLst>
-                        <p:par>
-                          <p:cTn id="8" fill="hold">
-                            <p:stCondLst>
-                              <p:cond delay="0"/>
-                            </p:stCondLst>
-                            <p:childTnLst>
-                              <p:par>
-                                <p:cTn id="9" presetID="42" presetClass="entr" presetSubtype="0" fill="hold" grpId="0" nodeType="clickEffect">
+                                <p:cTn id="5" presetID="42" presetClass="entr" presetSubtype="0" fill="hold" grpId="0" nodeType="withEffect">
                                   <p:stCondLst>
                                     <p:cond delay="0"/>
                                   </p:stCondLst>
                                   <p:childTnLst>
                                     <p:set>
                                       <p:cBhvr>
-                                        <p:cTn id="10" dur="1" fill="hold">
+                                        <p:cTn id="6" dur="1" fill="hold">
                                           <p:stCondLst>
                                             <p:cond delay="0"/>
                                           </p:stCondLst>
                                         </p:cTn>
                                         <p:tgtEl>
-                                          <p:spTgt spid="22"/>
+                                          <p:spTgt spid="21"/>
                                         </p:tgtEl>
                                         <p:attrNameLst>
                                           <p:attrName>style.visibility</p:attrName>
@@ -5259,17 +5319,17 @@
                                     </p:set>
                                     <p:animEffect transition="in" filter="fade">
                                       <p:cBhvr>
-                                        <p:cTn id="11" dur="300"/>
-                                        <p:tgtEl>
-                                          <p:spTgt spid="22"/>
+                                        <p:cTn id="7" dur="100"/>
+                                        <p:tgtEl>
+                                          <p:spTgt spid="21"/>
                                         </p:tgtEl>
                                       </p:cBhvr>
                                     </p:animEffect>
                                     <p:anim calcmode="lin" valueType="num">
                                       <p:cBhvr>
-                                        <p:cTn id="12" dur="300" fill="hold"/>
-                                        <p:tgtEl>
-                                          <p:spTgt spid="22"/>
+                                        <p:cTn id="8" dur="100" fill="hold"/>
+                                        <p:tgtEl>
+                                          <p:spTgt spid="21"/>
                                         </p:tgtEl>
                                         <p:attrNameLst>
                                           <p:attrName>ppt_x</p:attrName>
@@ -5290,9 +5350,9 @@
                                     </p:anim>
                                     <p:anim calcmode="lin" valueType="num">
                                       <p:cBhvr>
-                                        <p:cTn id="13" dur="300" fill="hold"/>
-                                        <p:tgtEl>
-                                          <p:spTgt spid="22"/>
+                                        <p:cTn id="9" dur="100" fill="hold"/>
+                                        <p:tgtEl>
+                                          <p:spTgt spid="21"/>
                                         </p:tgtEl>
                                         <p:attrNameLst>
                                           <p:attrName>ppt_y</p:attrName>
@@ -5321,36 +5381,36 @@
                     </p:cTn>
                   </p:par>
                   <p:par>
-                    <p:cTn id="14" fill="hold">
+                    <p:cTn id="10" fill="hold">
                       <p:stCondLst>
                         <p:cond delay="indefinite"/>
                       </p:stCondLst>
                       <p:childTnLst>
                         <p:par>
-                          <p:cTn id="15" fill="hold">
+                          <p:cTn id="11" fill="hold">
                             <p:stCondLst>
                               <p:cond delay="0"/>
                             </p:stCondLst>
                             <p:childTnLst>
                               <p:par>
-                                <p:cTn id="16" presetID="42" presetClass="exit" presetSubtype="0" fill="hold" grpId="1" nodeType="clickEffect">
+                                <p:cTn id="12" presetID="42" presetClass="exit" presetSubtype="0" fill="hold" grpId="1" nodeType="clickEffect">
                                   <p:stCondLst>
                                     <p:cond delay="0"/>
                                   </p:stCondLst>
                                   <p:childTnLst>
                                     <p:animEffect transition="out" filter="fade">
                                       <p:cBhvr>
-                                        <p:cTn id="17" dur="300"/>
-                                        <p:tgtEl>
-                                          <p:spTgt spid="22"/>
+                                        <p:cTn id="13" dur="100"/>
+                                        <p:tgtEl>
+                                          <p:spTgt spid="21"/>
                                         </p:tgtEl>
                                       </p:cBhvr>
                                     </p:animEffect>
                                     <p:anim calcmode="lin" valueType="num">
                                       <p:cBhvr>
-                                        <p:cTn id="18" dur="300"/>
-                                        <p:tgtEl>
-                                          <p:spTgt spid="22"/>
+                                        <p:cTn id="14" dur="100"/>
+                                        <p:tgtEl>
+                                          <p:spTgt spid="21"/>
                                         </p:tgtEl>
                                         <p:attrNameLst>
                                           <p:attrName>ppt_x</p:attrName>
@@ -5371,9 +5431,9 @@
                                     </p:anim>
                                     <p:anim calcmode="lin" valueType="num">
                                       <p:cBhvr>
-                                        <p:cTn id="19" dur="300"/>
-                                        <p:tgtEl>
-                                          <p:spTgt spid="22"/>
+                                        <p:cTn id="15" dur="100"/>
+                                        <p:tgtEl>
+                                          <p:spTgt spid="21"/>
                                         </p:tgtEl>
                                         <p:attrNameLst>
                                           <p:attrName>ppt_y</p:attrName>
@@ -5394,13 +5454,13 @@
                                     </p:anim>
                                     <p:set>
                                       <p:cBhvr>
-                                        <p:cTn id="20" dur="1" fill="hold">
+                                        <p:cTn id="16" dur="1" fill="hold">
                                           <p:stCondLst>
-                                            <p:cond delay="299"/>
+                                            <p:cond delay="99"/>
                                           </p:stCondLst>
                                         </p:cTn>
                                         <p:tgtEl>
-                                          <p:spTgt spid="22"/>
+                                          <p:spTgt spid="21"/>
                                         </p:tgtEl>
                                         <p:attrNameLst>
                                           <p:attrName>style.visibility</p:attrName>
@@ -5413,119 +5473,21 @@
                                   </p:childTnLst>
                                 </p:cTn>
                               </p:par>
-                            </p:childTnLst>
-                          </p:cTn>
-                        </p:par>
-                      </p:childTnLst>
-                    </p:cTn>
-                  </p:par>
-                  <p:par>
-                    <p:cTn id="21" fill="hold">
-                      <p:stCondLst>
-                        <p:cond delay="indefinite"/>
-                      </p:stCondLst>
-                      <p:childTnLst>
-                        <p:par>
-                          <p:cTn id="22" fill="hold">
-                            <p:stCondLst>
-                              <p:cond delay="0"/>
-                            </p:stCondLst>
-                            <p:childTnLst>
                               <p:par>
-                                <p:cTn id="23" presetID="42" presetClass="path" presetSubtype="0" accel="50000" decel="50000" fill="hold" grpId="0" nodeType="clickEffect">
-                                  <p:stCondLst>
-                                    <p:cond delay="0"/>
-                                  </p:stCondLst>
-                                  <p:childTnLst>
-                                    <p:animMotion origin="layout" path="M -2.91667E-6 -4.07407E-6 L -0.11654 0.08148 " pathEditMode="relative" rAng="0" ptsTypes="AA">
-                                      <p:cBhvr>
-                                        <p:cTn id="24" dur="200" fill="hold"/>
-                                        <p:tgtEl>
-                                          <p:spTgt spid="10"/>
-                                        </p:tgtEl>
-                                        <p:attrNameLst>
-                                          <p:attrName>ppt_x</p:attrName>
-                                          <p:attrName>ppt_y</p:attrName>
-                                        </p:attrNameLst>
-                                      </p:cBhvr>
-                                      <p:rCtr x="-5755" y="4144"/>
-                                    </p:animMotion>
-                                  </p:childTnLst>
-                                </p:cTn>
-                              </p:par>
-                            </p:childTnLst>
-                          </p:cTn>
-                        </p:par>
-                      </p:childTnLst>
-                    </p:cTn>
-                  </p:par>
-                  <p:par>
-                    <p:cTn id="25" fill="hold">
-                      <p:stCondLst>
-                        <p:cond delay="indefinite"/>
-                      </p:stCondLst>
-                      <p:childTnLst>
-                        <p:par>
-                          <p:cTn id="26" fill="hold">
-                            <p:stCondLst>
-                              <p:cond delay="0"/>
-                            </p:stCondLst>
-                            <p:childTnLst>
-                              <p:par>
-                                <p:cTn id="27" presetID="42" presetClass="path" presetSubtype="0" accel="50000" decel="50000" fill="hold" grpId="1" nodeType="clickEffect">
-                                  <p:stCondLst>
-                                    <p:cond delay="0"/>
-                                  </p:stCondLst>
-                                  <p:childTnLst>
-                                    <p:animMotion origin="layout" path="M 0.11705 -0.07593 L 0.26002 -0.16852 " pathEditMode="relative" rAng="0" ptsTypes="AA">
-                                      <p:cBhvr>
-                                        <p:cTn id="28" dur="200" fill="hold"/>
-                                        <p:tgtEl>
-                                          <p:spTgt spid="9"/>
-                                        </p:tgtEl>
-                                        <p:attrNameLst>
-                                          <p:attrName>ppt_x</p:attrName>
-                                          <p:attrName>ppt_y</p:attrName>
-                                        </p:attrNameLst>
-                                      </p:cBhvr>
-                                      <p:rCtr x="7148" y="-4630"/>
-                                    </p:animMotion>
-                                  </p:childTnLst>
-                                </p:cTn>
-                              </p:par>
-                            </p:childTnLst>
-                          </p:cTn>
-                        </p:par>
-                      </p:childTnLst>
-                    </p:cTn>
-                  </p:par>
-                  <p:par>
-                    <p:cTn id="29" fill="hold">
-                      <p:stCondLst>
-                        <p:cond delay="indefinite"/>
-                      </p:stCondLst>
-                      <p:childTnLst>
-                        <p:par>
-                          <p:cTn id="30" fill="hold">
-                            <p:stCondLst>
-                              <p:cond delay="0"/>
-                            </p:stCondLst>
-                            <p:childTnLst>
-                              <p:par>
-                                <p:cTn id="31" presetID="42" presetClass="entr" presetSubtype="0" fill="hold" grpId="0" nodeType="clickEffect">
+                                <p:cTn id="17" presetID="42" presetClass="entr" presetSubtype="0" fill="hold" grpId="0" nodeType="withEffect">
                                   <p:stCondLst>
                                     <p:cond delay="0"/>
                                   </p:stCondLst>
                                   <p:childTnLst>
                                     <p:set>
                                       <p:cBhvr>
-                                        <p:cTn id="32" dur="1" fill="hold">
+                                        <p:cTn id="18" dur="1" fill="hold">
                                           <p:stCondLst>
                                             <p:cond delay="0"/>
                                           </p:stCondLst>
                                         </p:cTn>
                                         <p:tgtEl>
-                                          <p:spTgt spid="23"/>
+                                          <p:spTgt spid="24"/>
                                         </p:tgtEl>
                                         <p:attrNameLst>
                                           <p:attrName>style.visibility</p:attrName>
@@ -5537,17 +5499,17 @@
                                     </p:set>
                                     <p:animEffect transition="in" filter="fade">
                                       <p:cBhvr>
-                                        <p:cTn id="33" dur="200"/>
-                                        <p:tgtEl>
-                                          <p:spTgt spid="23"/>
+                                        <p:cTn id="19" dur="100"/>
+                                        <p:tgtEl>
+                                          <p:spTgt spid="24"/>
                                         </p:tgtEl>
                                       </p:cBhvr>
                                     </p:animEffect>
                                     <p:anim calcmode="lin" valueType="num">
                                       <p:cBhvr>
-                                        <p:cTn id="34" dur="200" fill="hold"/>
-                                        <p:tgtEl>
-                                          <p:spTgt spid="23"/>
+                                        <p:cTn id="20" dur="100" fill="hold"/>
+                                        <p:tgtEl>
+                                          <p:spTgt spid="24"/>
                                         </p:tgtEl>
                                         <p:attrNameLst>
                                           <p:attrName>ppt_x</p:attrName>
@@ -5568,9 +5530,9 @@
                                     </p:anim>
                                     <p:anim calcmode="lin" valueType="num">
                                       <p:cBhvr>
-                                        <p:cTn id="35" dur="200" fill="hold"/>
-                                        <p:tgtEl>
-                                          <p:spTgt spid="23"/>
+                                        <p:cTn id="21" dur="100" fill="hold"/>
+                                        <p:tgtEl>
+                                          <p:spTgt spid="24"/>
                                         </p:tgtEl>
                                         <p:attrNameLst>
                                           <p:attrName>ppt_y</p:attrName>
@@ -5599,125 +5561,26 @@
                     </p:cTn>
                   </p:par>
                   <p:par>
-                    <p:cTn id="36" fill="hold">
+                    <p:cTn id="22" fill="hold">
                       <p:stCondLst>
                         <p:cond delay="indefinite"/>
                       </p:stCondLst>
                       <p:childTnLst>
                         <p:par>
-                          <p:cTn id="37" fill="hold">
+                          <p:cTn id="23" fill="hold">
                             <p:stCondLst>
                               <p:cond delay="0"/>
                             </p:stCondLst>
                             <p:childTnLst>
                               <p:par>
-                                <p:cTn id="38" presetID="42" presetClass="exit" presetSubtype="0" fill="hold" grpId="1" nodeType="clickEffect">
+                                <p:cTn id="24" presetID="42" presetClass="path" presetSubtype="0" accel="50000" decel="50000" fill="hold" grpId="0" nodeType="clickEffect">
                                   <p:stCondLst>
                                     <p:cond delay="0"/>
                                   </p:stCondLst>
                                   <p:childTnLst>
-                                    <p:animEffect transition="out" filter="fade">
-                                      <p:cBhvr>
-                                        <p:cTn id="39" dur="300"/>
-                                        <p:tgtEl>
-                                          <p:spTgt spid="23"/>
-                                        </p:tgtEl>
-                                      </p:cBhvr>
-                                    </p:animEffect>
-                                    <p:anim calcmode="lin" valueType="num">
-                                      <p:cBhvr>
-                                        <p:cTn id="40" dur="300"/>
-                                        <p:tgtEl>
-                                          <p:spTgt spid="23"/>
-                                        </p:tgtEl>
-                                        <p:attrNameLst>
-                                          <p:attrName>ppt_x</p:attrName>
-                                        </p:attrNameLst>
-                                      </p:cBhvr>
-                                      <p:tavLst>
-                                        <p:tav tm="0">
-                                          <p:val>
-                                            <p:strVal val="ppt_x"/>
-                                          </p:val>
-                                        </p:tav>
-                                        <p:tav tm="100000">
-                                          <p:val>
-                                            <p:strVal val="ppt_x"/>
-                                          </p:val>
-                                        </p:tav>
-                                      </p:tavLst>
-                                    </p:anim>
-                                    <p:anim calcmode="lin" valueType="num">
-                                      <p:cBhvr>
-                                        <p:cTn id="41" dur="300"/>
-                                        <p:tgtEl>
-                                          <p:spTgt spid="23"/>
-                                        </p:tgtEl>
-                                        <p:attrNameLst>
-                                          <p:attrName>ppt_y</p:attrName>
-                                        </p:attrNameLst>
-                                      </p:cBhvr>
-                                      <p:tavLst>
-                                        <p:tav tm="0">
-                                          <p:val>
-                                            <p:strVal val="ppt_y"/>
-                                          </p:val>
-                                        </p:tav>
-                                        <p:tav tm="100000">
-                                          <p:val>
-                                            <p:strVal val="ppt_y+.1"/>
-                                          </p:val>
-                                        </p:tav>
-                                      </p:tavLst>
-                                    </p:anim>
-                                    <p:set>
-                                      <p:cBhvr>
-                                        <p:cTn id="42" dur="1" fill="hold">
-                                          <p:stCondLst>
-                                            <p:cond delay="299"/>
-                                          </p:stCondLst>
-                                        </p:cTn>
-                                        <p:tgtEl>
-                                          <p:spTgt spid="23"/>
-                                        </p:tgtEl>
-                                        <p:attrNameLst>
-                                          <p:attrName>style.visibility</p:attrName>
-                                        </p:attrNameLst>
-                                      </p:cBhvr>
-                                      <p:to>
-                                        <p:strVal val="hidden"/>
-                                      </p:to>
-                                    </p:set>
-                                  </p:childTnLst>
-                                </p:cTn>
-                              </p:par>
-                            </p:childTnLst>
-                          </p:cTn>
-                        </p:par>
-                      </p:childTnLst>
-                    </p:cTn>
-                  </p:par>
-                  <p:par>
-                    <p:cTn id="43" fill="hold">
-                      <p:stCondLst>
-                        <p:cond delay="indefinite"/>
-                      </p:stCondLst>
-                      <p:childTnLst>
-                        <p:par>
-                          <p:cTn id="44" fill="hold">
-                            <p:stCondLst>
-                              <p:cond delay="0"/>
-                            </p:stCondLst>
-                            <p:childTnLst>
-                              <p:par>
-                                <p:cTn id="45" presetID="42" presetClass="path" presetSubtype="0" accel="50000" decel="50000" fill="hold" grpId="2" nodeType="clickEffect">
-                                  <p:stCondLst>
-                                    <p:cond delay="0"/>
-                                  </p:stCondLst>
-                                  <p:childTnLst>
-                                    <p:animMotion origin="layout" path="M 0.26002 -0.16852 L 0.11653 -0.08149 " pathEditMode="relative" rAng="0" ptsTypes="AA">
-                                      <p:cBhvr>
-                                        <p:cTn id="46" dur="300" fill="hold"/>
+                                    <p:animMotion origin="layout" path="M 3.54167E-6 4.07407E-6 L 0.11705 -0.07593 " pathEditMode="relative" rAng="0" ptsTypes="AA">
+                                      <p:cBhvr>
+                                        <p:cTn id="25" dur="300" fill="hold"/>
                                         <p:tgtEl>
                                           <p:spTgt spid="9"/>
                                         </p:tgtEl>
@@ -5726,7 +5589,7 @@
                                           <p:attrName>ppt_y</p:attrName>
                                         </p:attrNameLst>
                                       </p:cBhvr>
-                                      <p:rCtr x="-7174" y="4352"/>
+                                      <p:rCtr x="5846" y="-3796"/>
                                     </p:animMotion>
                                   </p:childTnLst>
                                 </p:cTn>
@@ -5738,72 +5601,32 @@
                     </p:cTn>
                   </p:par>
                   <p:par>
-                    <p:cTn id="47" fill="hold">
+                    <p:cTn id="26" fill="hold">
                       <p:stCondLst>
                         <p:cond delay="indefinite"/>
                       </p:stCondLst>
                       <p:childTnLst>
                         <p:par>
-                          <p:cTn id="48" fill="hold">
+                          <p:cTn id="27" fill="hold">
                             <p:stCondLst>
                               <p:cond delay="0"/>
                             </p:stCondLst>
                             <p:childTnLst>
                               <p:par>
-                                <p:cTn id="49" presetID="42" presetClass="path" presetSubtype="0" accel="50000" decel="50000" fill="hold" grpId="0" nodeType="clickEffect">
-                                  <p:stCondLst>
-                                    <p:cond delay="0"/>
-                                  </p:stCondLst>
-                                  <p:childTnLst>
-                                    <p:animMotion origin="layout" path="M 2.08333E-7 2.96296E-6 L 0.15326 -0.09931 " pathEditMode="relative" rAng="0" ptsTypes="AA">
-                                      <p:cBhvr>
-                                        <p:cTn id="50" dur="200" fill="hold"/>
-                                        <p:tgtEl>
-                                          <p:spTgt spid="12"/>
-                                        </p:tgtEl>
-                                        <p:attrNameLst>
-                                          <p:attrName>ppt_x</p:attrName>
-                                          <p:attrName>ppt_y</p:attrName>
-                                        </p:attrNameLst>
-                                      </p:cBhvr>
-                                      <p:rCtr x="7656" y="-4977"/>
-                                    </p:animMotion>
-                                  </p:childTnLst>
-                                </p:cTn>
-                              </p:par>
-                            </p:childTnLst>
-                          </p:cTn>
-                        </p:par>
-                      </p:childTnLst>
-                    </p:cTn>
-                  </p:par>
-                  <p:par>
-                    <p:cTn id="51" fill="hold">
-                      <p:stCondLst>
-                        <p:cond delay="indefinite"/>
-                      </p:stCondLst>
-                      <p:childTnLst>
-                        <p:par>
-                          <p:cTn id="52" fill="hold">
-                            <p:stCondLst>
-                              <p:cond delay="0"/>
-                            </p:stCondLst>
-                            <p:childTnLst>
-                              <p:par>
-                                <p:cTn id="53" presetID="42" presetClass="entr" presetSubtype="0" fill="hold" grpId="0" nodeType="clickEffect">
+                                <p:cTn id="28" presetID="42" presetClass="entr" presetSubtype="0" fill="hold" grpId="0" nodeType="clickEffect">
                                   <p:stCondLst>
                                     <p:cond delay="0"/>
                                   </p:stCondLst>
                                   <p:childTnLst>
                                     <p:set>
                                       <p:cBhvr>
-                                        <p:cTn id="54" dur="1" fill="hold">
+                                        <p:cTn id="29" dur="1" fill="hold">
                                           <p:stCondLst>
                                             <p:cond delay="0"/>
                                           </p:stCondLst>
                                         </p:cTn>
                                         <p:tgtEl>
-                                          <p:spTgt spid="26"/>
+                                          <p:spTgt spid="22"/>
                                         </p:tgtEl>
                                         <p:attrNameLst>
                                           <p:attrName>style.visibility</p:attrName>
@@ -5815,17 +5638,17 @@
                                     </p:set>
                                     <p:animEffect transition="in" filter="fade">
                                       <p:cBhvr>
-                                        <p:cTn id="55" dur="200"/>
-                                        <p:tgtEl>
-                                          <p:spTgt spid="26"/>
+                                        <p:cTn id="30" dur="300"/>
+                                        <p:tgtEl>
+                                          <p:spTgt spid="22"/>
                                         </p:tgtEl>
                                       </p:cBhvr>
                                     </p:animEffect>
                                     <p:anim calcmode="lin" valueType="num">
                                       <p:cBhvr>
-                                        <p:cTn id="56" dur="200" fill="hold"/>
-                                        <p:tgtEl>
-                                          <p:spTgt spid="26"/>
+                                        <p:cTn id="31" dur="300" fill="hold"/>
+                                        <p:tgtEl>
+                                          <p:spTgt spid="22"/>
                                         </p:tgtEl>
                                         <p:attrNameLst>
                                           <p:attrName>ppt_x</p:attrName>
@@ -5846,9 +5669,9 @@
                                     </p:anim>
                                     <p:anim calcmode="lin" valueType="num">
                                       <p:cBhvr>
-                                        <p:cTn id="57" dur="200" fill="hold"/>
-                                        <p:tgtEl>
-                                          <p:spTgt spid="26"/>
+                                        <p:cTn id="32" dur="300" fill="hold"/>
+                                        <p:tgtEl>
+                                          <p:spTgt spid="22"/>
                                         </p:tgtEl>
                                         <p:attrNameLst>
                                           <p:attrName>ppt_y</p:attrName>
@@ -5877,36 +5700,36 @@
                     </p:cTn>
                   </p:par>
                   <p:par>
-                    <p:cTn id="58" fill="hold">
+                    <p:cTn id="33" fill="hold">
                       <p:stCondLst>
                         <p:cond delay="indefinite"/>
                       </p:stCondLst>
                       <p:childTnLst>
                         <p:par>
-                          <p:cTn id="59" fill="hold">
+                          <p:cTn id="34" fill="hold">
                             <p:stCondLst>
                               <p:cond delay="0"/>
                             </p:stCondLst>
                             <p:childTnLst>
                               <p:par>
-                                <p:cTn id="60" presetID="42" presetClass="exit" presetSubtype="0" fill="hold" grpId="1" nodeType="clickEffect">
+                                <p:cTn id="35" presetID="42" presetClass="exit" presetSubtype="0" fill="hold" grpId="1" nodeType="clickEffect">
                                   <p:stCondLst>
                                     <p:cond delay="0"/>
                                   </p:stCondLst>
                                   <p:childTnLst>
                                     <p:animEffect transition="out" filter="fade">
                                       <p:cBhvr>
-                                        <p:cTn id="61" dur="300"/>
-                                        <p:tgtEl>
-                                          <p:spTgt spid="26"/>
+                                        <p:cTn id="36" dur="300"/>
+                                        <p:tgtEl>
+                                          <p:spTgt spid="22"/>
                                         </p:tgtEl>
                                       </p:cBhvr>
                                     </p:animEffect>
                                     <p:anim calcmode="lin" valueType="num">
                                       <p:cBhvr>
-                                        <p:cTn id="62" dur="300"/>
-                                        <p:tgtEl>
-                                          <p:spTgt spid="26"/>
+                                        <p:cTn id="37" dur="300"/>
+                                        <p:tgtEl>
+                                          <p:spTgt spid="22"/>
                                         </p:tgtEl>
                                         <p:attrNameLst>
                                           <p:attrName>ppt_x</p:attrName>
@@ -5927,9 +5750,9 @@
                                     </p:anim>
                                     <p:anim calcmode="lin" valueType="num">
                                       <p:cBhvr>
-                                        <p:cTn id="63" dur="300"/>
-                                        <p:tgtEl>
-                                          <p:spTgt spid="26"/>
+                                        <p:cTn id="38" dur="300"/>
+                                        <p:tgtEl>
+                                          <p:spTgt spid="22"/>
                                         </p:tgtEl>
                                         <p:attrNameLst>
                                           <p:attrName>ppt_y</p:attrName>
@@ -5950,13 +5773,13 @@
                                     </p:anim>
                                     <p:set>
                                       <p:cBhvr>
-                                        <p:cTn id="64" dur="1" fill="hold">
+                                        <p:cTn id="39" dur="1" fill="hold">
                                           <p:stCondLst>
                                             <p:cond delay="299"/>
                                           </p:stCondLst>
                                         </p:cTn>
                                         <p:tgtEl>
-                                          <p:spTgt spid="26"/>
+                                          <p:spTgt spid="22"/>
                                         </p:tgtEl>
                                         <p:attrNameLst>
                                           <p:attrName>style.visibility</p:attrName>
@@ -5976,35 +5799,35 @@
                     </p:cTn>
                   </p:par>
                   <p:par>
-                    <p:cTn id="65" fill="hold">
+                    <p:cTn id="40" fill="hold">
                       <p:stCondLst>
                         <p:cond delay="indefinite"/>
                       </p:stCondLst>
                       <p:childTnLst>
                         <p:par>
-                          <p:cTn id="66" fill="hold">
+                          <p:cTn id="41" fill="hold">
                             <p:stCondLst>
                               <p:cond delay="0"/>
                             </p:stCondLst>
                             <p:childTnLst>
                               <p:par>
-                                <p:cTn id="67" presetID="42" presetClass="path" presetSubtype="0" accel="50000" decel="50000" fill="hold" grpId="0" nodeType="clickEffect">
+                                <p:cTn id="42" presetID="42" presetClass="path" presetSubtype="0" accel="50000" decel="50000" fill="hold" grpId="0" nodeType="clickEffect">
                                   <p:stCondLst>
                                     <p:cond delay="0"/>
                                   </p:stCondLst>
                                   <p:childTnLst>
-                                    <p:animMotion origin="layout" path="M 3.95833E-6 -3.7037E-7 L -0.15222 0.09792 " pathEditMode="relative" rAng="0" ptsTypes="AA">
-                                      <p:cBhvr>
-                                        <p:cTn id="68" dur="200" fill="hold"/>
-                                        <p:tgtEl>
-                                          <p:spTgt spid="8"/>
+                                    <p:animMotion origin="layout" path="M -2.91667E-6 -4.07407E-6 L -0.11654 0.08148 " pathEditMode="relative" rAng="0" ptsTypes="AA">
+                                      <p:cBhvr>
+                                        <p:cTn id="43" dur="200" fill="hold"/>
+                                        <p:tgtEl>
+                                          <p:spTgt spid="10"/>
                                         </p:tgtEl>
                                         <p:attrNameLst>
                                           <p:attrName>ppt_x</p:attrName>
                                           <p:attrName>ppt_y</p:attrName>
                                         </p:attrNameLst>
                                       </p:cBhvr>
-                                      <p:rCtr x="-7891" y="4884"/>
+                                      <p:rCtr x="-5755" y="4144"/>
                                     </p:animMotion>
                                   </p:childTnLst>
                                 </p:cTn>
@@ -6016,35 +5839,35 @@
                     </p:cTn>
                   </p:par>
                   <p:par>
-                    <p:cTn id="69" fill="hold">
+                    <p:cTn id="44" fill="hold">
                       <p:stCondLst>
                         <p:cond delay="indefinite"/>
                       </p:stCondLst>
                       <p:childTnLst>
                         <p:par>
-                          <p:cTn id="70" fill="hold">
+                          <p:cTn id="45" fill="hold">
                             <p:stCondLst>
                               <p:cond delay="0"/>
                             </p:stCondLst>
                             <p:childTnLst>
                               <p:par>
-                                <p:cTn id="71" presetID="42" presetClass="path" presetSubtype="0" accel="50000" decel="50000" fill="hold" grpId="1" nodeType="clickEffect">
+                                <p:cTn id="46" presetID="42" presetClass="path" presetSubtype="0" accel="50000" decel="50000" fill="hold" grpId="1" nodeType="clickEffect">
                                   <p:stCondLst>
                                     <p:cond delay="0"/>
                                   </p:stCondLst>
                                   <p:childTnLst>
-                                    <p:animMotion origin="layout" path="M 0.15326 -0.0993 L 0.29466 -0.1956 " pathEditMode="relative" rAng="0" ptsTypes="AA">
-                                      <p:cBhvr>
-                                        <p:cTn id="72" dur="200" fill="hold"/>
-                                        <p:tgtEl>
-                                          <p:spTgt spid="12"/>
+                                    <p:animMotion origin="layout" path="M 0.11705 -0.07593 L 0.26002 -0.16852 " pathEditMode="relative" rAng="0" ptsTypes="AA">
+                                      <p:cBhvr>
+                                        <p:cTn id="47" dur="200" fill="hold"/>
+                                        <p:tgtEl>
+                                          <p:spTgt spid="9"/>
                                         </p:tgtEl>
                                         <p:attrNameLst>
                                           <p:attrName>ppt_x</p:attrName>
                                           <p:attrName>ppt_y</p:attrName>
                                         </p:attrNameLst>
                                       </p:cBhvr>
-                                      <p:rCtr x="7031" y="-4722"/>
+                                      <p:rCtr x="7148" y="-4630"/>
                                     </p:animMotion>
                                   </p:childTnLst>
                                 </p:cTn>
@@ -6056,32 +5879,32 @@
                     </p:cTn>
                   </p:par>
                   <p:par>
-                    <p:cTn id="73" fill="hold">
+                    <p:cTn id="48" fill="hold">
                       <p:stCondLst>
                         <p:cond delay="indefinite"/>
                       </p:stCondLst>
                       <p:childTnLst>
                         <p:par>
-                          <p:cTn id="74" fill="hold">
+                          <p:cTn id="49" fill="hold">
                             <p:stCondLst>
                               <p:cond delay="0"/>
                             </p:stCondLst>
                             <p:childTnLst>
                               <p:par>
-                                <p:cTn id="75" presetID="42" presetClass="entr" presetSubtype="0" fill="hold" grpId="2" nodeType="clickEffect">
+                                <p:cTn id="50" presetID="42" presetClass="entr" presetSubtype="0" fill="hold" grpId="0" nodeType="clickEffect">
                                   <p:stCondLst>
                                     <p:cond delay="0"/>
                                   </p:stCondLst>
                                   <p:childTnLst>
                                     <p:set>
                                       <p:cBhvr>
-                                        <p:cTn id="76" dur="1" fill="hold">
+                                        <p:cTn id="51" dur="1" fill="hold">
                                           <p:stCondLst>
                                             <p:cond delay="0"/>
                                           </p:stCondLst>
                                         </p:cTn>
                                         <p:tgtEl>
-                                          <p:spTgt spid="26"/>
+                                          <p:spTgt spid="23"/>
                                         </p:tgtEl>
                                         <p:attrNameLst>
                                           <p:attrName>style.visibility</p:attrName>
@@ -6093,17 +5916,17 @@
                                     </p:set>
                                     <p:animEffect transition="in" filter="fade">
                                       <p:cBhvr>
-                                        <p:cTn id="77" dur="200"/>
-                                        <p:tgtEl>
-                                          <p:spTgt spid="26"/>
+                                        <p:cTn id="52" dur="200"/>
+                                        <p:tgtEl>
+                                          <p:spTgt spid="23"/>
                                         </p:tgtEl>
                                       </p:cBhvr>
                                     </p:animEffect>
                                     <p:anim calcmode="lin" valueType="num">
                                       <p:cBhvr>
-                                        <p:cTn id="78" dur="200" fill="hold"/>
-                                        <p:tgtEl>
-                                          <p:spTgt spid="26"/>
+                                        <p:cTn id="53" dur="200" fill="hold"/>
+                                        <p:tgtEl>
+                                          <p:spTgt spid="23"/>
                                         </p:tgtEl>
                                         <p:attrNameLst>
                                           <p:attrName>ppt_x</p:attrName>
@@ -6124,9 +5947,9 @@
                                     </p:anim>
                                     <p:anim calcmode="lin" valueType="num">
                                       <p:cBhvr>
-                                        <p:cTn id="79" dur="200" fill="hold"/>
-                                        <p:tgtEl>
-                                          <p:spTgt spid="26"/>
+                                        <p:cTn id="54" dur="200" fill="hold"/>
+                                        <p:tgtEl>
+                                          <p:spTgt spid="23"/>
                                         </p:tgtEl>
                                         <p:attrNameLst>
                                           <p:attrName>ppt_y</p:attrName>
@@ -6155,36 +5978,36 @@
                     </p:cTn>
                   </p:par>
                   <p:par>
-                    <p:cTn id="80" fill="hold">
+                    <p:cTn id="55" fill="hold">
                       <p:stCondLst>
                         <p:cond delay="indefinite"/>
                       </p:stCondLst>
                       <p:childTnLst>
                         <p:par>
-                          <p:cTn id="81" fill="hold">
+                          <p:cTn id="56" fill="hold">
                             <p:stCondLst>
                               <p:cond delay="0"/>
                             </p:stCondLst>
                             <p:childTnLst>
                               <p:par>
-                                <p:cTn id="82" presetID="42" presetClass="exit" presetSubtype="0" fill="hold" grpId="3" nodeType="clickEffect">
+                                <p:cTn id="57" presetID="42" presetClass="exit" presetSubtype="0" fill="hold" grpId="1" nodeType="clickEffect">
                                   <p:stCondLst>
                                     <p:cond delay="0"/>
                                   </p:stCondLst>
                                   <p:childTnLst>
                                     <p:animEffect transition="out" filter="fade">
                                       <p:cBhvr>
-                                        <p:cTn id="83" dur="200"/>
-                                        <p:tgtEl>
-                                          <p:spTgt spid="26"/>
+                                        <p:cTn id="58" dur="300"/>
+                                        <p:tgtEl>
+                                          <p:spTgt spid="23"/>
                                         </p:tgtEl>
                                       </p:cBhvr>
                                     </p:animEffect>
                                     <p:anim calcmode="lin" valueType="num">
                                       <p:cBhvr>
-                                        <p:cTn id="84" dur="200"/>
-                                        <p:tgtEl>
-                                          <p:spTgt spid="26"/>
+                                        <p:cTn id="59" dur="300"/>
+                                        <p:tgtEl>
+                                          <p:spTgt spid="23"/>
                                         </p:tgtEl>
                                         <p:attrNameLst>
                                           <p:attrName>ppt_x</p:attrName>
@@ -6205,9 +6028,9 @@
                                     </p:anim>
                                     <p:anim calcmode="lin" valueType="num">
                                       <p:cBhvr>
-                                        <p:cTn id="85" dur="200"/>
-                                        <p:tgtEl>
-                                          <p:spTgt spid="26"/>
+                                        <p:cTn id="60" dur="300"/>
+                                        <p:tgtEl>
+                                          <p:spTgt spid="23"/>
                                         </p:tgtEl>
                                         <p:attrNameLst>
                                           <p:attrName>ppt_y</p:attrName>
@@ -6228,13 +6051,13 @@
                                     </p:anim>
                                     <p:set>
                                       <p:cBhvr>
-                                        <p:cTn id="86" dur="1" fill="hold">
+                                        <p:cTn id="61" dur="1" fill="hold">
                                           <p:stCondLst>
-                                            <p:cond delay="199"/>
+                                            <p:cond delay="299"/>
                                           </p:stCondLst>
                                         </p:cTn>
                                         <p:tgtEl>
-                                          <p:spTgt spid="26"/>
+                                          <p:spTgt spid="23"/>
                                         </p:tgtEl>
                                         <p:attrNameLst>
                                           <p:attrName>style.visibility</p:attrName>
@@ -6254,26 +6077,582 @@
                     </p:cTn>
                   </p:par>
                   <p:par>
-                    <p:cTn id="87" fill="hold">
+                    <p:cTn id="62" fill="hold">
                       <p:stCondLst>
                         <p:cond delay="indefinite"/>
                       </p:stCondLst>
                       <p:childTnLst>
                         <p:par>
-                          <p:cTn id="88" fill="hold">
+                          <p:cTn id="63" fill="hold">
                             <p:stCondLst>
                               <p:cond delay="0"/>
                             </p:stCondLst>
                             <p:childTnLst>
                               <p:par>
-                                <p:cTn id="89" presetID="42" presetClass="path" presetSubtype="0" accel="50000" decel="50000" fill="hold" grpId="0" nodeType="clickEffect">
+                                <p:cTn id="64" presetID="42" presetClass="path" presetSubtype="0" accel="50000" decel="50000" fill="hold" grpId="2" nodeType="clickEffect">
+                                  <p:stCondLst>
+                                    <p:cond delay="0"/>
+                                  </p:stCondLst>
+                                  <p:childTnLst>
+                                    <p:animMotion origin="layout" path="M 0.26002 -0.16852 L 0.11653 -0.08149 " pathEditMode="relative" rAng="0" ptsTypes="AA">
+                                      <p:cBhvr>
+                                        <p:cTn id="65" dur="300" fill="hold"/>
+                                        <p:tgtEl>
+                                          <p:spTgt spid="9"/>
+                                        </p:tgtEl>
+                                        <p:attrNameLst>
+                                          <p:attrName>ppt_x</p:attrName>
+                                          <p:attrName>ppt_y</p:attrName>
+                                        </p:attrNameLst>
+                                      </p:cBhvr>
+                                      <p:rCtr x="-7174" y="4352"/>
+                                    </p:animMotion>
+                                  </p:childTnLst>
+                                </p:cTn>
+                              </p:par>
+                            </p:childTnLst>
+                          </p:cTn>
+                        </p:par>
+                      </p:childTnLst>
+                    </p:cTn>
+                  </p:par>
+                  <p:par>
+                    <p:cTn id="66" fill="hold">
+                      <p:stCondLst>
+                        <p:cond delay="indefinite"/>
+                      </p:stCondLst>
+                      <p:childTnLst>
+                        <p:par>
+                          <p:cTn id="67" fill="hold">
+                            <p:stCondLst>
+                              <p:cond delay="0"/>
+                            </p:stCondLst>
+                            <p:childTnLst>
+                              <p:par>
+                                <p:cTn id="68" presetID="42" presetClass="path" presetSubtype="0" accel="50000" decel="50000" fill="hold" grpId="0" nodeType="clickEffect">
+                                  <p:stCondLst>
+                                    <p:cond delay="0"/>
+                                  </p:stCondLst>
+                                  <p:childTnLst>
+                                    <p:animMotion origin="layout" path="M 2.08333E-7 2.96296E-6 L 0.15326 -0.09931 " pathEditMode="relative" rAng="0" ptsTypes="AA">
+                                      <p:cBhvr>
+                                        <p:cTn id="69" dur="200" fill="hold"/>
+                                        <p:tgtEl>
+                                          <p:spTgt spid="12"/>
+                                        </p:tgtEl>
+                                        <p:attrNameLst>
+                                          <p:attrName>ppt_x</p:attrName>
+                                          <p:attrName>ppt_y</p:attrName>
+                                        </p:attrNameLst>
+                                      </p:cBhvr>
+                                      <p:rCtr x="7656" y="-4977"/>
+                                    </p:animMotion>
+                                  </p:childTnLst>
+                                </p:cTn>
+                              </p:par>
+                            </p:childTnLst>
+                          </p:cTn>
+                        </p:par>
+                      </p:childTnLst>
+                    </p:cTn>
+                  </p:par>
+                  <p:par>
+                    <p:cTn id="70" fill="hold">
+                      <p:stCondLst>
+                        <p:cond delay="indefinite"/>
+                      </p:stCondLst>
+                      <p:childTnLst>
+                        <p:par>
+                          <p:cTn id="71" fill="hold">
+                            <p:stCondLst>
+                              <p:cond delay="0"/>
+                            </p:stCondLst>
+                            <p:childTnLst>
+                              <p:par>
+                                <p:cTn id="72" presetID="42" presetClass="entr" presetSubtype="0" fill="hold" grpId="0" nodeType="clickEffect">
+                                  <p:stCondLst>
+                                    <p:cond delay="0"/>
+                                  </p:stCondLst>
+                                  <p:childTnLst>
+                                    <p:set>
+                                      <p:cBhvr>
+                                        <p:cTn id="73" dur="1" fill="hold">
+                                          <p:stCondLst>
+                                            <p:cond delay="0"/>
+                                          </p:stCondLst>
+                                        </p:cTn>
+                                        <p:tgtEl>
+                                          <p:spTgt spid="26"/>
+                                        </p:tgtEl>
+                                        <p:attrNameLst>
+                                          <p:attrName>style.visibility</p:attrName>
+                                        </p:attrNameLst>
+                                      </p:cBhvr>
+                                      <p:to>
+                                        <p:strVal val="visible"/>
+                                      </p:to>
+                                    </p:set>
+                                    <p:animEffect transition="in" filter="fade">
+                                      <p:cBhvr>
+                                        <p:cTn id="74" dur="200"/>
+                                        <p:tgtEl>
+                                          <p:spTgt spid="26"/>
+                                        </p:tgtEl>
+                                      </p:cBhvr>
+                                    </p:animEffect>
+                                    <p:anim calcmode="lin" valueType="num">
+                                      <p:cBhvr>
+                                        <p:cTn id="75" dur="200" fill="hold"/>
+                                        <p:tgtEl>
+                                          <p:spTgt spid="26"/>
+                                        </p:tgtEl>
+                                        <p:attrNameLst>
+                                          <p:attrName>ppt_x</p:attrName>
+                                        </p:attrNameLst>
+                                      </p:cBhvr>
+                                      <p:tavLst>
+                                        <p:tav tm="0">
+                                          <p:val>
+                                            <p:strVal val="#ppt_x"/>
+                                          </p:val>
+                                        </p:tav>
+                                        <p:tav tm="100000">
+                                          <p:val>
+                                            <p:strVal val="#ppt_x"/>
+                                          </p:val>
+                                        </p:tav>
+                                      </p:tavLst>
+                                    </p:anim>
+                                    <p:anim calcmode="lin" valueType="num">
+                                      <p:cBhvr>
+                                        <p:cTn id="76" dur="200" fill="hold"/>
+                                        <p:tgtEl>
+                                          <p:spTgt spid="26"/>
+                                        </p:tgtEl>
+                                        <p:attrNameLst>
+                                          <p:attrName>ppt_y</p:attrName>
+                                        </p:attrNameLst>
+                                      </p:cBhvr>
+                                      <p:tavLst>
+                                        <p:tav tm="0">
+                                          <p:val>
+                                            <p:strVal val="#ppt_y+.1"/>
+                                          </p:val>
+                                        </p:tav>
+                                        <p:tav tm="100000">
+                                          <p:val>
+                                            <p:strVal val="#ppt_y"/>
+                                          </p:val>
+                                        </p:tav>
+                                      </p:tavLst>
+                                    </p:anim>
+                                  </p:childTnLst>
+                                </p:cTn>
+                              </p:par>
+                            </p:childTnLst>
+                          </p:cTn>
+                        </p:par>
+                      </p:childTnLst>
+                    </p:cTn>
+                  </p:par>
+                  <p:par>
+                    <p:cTn id="77" fill="hold">
+                      <p:stCondLst>
+                        <p:cond delay="indefinite"/>
+                      </p:stCondLst>
+                      <p:childTnLst>
+                        <p:par>
+                          <p:cTn id="78" fill="hold">
+                            <p:stCondLst>
+                              <p:cond delay="0"/>
+                            </p:stCondLst>
+                            <p:childTnLst>
+                              <p:par>
+                                <p:cTn id="79" presetID="42" presetClass="exit" presetSubtype="0" fill="hold" grpId="1" nodeType="clickEffect">
+                                  <p:stCondLst>
+                                    <p:cond delay="0"/>
+                                  </p:stCondLst>
+                                  <p:childTnLst>
+                                    <p:animEffect transition="out" filter="fade">
+                                      <p:cBhvr>
+                                        <p:cTn id="80" dur="300"/>
+                                        <p:tgtEl>
+                                          <p:spTgt spid="26"/>
+                                        </p:tgtEl>
+                                      </p:cBhvr>
+                                    </p:animEffect>
+                                    <p:anim calcmode="lin" valueType="num">
+                                      <p:cBhvr>
+                                        <p:cTn id="81" dur="300"/>
+                                        <p:tgtEl>
+                                          <p:spTgt spid="26"/>
+                                        </p:tgtEl>
+                                        <p:attrNameLst>
+                                          <p:attrName>ppt_x</p:attrName>
+                                        </p:attrNameLst>
+                                      </p:cBhvr>
+                                      <p:tavLst>
+                                        <p:tav tm="0">
+                                          <p:val>
+                                            <p:strVal val="ppt_x"/>
+                                          </p:val>
+                                        </p:tav>
+                                        <p:tav tm="100000">
+                                          <p:val>
+                                            <p:strVal val="ppt_x"/>
+                                          </p:val>
+                                        </p:tav>
+                                      </p:tavLst>
+                                    </p:anim>
+                                    <p:anim calcmode="lin" valueType="num">
+                                      <p:cBhvr>
+                                        <p:cTn id="82" dur="300"/>
+                                        <p:tgtEl>
+                                          <p:spTgt spid="26"/>
+                                        </p:tgtEl>
+                                        <p:attrNameLst>
+                                          <p:attrName>ppt_y</p:attrName>
+                                        </p:attrNameLst>
+                                      </p:cBhvr>
+                                      <p:tavLst>
+                                        <p:tav tm="0">
+                                          <p:val>
+                                            <p:strVal val="ppt_y"/>
+                                          </p:val>
+                                        </p:tav>
+                                        <p:tav tm="100000">
+                                          <p:val>
+                                            <p:strVal val="ppt_y+.1"/>
+                                          </p:val>
+                                        </p:tav>
+                                      </p:tavLst>
+                                    </p:anim>
+                                    <p:set>
+                                      <p:cBhvr>
+                                        <p:cTn id="83" dur="1" fill="hold">
+                                          <p:stCondLst>
+                                            <p:cond delay="299"/>
+                                          </p:stCondLst>
+                                        </p:cTn>
+                                        <p:tgtEl>
+                                          <p:spTgt spid="26"/>
+                                        </p:tgtEl>
+                                        <p:attrNameLst>
+                                          <p:attrName>style.visibility</p:attrName>
+                                        </p:attrNameLst>
+                                      </p:cBhvr>
+                                      <p:to>
+                                        <p:strVal val="hidden"/>
+                                      </p:to>
+                                    </p:set>
+                                  </p:childTnLst>
+                                </p:cTn>
+                              </p:par>
+                            </p:childTnLst>
+                          </p:cTn>
+                        </p:par>
+                      </p:childTnLst>
+                    </p:cTn>
+                  </p:par>
+                  <p:par>
+                    <p:cTn id="84" fill="hold">
+                      <p:stCondLst>
+                        <p:cond delay="indefinite"/>
+                      </p:stCondLst>
+                      <p:childTnLst>
+                        <p:par>
+                          <p:cTn id="85" fill="hold">
+                            <p:stCondLst>
+                              <p:cond delay="0"/>
+                            </p:stCondLst>
+                            <p:childTnLst>
+                              <p:par>
+                                <p:cTn id="86" presetID="42" presetClass="path" presetSubtype="0" accel="50000" decel="50000" fill="hold" grpId="0" nodeType="clickEffect">
+                                  <p:stCondLst>
+                                    <p:cond delay="0"/>
+                                  </p:stCondLst>
+                                  <p:childTnLst>
+                                    <p:animMotion origin="layout" path="M 3.95833E-6 -3.7037E-7 L -0.15222 0.09792 " pathEditMode="relative" rAng="0" ptsTypes="AA">
+                                      <p:cBhvr>
+                                        <p:cTn id="87" dur="200" fill="hold"/>
+                                        <p:tgtEl>
+                                          <p:spTgt spid="8"/>
+                                        </p:tgtEl>
+                                        <p:attrNameLst>
+                                          <p:attrName>ppt_x</p:attrName>
+                                          <p:attrName>ppt_y</p:attrName>
+                                        </p:attrNameLst>
+                                      </p:cBhvr>
+                                      <p:rCtr x="-7891" y="4884"/>
+                                    </p:animMotion>
+                                  </p:childTnLst>
+                                </p:cTn>
+                              </p:par>
+                            </p:childTnLst>
+                          </p:cTn>
+                        </p:par>
+                      </p:childTnLst>
+                    </p:cTn>
+                  </p:par>
+                  <p:par>
+                    <p:cTn id="88" fill="hold">
+                      <p:stCondLst>
+                        <p:cond delay="indefinite"/>
+                      </p:stCondLst>
+                      <p:childTnLst>
+                        <p:par>
+                          <p:cTn id="89" fill="hold">
+                            <p:stCondLst>
+                              <p:cond delay="0"/>
+                            </p:stCondLst>
+                            <p:childTnLst>
+                              <p:par>
+                                <p:cTn id="90" presetID="42" presetClass="path" presetSubtype="0" accel="50000" decel="50000" fill="hold" grpId="1" nodeType="clickEffect">
+                                  <p:stCondLst>
+                                    <p:cond delay="0"/>
+                                  </p:stCondLst>
+                                  <p:childTnLst>
+                                    <p:animMotion origin="layout" path="M 0.15326 -0.0993 L 0.29466 -0.1956 " pathEditMode="relative" rAng="0" ptsTypes="AA">
+                                      <p:cBhvr>
+                                        <p:cTn id="91" dur="200" fill="hold"/>
+                                        <p:tgtEl>
+                                          <p:spTgt spid="12"/>
+                                        </p:tgtEl>
+                                        <p:attrNameLst>
+                                          <p:attrName>ppt_x</p:attrName>
+                                          <p:attrName>ppt_y</p:attrName>
+                                        </p:attrNameLst>
+                                      </p:cBhvr>
+                                      <p:rCtr x="7031" y="-4722"/>
+                                    </p:animMotion>
+                                  </p:childTnLst>
+                                </p:cTn>
+                              </p:par>
+                            </p:childTnLst>
+                          </p:cTn>
+                        </p:par>
+                      </p:childTnLst>
+                    </p:cTn>
+                  </p:par>
+                  <p:par>
+                    <p:cTn id="92" fill="hold">
+                      <p:stCondLst>
+                        <p:cond delay="indefinite"/>
+                      </p:stCondLst>
+                      <p:childTnLst>
+                        <p:par>
+                          <p:cTn id="93" fill="hold">
+                            <p:stCondLst>
+                              <p:cond delay="0"/>
+                            </p:stCondLst>
+                            <p:childTnLst>
+                              <p:par>
+                                <p:cTn id="94" presetID="42" presetClass="entr" presetSubtype="0" fill="hold" grpId="2" nodeType="clickEffect">
+                                  <p:stCondLst>
+                                    <p:cond delay="0"/>
+                                  </p:stCondLst>
+                                  <p:childTnLst>
+                                    <p:set>
+                                      <p:cBhvr>
+                                        <p:cTn id="95" dur="1" fill="hold">
+                                          <p:stCondLst>
+                                            <p:cond delay="0"/>
+                                          </p:stCondLst>
+                                        </p:cTn>
+                                        <p:tgtEl>
+                                          <p:spTgt spid="26"/>
+                                        </p:tgtEl>
+                                        <p:attrNameLst>
+                                          <p:attrName>style.visibility</p:attrName>
+                                        </p:attrNameLst>
+                                      </p:cBhvr>
+                                      <p:to>
+                                        <p:strVal val="visible"/>
+                                      </p:to>
+                                    </p:set>
+                                    <p:animEffect transition="in" filter="fade">
+                                      <p:cBhvr>
+                                        <p:cTn id="96" dur="200"/>
+                                        <p:tgtEl>
+                                          <p:spTgt spid="26"/>
+                                        </p:tgtEl>
+                                      </p:cBhvr>
+                                    </p:animEffect>
+                                    <p:anim calcmode="lin" valueType="num">
+                                      <p:cBhvr>
+                                        <p:cTn id="97" dur="200" fill="hold"/>
+                                        <p:tgtEl>
+                                          <p:spTgt spid="26"/>
+                                        </p:tgtEl>
+                                        <p:attrNameLst>
+                                          <p:attrName>ppt_x</p:attrName>
+                                        </p:attrNameLst>
+                                      </p:cBhvr>
+                                      <p:tavLst>
+                                        <p:tav tm="0">
+                                          <p:val>
+                                            <p:strVal val="#ppt_x"/>
+                                          </p:val>
+                                        </p:tav>
+                                        <p:tav tm="100000">
+                                          <p:val>
+                                            <p:strVal val="#ppt_x"/>
+                                          </p:val>
+                                        </p:tav>
+                                      </p:tavLst>
+                                    </p:anim>
+                                    <p:anim calcmode="lin" valueType="num">
+                                      <p:cBhvr>
+                                        <p:cTn id="98" dur="200" fill="hold"/>
+                                        <p:tgtEl>
+                                          <p:spTgt spid="26"/>
+                                        </p:tgtEl>
+                                        <p:attrNameLst>
+                                          <p:attrName>ppt_y</p:attrName>
+                                        </p:attrNameLst>
+                                      </p:cBhvr>
+                                      <p:tavLst>
+                                        <p:tav tm="0">
+                                          <p:val>
+                                            <p:strVal val="#ppt_y+.1"/>
+                                          </p:val>
+                                        </p:tav>
+                                        <p:tav tm="100000">
+                                          <p:val>
+                                            <p:strVal val="#ppt_y"/>
+                                          </p:val>
+                                        </p:tav>
+                                      </p:tavLst>
+                                    </p:anim>
+                                  </p:childTnLst>
+                                </p:cTn>
+                              </p:par>
+                            </p:childTnLst>
+                          </p:cTn>
+                        </p:par>
+                      </p:childTnLst>
+                    </p:cTn>
+                  </p:par>
+                  <p:par>
+                    <p:cTn id="99" fill="hold">
+                      <p:stCondLst>
+                        <p:cond delay="indefinite"/>
+                      </p:stCondLst>
+                      <p:childTnLst>
+                        <p:par>
+                          <p:cTn id="100" fill="hold">
+                            <p:stCondLst>
+                              <p:cond delay="0"/>
+                            </p:stCondLst>
+                            <p:childTnLst>
+                              <p:par>
+                                <p:cTn id="101" presetID="42" presetClass="exit" presetSubtype="0" fill="hold" grpId="3" nodeType="clickEffect">
+                                  <p:stCondLst>
+                                    <p:cond delay="0"/>
+                                  </p:stCondLst>
+                                  <p:childTnLst>
+                                    <p:animEffect transition="out" filter="fade">
+                                      <p:cBhvr>
+                                        <p:cTn id="102" dur="200"/>
+                                        <p:tgtEl>
+                                          <p:spTgt spid="26"/>
+                                        </p:tgtEl>
+                                      </p:cBhvr>
+                                    </p:animEffect>
+                                    <p:anim calcmode="lin" valueType="num">
+                                      <p:cBhvr>
+                                        <p:cTn id="103" dur="200"/>
+                                        <p:tgtEl>
+                                          <p:spTgt spid="26"/>
+                                        </p:tgtEl>
+                                        <p:attrNameLst>
+                                          <p:attrName>ppt_x</p:attrName>
+                                        </p:attrNameLst>
+                                      </p:cBhvr>
+                                      <p:tavLst>
+                                        <p:tav tm="0">
+                                          <p:val>
+                                            <p:strVal val="ppt_x"/>
+                                          </p:val>
+                                        </p:tav>
+                                        <p:tav tm="100000">
+                                          <p:val>
+                                            <p:strVal val="ppt_x"/>
+                                          </p:val>
+                                        </p:tav>
+                                      </p:tavLst>
+                                    </p:anim>
+                                    <p:anim calcmode="lin" valueType="num">
+                                      <p:cBhvr>
+                                        <p:cTn id="104" dur="200"/>
+                                        <p:tgtEl>
+                                          <p:spTgt spid="26"/>
+                                        </p:tgtEl>
+                                        <p:attrNameLst>
+                                          <p:attrName>ppt_y</p:attrName>
+                                        </p:attrNameLst>
+                                      </p:cBhvr>
+                                      <p:tavLst>
+                                        <p:tav tm="0">
+                                          <p:val>
+                                            <p:strVal val="ppt_y"/>
+                                          </p:val>
+                                        </p:tav>
+                                        <p:tav tm="100000">
+                                          <p:val>
+                                            <p:strVal val="ppt_y+.1"/>
+                                          </p:val>
+                                        </p:tav>
+                                      </p:tavLst>
+                                    </p:anim>
+                                    <p:set>
+                                      <p:cBhvr>
+                                        <p:cTn id="105" dur="1" fill="hold">
+                                          <p:stCondLst>
+                                            <p:cond delay="199"/>
+                                          </p:stCondLst>
+                                        </p:cTn>
+                                        <p:tgtEl>
+                                          <p:spTgt spid="26"/>
+                                        </p:tgtEl>
+                                        <p:attrNameLst>
+                                          <p:attrName>style.visibility</p:attrName>
+                                        </p:attrNameLst>
+                                      </p:cBhvr>
+                                      <p:to>
+                                        <p:strVal val="hidden"/>
+                                      </p:to>
+                                    </p:set>
+                                  </p:childTnLst>
+                                </p:cTn>
+                              </p:par>
+                            </p:childTnLst>
+                          </p:cTn>
+                        </p:par>
+                      </p:childTnLst>
+                    </p:cTn>
+                  </p:par>
+                  <p:par>
+                    <p:cTn id="106" fill="hold">
+                      <p:stCondLst>
+                        <p:cond delay="indefinite"/>
+                      </p:stCondLst>
+                      <p:childTnLst>
+                        <p:par>
+                          <p:cTn id="107" fill="hold">
+                            <p:stCondLst>
+                              <p:cond delay="0"/>
+                            </p:stCondLst>
+                            <p:childTnLst>
+                              <p:par>
+                                <p:cTn id="108" presetID="42" presetClass="path" presetSubtype="0" accel="50000" decel="50000" fill="hold" grpId="0" nodeType="clickEffect">
                                   <p:stCondLst>
                                     <p:cond delay="0"/>
                                   </p:stCondLst>
                                   <p:childTnLst>
                                     <p:animMotion origin="layout" path="M 2.70833E-6 4.81481E-6 L -0.13828 0.09768 " pathEditMode="relative" rAng="0" ptsTypes="AA">
                                       <p:cBhvr>
-                                        <p:cTn id="90" dur="100" fill="hold"/>
+                                        <p:cTn id="109" dur="100" fill="hold"/>
                                         <p:tgtEl>
                                           <p:spTgt spid="7"/>
                                         </p:tgtEl>
@@ -6294,32 +6673,83 @@
                     </p:cTn>
                   </p:par>
                   <p:par>
-                    <p:cTn id="91" fill="hold">
+                    <p:cTn id="110" fill="hold">
                       <p:stCondLst>
                         <p:cond delay="indefinite"/>
                       </p:stCondLst>
                       <p:childTnLst>
                         <p:par>
-                          <p:cTn id="92" fill="hold">
+                          <p:cTn id="111" fill="hold">
                             <p:stCondLst>
                               <p:cond delay="0"/>
                             </p:stCondLst>
                             <p:childTnLst>
                               <p:par>
-                                <p:cTn id="93" presetID="10" presetClass="entr" presetSubtype="0" fill="hold" grpId="0" nodeType="clickEffect">
+                                <p:cTn id="112" presetID="1" presetClass="emph" presetSubtype="2" fill="hold" nodeType="clickEffect">
+                                  <p:stCondLst>
+                                    <p:cond delay="0"/>
+                                  </p:stCondLst>
+                                  <p:childTnLst>
+                                    <p:animClr clrSpc="rgb" dir="cw">
+                                      <p:cBhvr>
+                                        <p:cTn id="113" dur="100" fill="hold"/>
+                                        <p:tgtEl>
+                                          <p:spTgt spid="12"/>
+                                        </p:tgtEl>
+                                        <p:attrNameLst>
+                                          <p:attrName>fillcolor</p:attrName>
+                                        </p:attrNameLst>
+                                      </p:cBhvr>
+                                      <p:to>
+                                        <a:srgbClr val="70AD47"/>
+                                      </p:to>
+                                    </p:animClr>
+                                    <p:set>
+                                      <p:cBhvr>
+                                        <p:cTn id="114" dur="100" fill="hold"/>
+                                        <p:tgtEl>
+                                          <p:spTgt spid="12"/>
+                                        </p:tgtEl>
+                                        <p:attrNameLst>
+                                          <p:attrName>fill.type</p:attrName>
+                                        </p:attrNameLst>
+                                      </p:cBhvr>
+                                      <p:to>
+                                        <p:strVal val="solid"/>
+                                      </p:to>
+                                    </p:set>
+                                    <p:set>
+                                      <p:cBhvr>
+                                        <p:cTn id="115" dur="100" fill="hold"/>
+                                        <p:tgtEl>
+                                          <p:spTgt spid="12"/>
+                                        </p:tgtEl>
+                                        <p:attrNameLst>
+                                          <p:attrName>fill.on</p:attrName>
+                                        </p:attrNameLst>
+                                      </p:cBhvr>
+                                      <p:to>
+                                        <p:strVal val="true"/>
+                                      </p:to>
+                                    </p:set>
+                                  </p:childTnLst>
+                                </p:cTn>
+                              </p:par>
+                              <p:par>
+                                <p:cTn id="116" presetID="10" presetClass="entr" presetSubtype="0" fill="hold" grpId="0" nodeType="withEffect">
                                   <p:stCondLst>
                                     <p:cond delay="0"/>
                                   </p:stCondLst>
                                   <p:childTnLst>
                                     <p:set>
                                       <p:cBhvr>
-                                        <p:cTn id="94" dur="1" fill="hold">
+                                        <p:cTn id="117" dur="1" fill="hold">
                                           <p:stCondLst>
                                             <p:cond delay="0"/>
                                           </p:stCondLst>
                                         </p:cTn>
                                         <p:tgtEl>
-                                          <p:spTgt spid="20"/>
+                                          <p:spTgt spid="19"/>
                                         </p:tgtEl>
                                         <p:attrNameLst>
                                           <p:attrName>style.visibility</p:attrName>
@@ -6331,9 +6761,9 @@
                                     </p:set>
                                     <p:animEffect transition="in" filter="fade">
                                       <p:cBhvr>
-                                        <p:cTn id="95" dur="500"/>
-                                        <p:tgtEl>
-                                          <p:spTgt spid="20"/>
+                                        <p:cTn id="118" dur="100"/>
+                                        <p:tgtEl>
+                                          <p:spTgt spid="19"/>
                                         </p:tgtEl>
                                       </p:cBhvr>
                                     </p:animEffect>
@@ -6376,7 +6806,8 @@
       <p:bldP spid="9" grpId="0" animBg="1"/>
       <p:bldP spid="9" grpId="1" animBg="1"/>
       <p:bldP spid="9" grpId="2" animBg="1"/>
-      <p:bldP spid="20" grpId="0"/>
+      <p:bldP spid="21" grpId="0"/>
+      <p:bldP spid="21" grpId="1"/>
       <p:bldP spid="22" grpId="0"/>
       <p:bldP spid="22" grpId="1"/>
       <p:bldP spid="23" grpId="0"/>
@@ -6385,6 +6816,8 @@
       <p:bldP spid="26" grpId="1"/>
       <p:bldP spid="26" grpId="2"/>
       <p:bldP spid="26" grpId="3"/>
+      <p:bldP spid="19" grpId="0"/>
+      <p:bldP spid="24" grpId="0"/>
     </p:bldLst>
   </p:timing>
 </p:sld>
@@ -6534,7 +6967,7 @@
             <a:avLst/>
           </a:prstGeom>
           <a:solidFill>
-            <a:schemeClr val="accent4"/>
+            <a:schemeClr val="accent6"/>
           </a:solidFill>
           <a:ln>
             <a:noFill/>
@@ -6636,7 +7069,7 @@
             <a:avLst/>
           </a:prstGeom>
           <a:solidFill>
-            <a:schemeClr val="accent4"/>
+            <a:schemeClr val="accent6"/>
           </a:solidFill>
           <a:ln>
             <a:noFill/>
@@ -6916,8 +7349,8 @@
         </p:nvSpPr>
         <p:spPr>
           <a:xfrm>
-            <a:off x="4778111" y="5400688"/>
-            <a:ext cx="6730738" cy="518474"/>
+            <a:off x="4948636" y="5445150"/>
+            <a:ext cx="6730738" cy="1135446"/>
           </a:xfrm>
           <a:prstGeom prst="rect">
             <a:avLst/>
@@ -6954,8 +7387,38 @@
                   <a:schemeClr val="accent4"/>
                 </a:solidFill>
               </a:rPr>
-              <a:t>The big number (5 and 9) we found earlier, there is no need to test them again.</a:t>
-            </a:r>
+              <a:t>5 and 9 are already sorted, no need to compare to them again, it is wasting of time. </a:t>
+            </a:r>
+          </a:p>
+          <a:p>
+            <a:pPr algn="ctr"/>
+            <a:endParaRPr lang="en-US" b="1" dirty="0">
+              <a:solidFill>
+                <a:schemeClr val="accent4"/>
+              </a:solidFill>
+            </a:endParaRPr>
+          </a:p>
+          <a:p>
+            <a:pPr algn="ctr"/>
+            <a:r>
+              <a:rPr lang="en-US" b="1" dirty="0" smtClean="0">
+                <a:solidFill>
+                  <a:schemeClr val="accent4"/>
+                </a:solidFill>
+              </a:rPr>
+              <a:t>Now </a:t>
+            </a:r>
+            <a:r>
+              <a:rPr lang="en-US" b="1" dirty="0">
+                <a:solidFill>
+                  <a:schemeClr val="accent4"/>
+                </a:solidFill>
+              </a:rPr>
+              <a:t>we have our list sorted In ascending order.</a:t>
+            </a:r>
+          </a:p>
+          <a:p>
+            <a:pPr algn="ctr"/>
             <a:endParaRPr lang="en-US" b="1" dirty="0">
               <a:solidFill>
                 <a:schemeClr val="accent4"/>
@@ -7084,7 +7547,7 @@
         </p:nvSpPr>
         <p:spPr>
           <a:xfrm>
-            <a:off x="7363701" y="1211149"/>
+            <a:off x="7422114" y="1230412"/>
             <a:ext cx="1242175" cy="518474"/>
           </a:xfrm>
           <a:prstGeom prst="rect">
@@ -7123,62 +7586,6 @@
                 </a:solidFill>
               </a:rPr>
               <a:t>Swap</a:t>
-            </a:r>
-            <a:endParaRPr lang="en-US" b="1" dirty="0">
-              <a:solidFill>
-                <a:schemeClr val="accent4"/>
-              </a:solidFill>
-            </a:endParaRPr>
-          </a:p>
-        </p:txBody>
-      </p:sp>
-      <p:sp>
-        <p:nvSpPr>
-          <p:cNvPr id="21" name="Rectangle 20"/>
-          <p:cNvSpPr/>
-          <p:nvPr/>
-        </p:nvSpPr>
-        <p:spPr>
-          <a:xfrm>
-            <a:off x="4778111" y="5962051"/>
-            <a:ext cx="6730738" cy="518474"/>
-          </a:xfrm>
-          <a:prstGeom prst="rect">
-            <a:avLst/>
-          </a:prstGeom>
-          <a:noFill/>
-          <a:ln>
-            <a:noFill/>
-          </a:ln>
-        </p:spPr>
-        <p:style>
-          <a:lnRef idx="2">
-            <a:schemeClr val="accent1">
-              <a:shade val="50000"/>
-            </a:schemeClr>
-          </a:lnRef>
-          <a:fillRef idx="1">
-            <a:schemeClr val="accent1"/>
-          </a:fillRef>
-          <a:effectRef idx="0">
-            <a:schemeClr val="accent1"/>
-          </a:effectRef>
-          <a:fontRef idx="minor">
-            <a:schemeClr val="lt1"/>
-          </a:fontRef>
-        </p:style>
-        <p:txBody>
-          <a:bodyPr rtlCol="0" anchor="ctr"/>
-          <a:lstStyle/>
-          <a:p>
-            <a:pPr algn="ctr"/>
-            <a:r>
-              <a:rPr lang="en-US" b="1" dirty="0" smtClean="0">
-                <a:solidFill>
-                  <a:schemeClr val="accent4"/>
-                </a:solidFill>
-              </a:rPr>
-              <a:t>Now we have our list sorted In ascending order.</a:t>
             </a:r>
             <a:endParaRPr lang="en-US" b="1" dirty="0">
               <a:solidFill>
@@ -7245,8 +7652,86 @@
               </a:solidFill>
             </a:endParaRPr>
           </a:p>
+        </p:txBody>
+      </p:sp>
+      <p:sp>
+        <p:nvSpPr>
+          <p:cNvPr id="22" name="Rectangle 21"/>
+          <p:cNvSpPr/>
+          <p:nvPr/>
+        </p:nvSpPr>
+        <p:spPr>
+          <a:xfrm>
+            <a:off x="465229" y="1281195"/>
+            <a:ext cx="5513725" cy="1192669"/>
+          </a:xfrm>
+          <a:prstGeom prst="rect">
+            <a:avLst/>
+          </a:prstGeom>
+          <a:noFill/>
+          <a:ln>
+            <a:noFill/>
+          </a:ln>
+        </p:spPr>
+        <p:style>
+          <a:lnRef idx="2">
+            <a:schemeClr val="accent1">
+              <a:shade val="50000"/>
+            </a:schemeClr>
+          </a:lnRef>
+          <a:fillRef idx="1">
+            <a:schemeClr val="accent1"/>
+          </a:fillRef>
+          <a:effectRef idx="0">
+            <a:schemeClr val="accent1"/>
+          </a:effectRef>
+          <a:fontRef idx="minor">
+            <a:schemeClr val="lt1"/>
+          </a:fontRef>
+        </p:style>
+        <p:txBody>
+          <a:bodyPr rtlCol="0" anchor="ctr"/>
+          <a:lstStyle/>
           <a:p>
             <a:pPr algn="ctr"/>
+            <a:r>
+              <a:rPr lang="en-US" b="1" dirty="0" smtClean="0">
+                <a:solidFill>
+                  <a:schemeClr val="accent4"/>
+                </a:solidFill>
+              </a:rPr>
+              <a:t>Let us  pass through it again</a:t>
+            </a:r>
+            <a:r>
+              <a:rPr lang="en-US" b="1" dirty="0" smtClean="0">
+                <a:solidFill>
+                  <a:schemeClr val="accent4"/>
+                </a:solidFill>
+              </a:rPr>
+              <a:t/>
+            </a:r>
+            <a:br>
+              <a:rPr lang="en-US" b="1" dirty="0" smtClean="0">
+                <a:solidFill>
+                  <a:schemeClr val="accent4"/>
+                </a:solidFill>
+              </a:rPr>
+            </a:br>
+            <a:r>
+              <a:rPr lang="en-US" b="1" dirty="0" smtClean="0">
+                <a:solidFill>
+                  <a:schemeClr val="accent4"/>
+                </a:solidFill>
+              </a:rPr>
+              <a:t/>
+            </a:r>
+            <a:br>
+              <a:rPr lang="en-US" b="1" dirty="0" smtClean="0">
+                <a:solidFill>
+                  <a:schemeClr val="accent4"/>
+                </a:solidFill>
+              </a:rPr>
+            </a:br>
             <a:r>
               <a:rPr lang="en-US" b="1" dirty="0" smtClean="0">
                 <a:solidFill>
@@ -7255,6 +7740,9 @@
               </a:rPr>
               <a:t>PASS 3:</a:t>
             </a:r>
+          </a:p>
+          <a:p>
+            <a:pPr algn="ctr"/>
             <a:endParaRPr lang="en-US" b="1" dirty="0" smtClean="0">
               <a:solidFill>
                 <a:schemeClr val="accent4"/>
@@ -7285,6 +7773,9 @@
                     <p:cTn id="3" fill="hold">
                       <p:stCondLst>
                         <p:cond delay="indefinite"/>
+                        <p:cond evt="onBegin" delay="0">
+                          <p:tn val="2"/>
+                        </p:cond>
                       </p:stCondLst>
                       <p:childTnLst>
                         <p:par>
@@ -7294,24 +7785,37 @@
                             </p:stCondLst>
                             <p:childTnLst>
                               <p:par>
-                                <p:cTn id="5" presetID="42" presetClass="path" presetSubtype="0" accel="50000" decel="50000" fill="hold" grpId="0" nodeType="clickEffect">
+                                <p:cTn id="5" presetID="10" presetClass="entr" presetSubtype="0" fill="hold" grpId="0" nodeType="withEffect">
                                   <p:stCondLst>
                                     <p:cond delay="0"/>
                                   </p:stCondLst>
                                   <p:childTnLst>
-                                    <p:animMotion origin="layout" path="M -4.16667E-6 1.48148E-6 L 0.12006 -0.08148 " pathEditMode="relative" rAng="0" ptsTypes="AA">
-                                      <p:cBhvr>
-                                        <p:cTn id="6" dur="400" fill="hold"/>
-                                        <p:tgtEl>
-                                          <p:spTgt spid="10"/>
+                                    <p:set>
+                                      <p:cBhvr>
+                                        <p:cTn id="6" dur="1" fill="hold">
+                                          <p:stCondLst>
+                                            <p:cond delay="0"/>
+                                          </p:stCondLst>
+                                        </p:cTn>
+                                        <p:tgtEl>
+                                          <p:spTgt spid="23"/>
                                         </p:tgtEl>
                                         <p:attrNameLst>
-                                          <p:attrName>ppt_x</p:attrName>
-                                          <p:attrName>ppt_y</p:attrName>
+                                          <p:attrName>style.visibility</p:attrName>
                                         </p:attrNameLst>
                                       </p:cBhvr>
-                                      <p:rCtr x="6003" y="-4074"/>
-                                    </p:animMotion>
+                                      <p:to>
+                                        <p:strVal val="visible"/>
+                                      </p:to>
+                                    </p:set>
+                                    <p:animEffect transition="in" filter="fade">
+                                      <p:cBhvr>
+                                        <p:cTn id="7" dur="100"/>
+                                        <p:tgtEl>
+                                          <p:spTgt spid="23"/>
+                                        </p:tgtEl>
+                                      </p:cBhvr>
+                                    </p:animEffect>
                                   </p:childTnLst>
                                 </p:cTn>
                               </p:par>
@@ -7322,54 +7826,113 @@
                     </p:cTn>
                   </p:par>
                   <p:par>
-                    <p:cTn id="7" fill="hold">
+                    <p:cTn id="8" fill="hold">
                       <p:stCondLst>
                         <p:cond delay="indefinite"/>
                       </p:stCondLst>
                       <p:childTnLst>
                         <p:par>
-                          <p:cTn id="8" fill="hold">
+                          <p:cTn id="9" fill="hold">
                             <p:stCondLst>
                               <p:cond delay="0"/>
                             </p:stCondLst>
                             <p:childTnLst>
                               <p:par>
-                                <p:cTn id="9" presetID="42" presetClass="path" presetSubtype="0" accel="50000" decel="50000" fill="hold" grpId="1" nodeType="clickEffect">
+                                <p:cTn id="10" presetID="42" presetClass="exit" presetSubtype="0" fill="hold" grpId="1" nodeType="clickEffect">
                                   <p:stCondLst>
                                     <p:cond delay="0"/>
                                   </p:stCondLst>
                                   <p:childTnLst>
-                                    <p:animMotion origin="layout" path="M 0.12005 -0.08148 L -4.16667E-6 1.48148E-6 " pathEditMode="relative" rAng="0" ptsTypes="AA">
-                                      <p:cBhvr>
-                                        <p:cTn id="10" dur="500" fill="hold"/>
-                                        <p:tgtEl>
-                                          <p:spTgt spid="10"/>
+                                    <p:animEffect transition="out" filter="fade">
+                                      <p:cBhvr>
+                                        <p:cTn id="11" dur="100"/>
+                                        <p:tgtEl>
+                                          <p:spTgt spid="23"/>
+                                        </p:tgtEl>
+                                      </p:cBhvr>
+                                    </p:animEffect>
+                                    <p:anim calcmode="lin" valueType="num">
+                                      <p:cBhvr>
+                                        <p:cTn id="12" dur="100"/>
+                                        <p:tgtEl>
+                                          <p:spTgt spid="23"/>
                                         </p:tgtEl>
                                         <p:attrNameLst>
                                           <p:attrName>ppt_x</p:attrName>
+                                        </p:attrNameLst>
+                                      </p:cBhvr>
+                                      <p:tavLst>
+                                        <p:tav tm="0">
+                                          <p:val>
+                                            <p:strVal val="ppt_x"/>
+                                          </p:val>
+                                        </p:tav>
+                                        <p:tav tm="100000">
+                                          <p:val>
+                                            <p:strVal val="ppt_x"/>
+                                          </p:val>
+                                        </p:tav>
+                                      </p:tavLst>
+                                    </p:anim>
+                                    <p:anim calcmode="lin" valueType="num">
+                                      <p:cBhvr>
+                                        <p:cTn id="13" dur="100"/>
+                                        <p:tgtEl>
+                                          <p:spTgt spid="23"/>
+                                        </p:tgtEl>
+                                        <p:attrNameLst>
                                           <p:attrName>ppt_y</p:attrName>
                                         </p:attrNameLst>
                                       </p:cBhvr>
-                                      <p:rCtr x="-6250" y="4699"/>
-                                    </p:animMotion>
+                                      <p:tavLst>
+                                        <p:tav tm="0">
+                                          <p:val>
+                                            <p:strVal val="ppt_y"/>
+                                          </p:val>
+                                        </p:tav>
+                                        <p:tav tm="100000">
+                                          <p:val>
+                                            <p:strVal val="ppt_y+.1"/>
+                                          </p:val>
+                                        </p:tav>
+                                      </p:tavLst>
+                                    </p:anim>
+                                    <p:set>
+                                      <p:cBhvr>
+                                        <p:cTn id="14" dur="1" fill="hold">
+                                          <p:stCondLst>
+                                            <p:cond delay="99"/>
+                                          </p:stCondLst>
+                                        </p:cTn>
+                                        <p:tgtEl>
+                                          <p:spTgt spid="23"/>
+                                        </p:tgtEl>
+                                        <p:attrNameLst>
+                                          <p:attrName>style.visibility</p:attrName>
+                                        </p:attrNameLst>
+                                      </p:cBhvr>
+                                      <p:to>
+                                        <p:strVal val="hidden"/>
+                                      </p:to>
+                                    </p:set>
                                   </p:childTnLst>
                                 </p:cTn>
                               </p:par>
                               <p:par>
-                                <p:cTn id="11" presetID="42" presetClass="entr" presetSubtype="0" fill="hold" grpId="0" nodeType="withEffect">
+                                <p:cTn id="15" presetID="42" presetClass="entr" presetSubtype="0" fill="hold" grpId="0" nodeType="withEffect">
                                   <p:stCondLst>
                                     <p:cond delay="0"/>
                                   </p:stCondLst>
                                   <p:childTnLst>
                                     <p:set>
                                       <p:cBhvr>
-                                        <p:cTn id="12" dur="1" fill="hold">
+                                        <p:cTn id="16" dur="1" fill="hold">
                                           <p:stCondLst>
                                             <p:cond delay="0"/>
                                           </p:stCondLst>
                                         </p:cTn>
                                         <p:tgtEl>
-                                          <p:spTgt spid="2"/>
+                                          <p:spTgt spid="22"/>
                                         </p:tgtEl>
                                         <p:attrNameLst>
                                           <p:attrName>style.visibility</p:attrName>
@@ -7381,17 +7944,17 @@
                                     </p:set>
                                     <p:animEffect transition="in" filter="fade">
                                       <p:cBhvr>
-                                        <p:cTn id="13" dur="500"/>
-                                        <p:tgtEl>
-                                          <p:spTgt spid="2"/>
+                                        <p:cTn id="17" dur="100"/>
+                                        <p:tgtEl>
+                                          <p:spTgt spid="22"/>
                                         </p:tgtEl>
                                       </p:cBhvr>
                                     </p:animEffect>
                                     <p:anim calcmode="lin" valueType="num">
                                       <p:cBhvr>
-                                        <p:cTn id="14" dur="500" fill="hold"/>
-                                        <p:tgtEl>
-                                          <p:spTgt spid="2"/>
+                                        <p:cTn id="18" dur="100" fill="hold"/>
+                                        <p:tgtEl>
+                                          <p:spTgt spid="22"/>
                                         </p:tgtEl>
                                         <p:attrNameLst>
                                           <p:attrName>ppt_x</p:attrName>
@@ -7412,9 +7975,9 @@
                                     </p:anim>
                                     <p:anim calcmode="lin" valueType="num">
                                       <p:cBhvr>
-                                        <p:cTn id="15" dur="500" fill="hold"/>
-                                        <p:tgtEl>
-                                          <p:spTgt spid="2"/>
+                                        <p:cTn id="19" dur="100" fill="hold"/>
+                                        <p:tgtEl>
+                                          <p:spTgt spid="22"/>
                                         </p:tgtEl>
                                         <p:attrNameLst>
                                           <p:attrName>ppt_y</p:attrName>
@@ -7443,46 +8006,6 @@
                     </p:cTn>
                   </p:par>
                   <p:par>
-                    <p:cTn id="16" fill="hold">
-                      <p:stCondLst>
-                        <p:cond delay="indefinite"/>
-                      </p:stCondLst>
-                      <p:childTnLst>
-                        <p:par>
-                          <p:cTn id="17" fill="hold">
-                            <p:stCondLst>
-                              <p:cond delay="0"/>
-                            </p:stCondLst>
-                            <p:childTnLst>
-                              <p:par>
-                                <p:cTn id="18" presetID="42" presetClass="path" presetSubtype="0" accel="50000" decel="50000" fill="hold" grpId="0" nodeType="clickEffect">
-                                  <p:stCondLst>
-                                    <p:cond delay="0"/>
-                                  </p:stCondLst>
-                                  <p:childTnLst>
-                                    <p:animMotion origin="layout" path="M -1.66667E-6 3.7037E-6 L 0.15495 -0.11644 " pathEditMode="relative" rAng="0" ptsTypes="AA">
-                                      <p:cBhvr>
-                                        <p:cTn id="19" dur="600" fill="hold"/>
-                                        <p:tgtEl>
-                                          <p:spTgt spid="9"/>
-                                        </p:tgtEl>
-                                        <p:attrNameLst>
-                                          <p:attrName>ppt_x</p:attrName>
-                                          <p:attrName>ppt_y</p:attrName>
-                                        </p:attrNameLst>
-                                      </p:cBhvr>
-                                      <p:rCtr x="7747" y="-5833"/>
-                                    </p:animMotion>
-                                  </p:childTnLst>
-                                </p:cTn>
-                              </p:par>
-                            </p:childTnLst>
-                          </p:cTn>
-                        </p:par>
-                      </p:childTnLst>
-                    </p:cTn>
-                  </p:par>
-                  <p:par>
                     <p:cTn id="20" fill="hold">
                       <p:stCondLst>
                         <p:cond delay="indefinite"/>
@@ -7495,36 +8018,85 @@
                             </p:stCondLst>
                             <p:childTnLst>
                               <p:par>
-                                <p:cTn id="22" presetID="42" presetClass="path" presetSubtype="0" accel="50000" decel="50000" fill="hold" grpId="1" nodeType="clickEffect">
+                                <p:cTn id="22" presetID="42" presetClass="path" presetSubtype="0" accel="50000" decel="50000" fill="hold" grpId="0" nodeType="clickEffect">
                                   <p:stCondLst>
                                     <p:cond delay="0"/>
                                   </p:stCondLst>
                                   <p:childTnLst>
-                                    <p:animMotion origin="layout" path="M 0.15495 -0.11644 L -1.66667E-6 3.7037E-6 " pathEditMode="relative" rAng="0" ptsTypes="AA">
-                                      <p:cBhvr>
-                                        <p:cTn id="23" dur="600" fill="hold"/>
-                                        <p:tgtEl>
-                                          <p:spTgt spid="9"/>
+                                    <p:animMotion origin="layout" path="M -4.16667E-6 1.48148E-6 L 0.12006 -0.08148 " pathEditMode="relative" rAng="0" ptsTypes="AA">
+                                      <p:cBhvr>
+                                        <p:cTn id="23" dur="100" fill="hold"/>
+                                        <p:tgtEl>
+                                          <p:spTgt spid="10"/>
                                         </p:tgtEl>
                                         <p:attrNameLst>
                                           <p:attrName>ppt_x</p:attrName>
                                           <p:attrName>ppt_y</p:attrName>
                                         </p:attrNameLst>
                                       </p:cBhvr>
-                                      <p:rCtr x="-7747" y="5810"/>
+                                      <p:rCtr x="6003" y="-4074"/>
                                     </p:animMotion>
                                   </p:childTnLst>
                                 </p:cTn>
                               </p:par>
+                            </p:childTnLst>
+                          </p:cTn>
+                        </p:par>
+                      </p:childTnLst>
+                    </p:cTn>
+                  </p:par>
+                  <p:par>
+                    <p:cTn id="24" fill="hold">
+                      <p:stCondLst>
+                        <p:cond delay="indefinite"/>
+                      </p:stCondLst>
+                      <p:childTnLst>
+                        <p:par>
+                          <p:cTn id="25" fill="hold">
+                            <p:stCondLst>
+                              <p:cond delay="0"/>
+                            </p:stCondLst>
+                            <p:childTnLst>
                               <p:par>
-                                <p:cTn id="24" presetID="42" presetClass="entr" presetSubtype="0" fill="hold" grpId="1" nodeType="withEffect">
+                                <p:cTn id="26" presetID="42" presetClass="path" presetSubtype="0" accel="50000" decel="50000" fill="hold" grpId="1" nodeType="clickEffect">
+                                  <p:stCondLst>
+                                    <p:cond delay="0"/>
+                                  </p:stCondLst>
+                                  <p:childTnLst>
+                                    <p:animMotion origin="layout" path="M 0.12005 -0.08148 L -4.16667E-6 1.48148E-6 " pathEditMode="relative" rAng="0" ptsTypes="AA">
+                                      <p:cBhvr>
+                                        <p:cTn id="27" dur="100" fill="hold"/>
+                                        <p:tgtEl>
+                                          <p:spTgt spid="10"/>
+                                        </p:tgtEl>
+                                        <p:attrNameLst>
+                                          <p:attrName>ppt_x</p:attrName>
+                                          <p:attrName>ppt_y</p:attrName>
+                                        </p:attrNameLst>
+                                      </p:cBhvr>
+                                      <p:rCtr x="-6250" y="4699"/>
+                                    </p:animMotion>
+                                  </p:childTnLst>
+                                </p:cTn>
+                              </p:par>
+                            </p:childTnLst>
+                          </p:cTn>
+                        </p:par>
+                        <p:par>
+                          <p:cTn id="28" fill="hold">
+                            <p:stCondLst>
+                              <p:cond delay="100"/>
+                            </p:stCondLst>
+                            <p:childTnLst>
+                              <p:par>
+                                <p:cTn id="29" presetID="42" presetClass="entr" presetSubtype="0" fill="hold" grpId="0" nodeType="afterEffect">
                                   <p:stCondLst>
                                     <p:cond delay="0"/>
                                   </p:stCondLst>
                                   <p:childTnLst>
                                     <p:set>
                                       <p:cBhvr>
-                                        <p:cTn id="25" dur="1" fill="hold">
+                                        <p:cTn id="30" dur="1" fill="hold">
                                           <p:stCondLst>
                                             <p:cond delay="0"/>
                                           </p:stCondLst>
@@ -7542,7 +8114,7 @@
                                     </p:set>
                                     <p:animEffect transition="in" filter="fade">
                                       <p:cBhvr>
-                                        <p:cTn id="26" dur="500"/>
+                                        <p:cTn id="31" dur="100"/>
                                         <p:tgtEl>
                                           <p:spTgt spid="2"/>
                                         </p:tgtEl>
@@ -7550,7 +8122,7 @@
                                     </p:animEffect>
                                     <p:anim calcmode="lin" valueType="num">
                                       <p:cBhvr>
-                                        <p:cTn id="27" dur="500" fill="hold"/>
+                                        <p:cTn id="32" dur="100" fill="hold"/>
                                         <p:tgtEl>
                                           <p:spTgt spid="2"/>
                                         </p:tgtEl>
@@ -7573,7 +8145,7 @@
                                     </p:anim>
                                     <p:anim calcmode="lin" valueType="num">
                                       <p:cBhvr>
-                                        <p:cTn id="28" dur="500" fill="hold"/>
+                                        <p:cTn id="33" dur="100" fill="hold"/>
                                         <p:tgtEl>
                                           <p:spTgt spid="2"/>
                                         </p:tgtEl>
@@ -7604,135 +8176,103 @@
                     </p:cTn>
                   </p:par>
                   <p:par>
-                    <p:cTn id="29" fill="hold">
+                    <p:cTn id="34" fill="hold">
                       <p:stCondLst>
                         <p:cond delay="indefinite"/>
                       </p:stCondLst>
                       <p:childTnLst>
                         <p:par>
-                          <p:cTn id="30" fill="hold">
+                          <p:cTn id="35" fill="hold">
                             <p:stCondLst>
                               <p:cond delay="0"/>
                             </p:stCondLst>
                             <p:childTnLst>
                               <p:par>
-                                <p:cTn id="31" presetID="42" presetClass="path" presetSubtype="0" accel="50000" decel="50000" fill="hold" grpId="0" nodeType="clickEffect">
+                                <p:cTn id="36" presetID="42" presetClass="path" presetSubtype="0" accel="50000" decel="50000" fill="hold" grpId="0" nodeType="clickEffect">
                                   <p:stCondLst>
                                     <p:cond delay="0"/>
                                   </p:stCondLst>
                                   <p:childTnLst>
-                                    <p:animMotion origin="layout" path="M 2.08333E-7 1.11111E-6 L 0.1401 -0.09838 " pathEditMode="relative" rAng="0" ptsTypes="AA">
-                                      <p:cBhvr>
-                                        <p:cTn id="32" dur="300" fill="hold"/>
-                                        <p:tgtEl>
-                                          <p:spTgt spid="8"/>
+                                    <p:animMotion origin="layout" path="M -0.00339 0.00324 L 0.15495 -0.11644 " pathEditMode="relative" rAng="0" ptsTypes="AA">
+                                      <p:cBhvr>
+                                        <p:cTn id="37" dur="100" fill="hold"/>
+                                        <p:tgtEl>
+                                          <p:spTgt spid="9"/>
                                         </p:tgtEl>
                                         <p:attrNameLst>
                                           <p:attrName>ppt_x</p:attrName>
                                           <p:attrName>ppt_y</p:attrName>
                                         </p:attrNameLst>
                                       </p:cBhvr>
-                                      <p:rCtr x="7005" y="-4931"/>
+                                      <p:rCtr x="7669" y="-5602"/>
                                     </p:animMotion>
                                   </p:childTnLst>
                                 </p:cTn>
                               </p:par>
+                            </p:childTnLst>
+                          </p:cTn>
+                        </p:par>
+                      </p:childTnLst>
+                    </p:cTn>
+                  </p:par>
+                  <p:par>
+                    <p:cTn id="38" fill="hold">
+                      <p:stCondLst>
+                        <p:cond delay="indefinite"/>
+                      </p:stCondLst>
+                      <p:childTnLst>
+                        <p:par>
+                          <p:cTn id="39" fill="hold">
+                            <p:stCondLst>
+                              <p:cond delay="0"/>
+                            </p:stCondLst>
+                            <p:childTnLst>
                               <p:par>
-                                <p:cTn id="33" presetID="42" presetClass="exit" presetSubtype="0" fill="hold" grpId="2" nodeType="withEffect">
+                                <p:cTn id="40" presetID="42" presetClass="path" presetSubtype="0" accel="50000" decel="50000" fill="hold" grpId="1" nodeType="clickEffect">
                                   <p:stCondLst>
                                     <p:cond delay="0"/>
                                   </p:stCondLst>
                                   <p:childTnLst>
-                                    <p:animEffect transition="out" filter="fade">
-                                      <p:cBhvr>
-                                        <p:cTn id="34" dur="500"/>
-                                        <p:tgtEl>
-                                          <p:spTgt spid="2"/>
-                                        </p:tgtEl>
-                                      </p:cBhvr>
-                                    </p:animEffect>
-                                    <p:anim calcmode="lin" valueType="num">
-                                      <p:cBhvr>
-                                        <p:cTn id="35" dur="500"/>
-                                        <p:tgtEl>
-                                          <p:spTgt spid="2"/>
+                                    <p:animMotion origin="layout" path="M 0.15495 -0.11644 L -1.66667E-6 3.7037E-6 " pathEditMode="relative" rAng="0" ptsTypes="AA">
+                                      <p:cBhvr>
+                                        <p:cTn id="41" dur="100" fill="hold"/>
+                                        <p:tgtEl>
+                                          <p:spTgt spid="9"/>
                                         </p:tgtEl>
                                         <p:attrNameLst>
                                           <p:attrName>ppt_x</p:attrName>
-                                        </p:attrNameLst>
-                                      </p:cBhvr>
-                                      <p:tavLst>
-                                        <p:tav tm="0">
-                                          <p:val>
-                                            <p:strVal val="ppt_x"/>
-                                          </p:val>
-                                        </p:tav>
-                                        <p:tav tm="100000">
-                                          <p:val>
-                                            <p:strVal val="ppt_x"/>
-                                          </p:val>
-                                        </p:tav>
-                                      </p:tavLst>
-                                    </p:anim>
-                                    <p:anim calcmode="lin" valueType="num">
-                                      <p:cBhvr>
-                                        <p:cTn id="36" dur="500"/>
-                                        <p:tgtEl>
-                                          <p:spTgt spid="2"/>
-                                        </p:tgtEl>
-                                        <p:attrNameLst>
                                           <p:attrName>ppt_y</p:attrName>
                                         </p:attrNameLst>
                                       </p:cBhvr>
-                                      <p:tavLst>
-                                        <p:tav tm="0">
-                                          <p:val>
-                                            <p:strVal val="ppt_y"/>
-                                          </p:val>
-                                        </p:tav>
-                                        <p:tav tm="100000">
-                                          <p:val>
-                                            <p:strVal val="ppt_y+.1"/>
-                                          </p:val>
-                                        </p:tav>
-                                      </p:tavLst>
-                                    </p:anim>
-                                    <p:set>
-                                      <p:cBhvr>
-                                        <p:cTn id="37" dur="1" fill="hold">
-                                          <p:stCondLst>
-                                            <p:cond delay="499"/>
-                                          </p:stCondLst>
-                                        </p:cTn>
-                                        <p:tgtEl>
-                                          <p:spTgt spid="2"/>
-                                        </p:tgtEl>
-                                        <p:attrNameLst>
-                                          <p:attrName>style.visibility</p:attrName>
-                                        </p:attrNameLst>
-                                      </p:cBhvr>
-                                      <p:to>
-                                        <p:strVal val="hidden"/>
-                                      </p:to>
-                                    </p:set>
+                                      <p:rCtr x="-7747" y="5810"/>
+                                    </p:animMotion>
                                   </p:childTnLst>
                                 </p:cTn>
                               </p:par>
+                            </p:childTnLst>
+                          </p:cTn>
+                        </p:par>
+                        <p:par>
+                          <p:cTn id="42" fill="hold">
+                            <p:stCondLst>
+                              <p:cond delay="100"/>
+                            </p:stCondLst>
+                            <p:childTnLst>
                               <p:par>
-                                <p:cTn id="38" presetID="42" presetClass="entr" presetSubtype="0" fill="hold" grpId="0" nodeType="withEffect">
+                                <p:cTn id="43" presetID="42" presetClass="entr" presetSubtype="0" fill="hold" grpId="1" nodeType="afterEffect">
                                   <p:stCondLst>
                                     <p:cond delay="0"/>
                                   </p:stCondLst>
                                   <p:childTnLst>
                                     <p:set>
                                       <p:cBhvr>
-                                        <p:cTn id="39" dur="1" fill="hold">
+                                        <p:cTn id="44" dur="1" fill="hold">
                                           <p:stCondLst>
                                             <p:cond delay="0"/>
                                           </p:stCondLst>
                                         </p:cTn>
                                         <p:tgtEl>
-                                          <p:spTgt spid="15"/>
+                                          <p:spTgt spid="2"/>
                                         </p:tgtEl>
                                         <p:attrNameLst>
                                           <p:attrName>style.visibility</p:attrName>
@@ -7744,17 +8284,17 @@
                                     </p:set>
                                     <p:animEffect transition="in" filter="fade">
                                       <p:cBhvr>
-                                        <p:cTn id="40" dur="500"/>
-                                        <p:tgtEl>
-                                          <p:spTgt spid="15"/>
+                                        <p:cTn id="45" dur="100"/>
+                                        <p:tgtEl>
+                                          <p:spTgt spid="2"/>
                                         </p:tgtEl>
                                       </p:cBhvr>
                                     </p:animEffect>
                                     <p:anim calcmode="lin" valueType="num">
                                       <p:cBhvr>
-                                        <p:cTn id="41" dur="500" fill="hold"/>
-                                        <p:tgtEl>
-                                          <p:spTgt spid="15"/>
+                                        <p:cTn id="46" dur="100" fill="hold"/>
+                                        <p:tgtEl>
+                                          <p:spTgt spid="2"/>
                                         </p:tgtEl>
                                         <p:attrNameLst>
                                           <p:attrName>ppt_x</p:attrName>
@@ -7775,9 +8315,9 @@
                                     </p:anim>
                                     <p:anim calcmode="lin" valueType="num">
                                       <p:cBhvr>
-                                        <p:cTn id="42" dur="500" fill="hold"/>
-                                        <p:tgtEl>
-                                          <p:spTgt spid="15"/>
+                                        <p:cTn id="47" dur="100" fill="hold"/>
+                                        <p:tgtEl>
+                                          <p:spTgt spid="2"/>
                                         </p:tgtEl>
                                         <p:attrNameLst>
                                           <p:attrName>ppt_y</p:attrName>
@@ -7806,35 +8346,336 @@
                     </p:cTn>
                   </p:par>
                   <p:par>
-                    <p:cTn id="43" fill="hold">
+                    <p:cTn id="48" fill="hold">
                       <p:stCondLst>
                         <p:cond delay="indefinite"/>
                       </p:stCondLst>
                       <p:childTnLst>
                         <p:par>
-                          <p:cTn id="44" fill="hold">
+                          <p:cTn id="49" fill="hold">
                             <p:stCondLst>
                               <p:cond delay="0"/>
                             </p:stCondLst>
                             <p:childTnLst>
                               <p:par>
-                                <p:cTn id="45" presetID="42" presetClass="path" presetSubtype="0" accel="50000" decel="50000" fill="hold" grpId="0" nodeType="clickEffect">
+                                <p:cTn id="50" presetID="42" presetClass="path" presetSubtype="0" accel="50000" decel="50000" fill="hold" grpId="0" nodeType="clickEffect">
                                   <p:stCondLst>
                                     <p:cond delay="0"/>
                                   </p:stCondLst>
                                   <p:childTnLst>
-                                    <p:animMotion origin="layout" path="M 1.04167E-6 -2.59259E-6 L -0.13697 0.08982 " pathEditMode="relative" rAng="0" ptsTypes="AA">
-                                      <p:cBhvr>
-                                        <p:cTn id="46" dur="600" fill="hold"/>
-                                        <p:tgtEl>
-                                          <p:spTgt spid="7"/>
+                                    <p:animMotion origin="layout" path="M 2.08333E-7 1.11111E-6 L 0.1401 -0.09838 " pathEditMode="relative" rAng="0" ptsTypes="AA">
+                                      <p:cBhvr>
+                                        <p:cTn id="51" dur="100" fill="hold"/>
+                                        <p:tgtEl>
+                                          <p:spTgt spid="8"/>
                                         </p:tgtEl>
                                         <p:attrNameLst>
                                           <p:attrName>ppt_x</p:attrName>
                                           <p:attrName>ppt_y</p:attrName>
                                         </p:attrNameLst>
                                       </p:cBhvr>
-                                      <p:rCtr x="-7005" y="4491"/>
+                                      <p:rCtr x="7005" y="-4931"/>
+                                    </p:animMotion>
+                                  </p:childTnLst>
+                                </p:cTn>
+                              </p:par>
+                              <p:par>
+                                <p:cTn id="52" presetID="42" presetClass="exit" presetSubtype="0" fill="hold" grpId="2" nodeType="withEffect">
+                                  <p:stCondLst>
+                                    <p:cond delay="0"/>
+                                  </p:stCondLst>
+                                  <p:childTnLst>
+                                    <p:animEffect transition="out" filter="fade">
+                                      <p:cBhvr>
+                                        <p:cTn id="53" dur="100"/>
+                                        <p:tgtEl>
+                                          <p:spTgt spid="2"/>
+                                        </p:tgtEl>
+                                      </p:cBhvr>
+                                    </p:animEffect>
+                                    <p:anim calcmode="lin" valueType="num">
+                                      <p:cBhvr>
+                                        <p:cTn id="54" dur="100"/>
+                                        <p:tgtEl>
+                                          <p:spTgt spid="2"/>
+                                        </p:tgtEl>
+                                        <p:attrNameLst>
+                                          <p:attrName>ppt_x</p:attrName>
+                                        </p:attrNameLst>
+                                      </p:cBhvr>
+                                      <p:tavLst>
+                                        <p:tav tm="0">
+                                          <p:val>
+                                            <p:strVal val="ppt_x"/>
+                                          </p:val>
+                                        </p:tav>
+                                        <p:tav tm="100000">
+                                          <p:val>
+                                            <p:strVal val="ppt_x"/>
+                                          </p:val>
+                                        </p:tav>
+                                      </p:tavLst>
+                                    </p:anim>
+                                    <p:anim calcmode="lin" valueType="num">
+                                      <p:cBhvr>
+                                        <p:cTn id="55" dur="100"/>
+                                        <p:tgtEl>
+                                          <p:spTgt spid="2"/>
+                                        </p:tgtEl>
+                                        <p:attrNameLst>
+                                          <p:attrName>ppt_y</p:attrName>
+                                        </p:attrNameLst>
+                                      </p:cBhvr>
+                                      <p:tavLst>
+                                        <p:tav tm="0">
+                                          <p:val>
+                                            <p:strVal val="ppt_y"/>
+                                          </p:val>
+                                        </p:tav>
+                                        <p:tav tm="100000">
+                                          <p:val>
+                                            <p:strVal val="ppt_y+.1"/>
+                                          </p:val>
+                                        </p:tav>
+                                      </p:tavLst>
+                                    </p:anim>
+                                    <p:set>
+                                      <p:cBhvr>
+                                        <p:cTn id="56" dur="1" fill="hold">
+                                          <p:stCondLst>
+                                            <p:cond delay="99"/>
+                                          </p:stCondLst>
+                                        </p:cTn>
+                                        <p:tgtEl>
+                                          <p:spTgt spid="2"/>
+                                        </p:tgtEl>
+                                        <p:attrNameLst>
+                                          <p:attrName>style.visibility</p:attrName>
+                                        </p:attrNameLst>
+                                      </p:cBhvr>
+                                      <p:to>
+                                        <p:strVal val="hidden"/>
+                                      </p:to>
+                                    </p:set>
+                                  </p:childTnLst>
+                                </p:cTn>
+                              </p:par>
+                            </p:childTnLst>
+                          </p:cTn>
+                        </p:par>
+                        <p:par>
+                          <p:cTn id="57" fill="hold">
+                            <p:stCondLst>
+                              <p:cond delay="100"/>
+                            </p:stCondLst>
+                            <p:childTnLst>
+                              <p:par>
+                                <p:cTn id="58" presetID="42" presetClass="entr" presetSubtype="0" fill="hold" grpId="0" nodeType="afterEffect">
+                                  <p:stCondLst>
+                                    <p:cond delay="0"/>
+                                  </p:stCondLst>
+                                  <p:childTnLst>
+                                    <p:set>
+                                      <p:cBhvr>
+                                        <p:cTn id="59" dur="1" fill="hold">
+                                          <p:stCondLst>
+                                            <p:cond delay="0"/>
+                                          </p:stCondLst>
+                                        </p:cTn>
+                                        <p:tgtEl>
+                                          <p:spTgt spid="15"/>
+                                        </p:tgtEl>
+                                        <p:attrNameLst>
+                                          <p:attrName>style.visibility</p:attrName>
+                                        </p:attrNameLst>
+                                      </p:cBhvr>
+                                      <p:to>
+                                        <p:strVal val="visible"/>
+                                      </p:to>
+                                    </p:set>
+                                    <p:animEffect transition="in" filter="fade">
+                                      <p:cBhvr>
+                                        <p:cTn id="60" dur="100"/>
+                                        <p:tgtEl>
+                                          <p:spTgt spid="15"/>
+                                        </p:tgtEl>
+                                      </p:cBhvr>
+                                    </p:animEffect>
+                                    <p:anim calcmode="lin" valueType="num">
+                                      <p:cBhvr>
+                                        <p:cTn id="61" dur="100" fill="hold"/>
+                                        <p:tgtEl>
+                                          <p:spTgt spid="15"/>
+                                        </p:tgtEl>
+                                        <p:attrNameLst>
+                                          <p:attrName>ppt_x</p:attrName>
+                                        </p:attrNameLst>
+                                      </p:cBhvr>
+                                      <p:tavLst>
+                                        <p:tav tm="0">
+                                          <p:val>
+                                            <p:strVal val="#ppt_x"/>
+                                          </p:val>
+                                        </p:tav>
+                                        <p:tav tm="100000">
+                                          <p:val>
+                                            <p:strVal val="#ppt_x"/>
+                                          </p:val>
+                                        </p:tav>
+                                      </p:tavLst>
+                                    </p:anim>
+                                    <p:anim calcmode="lin" valueType="num">
+                                      <p:cBhvr>
+                                        <p:cTn id="62" dur="100" fill="hold"/>
+                                        <p:tgtEl>
+                                          <p:spTgt spid="15"/>
+                                        </p:tgtEl>
+                                        <p:attrNameLst>
+                                          <p:attrName>ppt_y</p:attrName>
+                                        </p:attrNameLst>
+                                      </p:cBhvr>
+                                      <p:tavLst>
+                                        <p:tav tm="0">
+                                          <p:val>
+                                            <p:strVal val="#ppt_y+.1"/>
+                                          </p:val>
+                                        </p:tav>
+                                        <p:tav tm="100000">
+                                          <p:val>
+                                            <p:strVal val="#ppt_y"/>
+                                          </p:val>
+                                        </p:tav>
+                                      </p:tavLst>
+                                    </p:anim>
+                                  </p:childTnLst>
+                                </p:cTn>
+                              </p:par>
+                            </p:childTnLst>
+                          </p:cTn>
+                        </p:par>
+                      </p:childTnLst>
+                    </p:cTn>
+                  </p:par>
+                  <p:par>
+                    <p:cTn id="63" fill="hold">
+                      <p:stCondLst>
+                        <p:cond delay="indefinite"/>
+                      </p:stCondLst>
+                      <p:childTnLst>
+                        <p:par>
+                          <p:cTn id="64" fill="hold">
+                            <p:stCondLst>
+                              <p:cond delay="0"/>
+                            </p:stCondLst>
+                            <p:childTnLst>
+                              <p:par>
+                                <p:cTn id="65" presetID="42" presetClass="exit" presetSubtype="0" fill="hold" grpId="1" nodeType="clickEffect">
+                                  <p:stCondLst>
+                                    <p:cond delay="0"/>
+                                  </p:stCondLst>
+                                  <p:childTnLst>
+                                    <p:animEffect transition="out" filter="fade">
+                                      <p:cBhvr>
+                                        <p:cTn id="66" dur="100"/>
+                                        <p:tgtEl>
+                                          <p:spTgt spid="15"/>
+                                        </p:tgtEl>
+                                      </p:cBhvr>
+                                    </p:animEffect>
+                                    <p:anim calcmode="lin" valueType="num">
+                                      <p:cBhvr>
+                                        <p:cTn id="67" dur="100"/>
+                                        <p:tgtEl>
+                                          <p:spTgt spid="15"/>
+                                        </p:tgtEl>
+                                        <p:attrNameLst>
+                                          <p:attrName>ppt_x</p:attrName>
+                                        </p:attrNameLst>
+                                      </p:cBhvr>
+                                      <p:tavLst>
+                                        <p:tav tm="0">
+                                          <p:val>
+                                            <p:strVal val="ppt_x"/>
+                                          </p:val>
+                                        </p:tav>
+                                        <p:tav tm="100000">
+                                          <p:val>
+                                            <p:strVal val="ppt_x"/>
+                                          </p:val>
+                                        </p:tav>
+                                      </p:tavLst>
+                                    </p:anim>
+                                    <p:anim calcmode="lin" valueType="num">
+                                      <p:cBhvr>
+                                        <p:cTn id="68" dur="100"/>
+                                        <p:tgtEl>
+                                          <p:spTgt spid="15"/>
+                                        </p:tgtEl>
+                                        <p:attrNameLst>
+                                          <p:attrName>ppt_y</p:attrName>
+                                        </p:attrNameLst>
+                                      </p:cBhvr>
+                                      <p:tavLst>
+                                        <p:tav tm="0">
+                                          <p:val>
+                                            <p:strVal val="ppt_y"/>
+                                          </p:val>
+                                        </p:tav>
+                                        <p:tav tm="100000">
+                                          <p:val>
+                                            <p:strVal val="ppt_y+.1"/>
+                                          </p:val>
+                                        </p:tav>
+                                      </p:tavLst>
+                                    </p:anim>
+                                    <p:set>
+                                      <p:cBhvr>
+                                        <p:cTn id="69" dur="1" fill="hold">
+                                          <p:stCondLst>
+                                            <p:cond delay="99"/>
+                                          </p:stCondLst>
+                                        </p:cTn>
+                                        <p:tgtEl>
+                                          <p:spTgt spid="15"/>
+                                        </p:tgtEl>
+                                        <p:attrNameLst>
+                                          <p:attrName>style.visibility</p:attrName>
+                                        </p:attrNameLst>
+                                      </p:cBhvr>
+                                      <p:to>
+                                        <p:strVal val="hidden"/>
+                                      </p:to>
+                                    </p:set>
+                                  </p:childTnLst>
+                                </p:cTn>
+                              </p:par>
+                            </p:childTnLst>
+                          </p:cTn>
+                        </p:par>
+                        <p:par>
+                          <p:cTn id="70" fill="hold">
+                            <p:stCondLst>
+                              <p:cond delay="100"/>
+                            </p:stCondLst>
+                            <p:childTnLst>
+                              <p:par>
+                                <p:cTn id="71" presetID="42" presetClass="path" presetSubtype="0" accel="50000" decel="50000" fill="hold" grpId="0" nodeType="afterEffect">
+                                  <p:stCondLst>
+                                    <p:cond delay="0"/>
+                                  </p:stCondLst>
+                                  <p:childTnLst>
+                                    <p:animMotion origin="layout" path="M -3.75E-6 4.07407E-6 L -0.13698 0.08982 " pathEditMode="relative" rAng="0" ptsTypes="AA">
+                                      <p:cBhvr>
+                                        <p:cTn id="72" dur="100" fill="hold"/>
+                                        <p:tgtEl>
+                                          <p:spTgt spid="7"/>
+                                        </p:tgtEl>
+                                        <p:attrNameLst>
+                                          <p:attrName>ppt_x</p:attrName>
+                                          <p:attrName>ppt_y</p:attrName>
+                                        </p:attrNameLst>
+                                      </p:cBhvr>
+                                      <p:rCtr x="-6693" y="4375"/>
                                     </p:animMotion>
                                   </p:childTnLst>
                                 </p:cTn>
@@ -7846,26 +8687,26 @@
                     </p:cTn>
                   </p:par>
                   <p:par>
-                    <p:cTn id="47" fill="hold">
+                    <p:cTn id="73" fill="hold">
                       <p:stCondLst>
                         <p:cond delay="indefinite"/>
                       </p:stCondLst>
                       <p:childTnLst>
                         <p:par>
-                          <p:cTn id="48" fill="hold">
+                          <p:cTn id="74" fill="hold">
                             <p:stCondLst>
                               <p:cond delay="0"/>
                             </p:stCondLst>
                             <p:childTnLst>
                               <p:par>
-                                <p:cTn id="49" presetID="10" presetClass="entr" presetSubtype="0" fill="hold" grpId="0" nodeType="clickEffect">
+                                <p:cTn id="75" presetID="10" presetClass="entr" presetSubtype="0" fill="hold" grpId="0" nodeType="clickEffect">
                                   <p:stCondLst>
                                     <p:cond delay="0"/>
                                   </p:stCondLst>
                                   <p:childTnLst>
                                     <p:set>
                                       <p:cBhvr>
-                                        <p:cTn id="50" dur="1" fill="hold">
+                                        <p:cTn id="76" dur="1" fill="hold">
                                           <p:stCondLst>
                                             <p:cond delay="0"/>
                                           </p:stCondLst>
@@ -7883,7 +8724,7 @@
                                     </p:set>
                                     <p:animEffect transition="in" filter="fade">
                                       <p:cBhvr>
-                                        <p:cTn id="51" dur="500"/>
+                                        <p:cTn id="77" dur="100"/>
                                         <p:tgtEl>
                                           <p:spTgt spid="20"/>
                                         </p:tgtEl>
@@ -7895,53 +8736,240 @@
                             </p:childTnLst>
                           </p:cTn>
                         </p:par>
-                      </p:childTnLst>
-                    </p:cTn>
-                  </p:par>
-                  <p:par>
-                    <p:cTn id="52" fill="hold">
-                      <p:stCondLst>
-                        <p:cond delay="indefinite"/>
-                      </p:stCondLst>
-                      <p:childTnLst>
                         <p:par>
-                          <p:cTn id="53" fill="hold">
+                          <p:cTn id="78" fill="hold">
                             <p:stCondLst>
-                              <p:cond delay="0"/>
+                              <p:cond delay="100"/>
                             </p:stCondLst>
                             <p:childTnLst>
                               <p:par>
-                                <p:cTn id="54" presetID="10" presetClass="entr" presetSubtype="0" fill="hold" grpId="0" nodeType="clickEffect">
+                                <p:cTn id="79" presetID="1" presetClass="emph" presetSubtype="2" fill="hold" nodeType="afterEffect">
                                   <p:stCondLst>
                                     <p:cond delay="0"/>
                                   </p:stCondLst>
                                   <p:childTnLst>
+                                    <p:animClr clrSpc="rgb" dir="cw">
+                                      <p:cBhvr>
+                                        <p:cTn id="80" dur="100" fill="hold"/>
+                                        <p:tgtEl>
+                                          <p:spTgt spid="8"/>
+                                        </p:tgtEl>
+                                        <p:attrNameLst>
+                                          <p:attrName>fillcolor</p:attrName>
+                                        </p:attrNameLst>
+                                      </p:cBhvr>
+                                      <p:to>
+                                        <a:srgbClr val="70AD47"/>
+                                      </p:to>
+                                    </p:animClr>
                                     <p:set>
                                       <p:cBhvr>
-                                        <p:cTn id="55" dur="1" fill="hold">
-                                          <p:stCondLst>
-                                            <p:cond delay="0"/>
-                                          </p:stCondLst>
-                                        </p:cTn>
-                                        <p:tgtEl>
-                                          <p:spTgt spid="21"/>
+                                        <p:cTn id="81" dur="100" fill="hold"/>
+                                        <p:tgtEl>
+                                          <p:spTgt spid="8"/>
                                         </p:tgtEl>
                                         <p:attrNameLst>
-                                          <p:attrName>style.visibility</p:attrName>
+                                          <p:attrName>fill.type</p:attrName>
                                         </p:attrNameLst>
                                       </p:cBhvr>
                                       <p:to>
-                                        <p:strVal val="visible"/>
+                                        <p:strVal val="solid"/>
                                       </p:to>
                                     </p:set>
-                                    <p:animEffect transition="in" filter="fade">
-                                      <p:cBhvr>
-                                        <p:cTn id="56" dur="500"/>
-                                        <p:tgtEl>
-                                          <p:spTgt spid="21"/>
-                                        </p:tgtEl>
-                                      </p:cBhvr>
-                                    </p:animEffect>
+                                    <p:set>
+                                      <p:cBhvr>
+                                        <p:cTn id="82" dur="100" fill="hold"/>
+                                        <p:tgtEl>
+                                          <p:spTgt spid="8"/>
+                                        </p:tgtEl>
+                                        <p:attrNameLst>
+                                          <p:attrName>fill.on</p:attrName>
+                                        </p:attrNameLst>
+                                      </p:cBhvr>
+                                      <p:to>
+                                        <p:strVal val="true"/>
+                                      </p:to>
+                                    </p:set>
+                                  </p:childTnLst>
+                                </p:cTn>
+                              </p:par>
+                            </p:childTnLst>
+                          </p:cTn>
+                        </p:par>
+                        <p:par>
+                          <p:cTn id="83" fill="hold">
+                            <p:stCondLst>
+                              <p:cond delay="200"/>
+                            </p:stCondLst>
+                            <p:childTnLst>
+                              <p:par>
+                                <p:cTn id="84" presetID="1" presetClass="emph" presetSubtype="2" fill="hold" nodeType="afterEffect">
+                                  <p:stCondLst>
+                                    <p:cond delay="0"/>
+                                  </p:stCondLst>
+                                  <p:childTnLst>
+                                    <p:animClr clrSpc="rgb" dir="cw">
+                                      <p:cBhvr>
+                                        <p:cTn id="85" dur="1000" fill="hold"/>
+                                        <p:tgtEl>
+                                          <p:spTgt spid="7"/>
+                                        </p:tgtEl>
+                                        <p:attrNameLst>
+                                          <p:attrName>fillcolor</p:attrName>
+                                        </p:attrNameLst>
+                                      </p:cBhvr>
+                                      <p:to>
+                                        <a:srgbClr val="70AD47"/>
+                                      </p:to>
+                                    </p:animClr>
+                                    <p:set>
+                                      <p:cBhvr>
+                                        <p:cTn id="86" dur="1000" fill="hold"/>
+                                        <p:tgtEl>
+                                          <p:spTgt spid="7"/>
+                                        </p:tgtEl>
+                                        <p:attrNameLst>
+                                          <p:attrName>fill.type</p:attrName>
+                                        </p:attrNameLst>
+                                      </p:cBhvr>
+                                      <p:to>
+                                        <p:strVal val="solid"/>
+                                      </p:to>
+                                    </p:set>
+                                    <p:set>
+                                      <p:cBhvr>
+                                        <p:cTn id="87" dur="1000" fill="hold"/>
+                                        <p:tgtEl>
+                                          <p:spTgt spid="7"/>
+                                        </p:tgtEl>
+                                        <p:attrNameLst>
+                                          <p:attrName>fill.on</p:attrName>
+                                        </p:attrNameLst>
+                                      </p:cBhvr>
+                                      <p:to>
+                                        <p:strVal val="true"/>
+                                      </p:to>
+                                    </p:set>
+                                  </p:childTnLst>
+                                </p:cTn>
+                              </p:par>
+                            </p:childTnLst>
+                          </p:cTn>
+                        </p:par>
+                        <p:par>
+                          <p:cTn id="88" fill="hold">
+                            <p:stCondLst>
+                              <p:cond delay="1200"/>
+                            </p:stCondLst>
+                            <p:childTnLst>
+                              <p:par>
+                                <p:cTn id="89" presetID="1" presetClass="emph" presetSubtype="2" fill="hold" nodeType="afterEffect">
+                                  <p:stCondLst>
+                                    <p:cond delay="0"/>
+                                  </p:stCondLst>
+                                  <p:childTnLst>
+                                    <p:animClr clrSpc="rgb" dir="cw">
+                                      <p:cBhvr>
+                                        <p:cTn id="90" dur="1300" fill="hold"/>
+                                        <p:tgtEl>
+                                          <p:spTgt spid="9"/>
+                                        </p:tgtEl>
+                                        <p:attrNameLst>
+                                          <p:attrName>fillcolor</p:attrName>
+                                        </p:attrNameLst>
+                                      </p:cBhvr>
+                                      <p:to>
+                                        <a:srgbClr val="70AD47"/>
+                                      </p:to>
+                                    </p:animClr>
+                                    <p:set>
+                                      <p:cBhvr>
+                                        <p:cTn id="91" dur="1300" fill="hold"/>
+                                        <p:tgtEl>
+                                          <p:spTgt spid="9"/>
+                                        </p:tgtEl>
+                                        <p:attrNameLst>
+                                          <p:attrName>fill.type</p:attrName>
+                                        </p:attrNameLst>
+                                      </p:cBhvr>
+                                      <p:to>
+                                        <p:strVal val="solid"/>
+                                      </p:to>
+                                    </p:set>
+                                    <p:set>
+                                      <p:cBhvr>
+                                        <p:cTn id="92" dur="1300" fill="hold"/>
+                                        <p:tgtEl>
+                                          <p:spTgt spid="9"/>
+                                        </p:tgtEl>
+                                        <p:attrNameLst>
+                                          <p:attrName>fill.on</p:attrName>
+                                        </p:attrNameLst>
+                                      </p:cBhvr>
+                                      <p:to>
+                                        <p:strVal val="true"/>
+                                      </p:to>
+                                    </p:set>
+                                  </p:childTnLst>
+                                </p:cTn>
+                              </p:par>
+                            </p:childTnLst>
+                          </p:cTn>
+                        </p:par>
+                        <p:par>
+                          <p:cTn id="93" fill="hold">
+                            <p:stCondLst>
+                              <p:cond delay="2500"/>
+                            </p:stCondLst>
+                            <p:childTnLst>
+                              <p:par>
+                                <p:cTn id="94" presetID="1" presetClass="emph" presetSubtype="2" fill="hold" nodeType="afterEffect">
+                                  <p:stCondLst>
+                                    <p:cond delay="0"/>
+                                  </p:stCondLst>
+                                  <p:childTnLst>
+                                    <p:animClr clrSpc="rgb" dir="cw">
+                                      <p:cBhvr>
+                                        <p:cTn id="95" dur="2200" fill="hold"/>
+                                        <p:tgtEl>
+                                          <p:spTgt spid="10"/>
+                                        </p:tgtEl>
+                                        <p:attrNameLst>
+                                          <p:attrName>fillcolor</p:attrName>
+                                        </p:attrNameLst>
+                                      </p:cBhvr>
+                                      <p:to>
+                                        <a:srgbClr val="70AD47"/>
+                                      </p:to>
+                                    </p:animClr>
+                                    <p:set>
+                                      <p:cBhvr>
+                                        <p:cTn id="96" dur="2200" fill="hold"/>
+                                        <p:tgtEl>
+                                          <p:spTgt spid="10"/>
+                                        </p:tgtEl>
+                                        <p:attrNameLst>
+                                          <p:attrName>fill.type</p:attrName>
+                                        </p:attrNameLst>
+                                      </p:cBhvr>
+                                      <p:to>
+                                        <p:strVal val="solid"/>
+                                      </p:to>
+                                    </p:set>
+                                    <p:set>
+                                      <p:cBhvr>
+                                        <p:cTn id="97" dur="2200" fill="hold"/>
+                                        <p:tgtEl>
+                                          <p:spTgt spid="10"/>
+                                        </p:tgtEl>
+                                        <p:attrNameLst>
+                                          <p:attrName>fill.on</p:attrName>
+                                        </p:attrNameLst>
+                                      </p:cBhvr>
+                                      <p:to>
+                                        <p:strVal val="true"/>
+                                      </p:to>
+                                    </p:set>
                                   </p:childTnLst>
                                 </p:cTn>
                               </p:par>
@@ -7984,7 +9012,10 @@
       <p:bldP spid="10" grpId="0" animBg="1"/>
       <p:bldP spid="10" grpId="1" animBg="1"/>
       <p:bldP spid="15" grpId="0"/>
-      <p:bldP spid="21" grpId="0"/>
+      <p:bldP spid="15" grpId="1"/>
+      <p:bldP spid="23" grpId="0"/>
+      <p:bldP spid="23" grpId="1"/>
+      <p:bldP spid="22" grpId="0"/>
     </p:bldLst>
   </p:timing>
 </p:sld>
@@ -8710,7 +9741,7 @@
           <p:nvPr>
             <p:extLst>
               <p:ext uri="{D42A27DB-BD31-4B8C-83A1-F6EECF244321}">
-                <p14:modId xmlns:p14="http://schemas.microsoft.com/office/powerpoint/2010/main" val="2444393474"/>
+                <p14:modId xmlns:p14="http://schemas.microsoft.com/office/powerpoint/2010/main" val="2586037307"/>
               </p:ext>
             </p:extLst>
           </p:nvPr>
@@ -8812,7 +9843,15 @@
                             <a:schemeClr val="accent4"/>
                           </a:solidFill>
                         </a:rPr>
-                        <a:t>Here, 9 on</a:t>
+                        <a:t>Here, 9 </a:t>
+                      </a:r>
+                      <a:r>
+                        <a:rPr lang="pt-BR" dirty="0" smtClean="0">
+                          <a:solidFill>
+                            <a:schemeClr val="accent4"/>
+                          </a:solidFill>
+                        </a:rPr>
+                        <a:t>in</a:t>
                       </a:r>
                       <a:r>
                         <a:rPr lang="pt-BR" baseline="0" dirty="0" smtClean="0">
@@ -8820,7 +9859,15 @@
                             <a:schemeClr val="accent4"/>
                           </a:solidFill>
                         </a:rPr>
-                        <a:t> index of</a:t>
+                        <a:t> </a:t>
+                      </a:r>
+                      <a:r>
+                        <a:rPr lang="pt-BR" baseline="0" dirty="0" smtClean="0">
+                          <a:solidFill>
+                            <a:schemeClr val="accent4"/>
+                          </a:solidFill>
+                        </a:rPr>
+                        <a:t>index of</a:t>
                       </a:r>
                       <a:r>
                         <a:rPr lang="pt-BR" dirty="0" smtClean="0">
@@ -8836,7 +9883,23 @@
                             <a:schemeClr val="accent4"/>
                           </a:solidFill>
                         </a:rPr>
-                        <a:t> while 3 is in index n-1 [5] then (n-2 &gt; n-1) true and swap</a:t>
+                        <a:t> while 3 is in index n-1 [5</a:t>
+                      </a:r>
+                      <a:r>
+                        <a:rPr lang="pt-BR" baseline="0" dirty="0" smtClean="0">
+                          <a:solidFill>
+                            <a:schemeClr val="accent4"/>
+                          </a:solidFill>
+                        </a:rPr>
+                        <a:t>], </a:t>
+                      </a:r>
+                      <a:r>
+                        <a:rPr lang="pt-BR" baseline="0" dirty="0" smtClean="0">
+                          <a:solidFill>
+                            <a:schemeClr val="accent4"/>
+                          </a:solidFill>
+                        </a:rPr>
+                        <a:t>then (n-2 &gt; n-1) true and swap</a:t>
                       </a:r>
                       <a:endParaRPr lang="pt-BR" dirty="0">
                         <a:solidFill>
@@ -9553,8 +10616,9 @@
             </a:pPr>
             <a:r>
               <a:rPr lang="en-US" dirty="0"/>
-              <a:t>Performance-critical systems (use Merge Sort, Quick Sort, or built-in sort algorithms).</a:t>
-            </a:r>
+              <a:t>Performance-critical systems </a:t>
+            </a:r>
+            <a:endParaRPr lang="en-US" dirty="0" smtClean="0"/>
           </a:p>
           <a:p>
             <a:pPr marL="285750" indent="-285750">
@@ -9562,8 +10626,12 @@
               <a:buChar char="•"/>
             </a:pPr>
             <a:r>
+              <a:rPr lang="en-US" dirty="0" smtClean="0"/>
+              <a:t>Real-world </a:t>
+            </a:r>
+            <a:r>
               <a:rPr lang="en-US" dirty="0"/>
-              <a:t>Real-world applications requiring fast sorting of thousands or millions of items.</a:t>
+              <a:t>applications requiring fast sorting of thousands or millions of items.</a:t>
             </a:r>
           </a:p>
           <a:p>
@@ -10962,7 +12030,7 @@
               <a:buNone/>
             </a:pPr>
             <a:r>
-              <a:rPr lang="en-US" sz="2000" dirty="0" smtClean="0">
+              <a:rPr lang="en-US" sz="2000" b="1" dirty="0" smtClean="0">
                 <a:solidFill>
                   <a:schemeClr val="accent4"/>
                 </a:solidFill>
@@ -10971,7 +12039,19 @@
             </a:r>
             <a:r>
               <a:rPr lang="en-US" sz="2000" dirty="0"/>
-              <a:t>is a simple comparison-based sorting algorithm used to sort a list of elements (numbers, strings, etc.) in ascending or descending order.</a:t>
+              <a:t>is a simple comparison-based sorting algorithm used to </a:t>
+            </a:r>
+            <a:r>
+              <a:rPr lang="en-US" sz="2000" dirty="0" smtClean="0"/>
+              <a:t>arrange</a:t>
+            </a:r>
+            <a:r>
+              <a:rPr lang="en-US" sz="2000" dirty="0" smtClean="0"/>
+              <a:t> </a:t>
+            </a:r>
+            <a:r>
+              <a:rPr lang="en-US" sz="2000" dirty="0"/>
+              <a:t>a list of elements (numbers, strings, etc.) in ascending or descending order.</a:t>
             </a:r>
             <a:endParaRPr lang="en-US" sz="2000" dirty="0">
               <a:solidFill>
@@ -11263,7 +12343,7 @@
         </p:nvSpPr>
         <p:spPr>
           <a:xfrm flipV="1">
-            <a:off x="4534293" y="1196650"/>
+            <a:off x="4425885" y="1181803"/>
             <a:ext cx="3318235" cy="45719"/>
           </a:xfrm>
           <a:prstGeom prst="rect">
@@ -12910,8 +13990,8 @@
         </p:nvSpPr>
         <p:spPr>
           <a:xfrm>
-            <a:off x="2849507" y="82079"/>
-            <a:ext cx="6730738" cy="424651"/>
+            <a:off x="3909513" y="132137"/>
+            <a:ext cx="4093845" cy="424651"/>
           </a:xfrm>
           <a:prstGeom prst="rect">
             <a:avLst/>
@@ -12959,12 +14039,20 @@
               <a:t>Cont</a:t>
             </a:r>
             <a:r>
+              <a:rPr lang="en-US" b="1" dirty="0">
+                <a:solidFill>
+                  <a:schemeClr val="accent4"/>
+                </a:solidFill>
+              </a:rPr>
+              <a:t>… Dry-run </a:t>
+            </a:r>
+            <a:r>
               <a:rPr lang="en-US" b="1" dirty="0" smtClean="0">
                 <a:solidFill>
                   <a:schemeClr val="accent4"/>
                 </a:solidFill>
               </a:rPr>
-              <a:t>…</a:t>
+              <a:t>Example</a:t>
             </a:r>
             <a:endParaRPr lang="en-US" b="1" dirty="0">
               <a:solidFill>
@@ -12982,8 +14070,8 @@
         </p:nvSpPr>
         <p:spPr>
           <a:xfrm>
-            <a:off x="4236477" y="806437"/>
-            <a:ext cx="3907004" cy="45719"/>
+            <a:off x="4656594" y="553902"/>
+            <a:ext cx="2640353" cy="45719"/>
           </a:xfrm>
           <a:prstGeom prst="rect">
             <a:avLst/>
@@ -13028,8 +14116,8 @@
         </p:nvSpPr>
         <p:spPr>
           <a:xfrm>
-            <a:off x="3270388" y="2975532"/>
-            <a:ext cx="4467509" cy="418117"/>
+            <a:off x="4695382" y="3316293"/>
+            <a:ext cx="2409058" cy="418117"/>
           </a:xfrm>
           <a:prstGeom prst="rect">
             <a:avLst/>
@@ -13073,52 +14161,6 @@
                 <a:schemeClr val="accent4"/>
               </a:solidFill>
             </a:endParaRPr>
-          </a:p>
-        </p:txBody>
-      </p:sp>
-      <p:sp>
-        <p:nvSpPr>
-          <p:cNvPr id="19" name="Rectangle 18"/>
-          <p:cNvSpPr/>
-          <p:nvPr/>
-        </p:nvSpPr>
-        <p:spPr>
-          <a:xfrm flipV="1">
-            <a:off x="4358785" y="3452063"/>
-            <a:ext cx="2290713" cy="46179"/>
-          </a:xfrm>
-          <a:prstGeom prst="rect">
-            <a:avLst/>
-          </a:prstGeom>
-          <a:solidFill>
-            <a:schemeClr val="accent4"/>
-          </a:solidFill>
-          <a:ln>
-            <a:noFill/>
-          </a:ln>
-        </p:spPr>
-        <p:style>
-          <a:lnRef idx="2">
-            <a:schemeClr val="accent1">
-              <a:shade val="50000"/>
-            </a:schemeClr>
-          </a:lnRef>
-          <a:fillRef idx="1">
-            <a:schemeClr val="accent1"/>
-          </a:fillRef>
-          <a:effectRef idx="0">
-            <a:schemeClr val="accent1"/>
-          </a:effectRef>
-          <a:fontRef idx="minor">
-            <a:schemeClr val="lt1"/>
-          </a:fontRef>
-        </p:style>
-        <p:txBody>
-          <a:bodyPr rtlCol="0" anchor="ctr"/>
-          <a:lstStyle/>
-          <a:p>
-            <a:pPr algn="ctr"/>
-            <a:endParaRPr lang="en-US"/>
           </a:p>
         </p:txBody>
       </p:sp>
@@ -13623,15 +14665,7 @@
                             <a:schemeClr val="tx1"/>
                           </a:solidFill>
                         </a:rPr>
-                        <a:t>9 &gt; 1 </a:t>
-                      </a:r>
-                      <a:r>
-                        <a:rPr lang="en-US" dirty="0" smtClean="0">
-                          <a:solidFill>
-                            <a:schemeClr val="tx1"/>
-                          </a:solidFill>
-                        </a:rPr>
-                        <a:t>     </a:t>
+                        <a:t>9 &gt; 1      </a:t>
                       </a:r>
                       <a:r>
                         <a:rPr lang="en-US" dirty="0" smtClean="0">
@@ -14011,15 +15045,7 @@
                             <a:schemeClr val="tx1"/>
                           </a:solidFill>
                         </a:rPr>
-                        <a:t>9 &gt; </a:t>
-                      </a:r>
-                      <a:r>
-                        <a:rPr lang="en-US" dirty="0" smtClean="0">
-                          <a:solidFill>
-                            <a:schemeClr val="tx1"/>
-                          </a:solidFill>
-                        </a:rPr>
-                        <a:t>4      </a:t>
+                        <a:t>9 &gt; 4      </a:t>
                       </a:r>
                       <a:r>
                         <a:rPr lang="en-US" dirty="0" smtClean="0">
@@ -14077,23 +15103,7 @@
                             <a:schemeClr val="tx1"/>
                           </a:solidFill>
                         </a:rPr>
-                        <a:t>[</a:t>
-                      </a:r>
-                      <a:r>
-                        <a:rPr lang="en-US" dirty="0" smtClean="0">
-                          <a:solidFill>
-                            <a:schemeClr val="tx1"/>
-                          </a:solidFill>
-                        </a:rPr>
-                        <a:t>2,1,5,4,9,3</a:t>
-                      </a:r>
-                      <a:r>
-                        <a:rPr lang="en-US" dirty="0" smtClean="0">
-                          <a:solidFill>
-                            <a:schemeClr val="tx1"/>
-                          </a:solidFill>
-                        </a:rPr>
-                        <a:t>]</a:t>
+                        <a:t>[2,1,5,4,9,3]</a:t>
                       </a:r>
                       <a:endParaRPr lang="en-US" dirty="0">
                         <a:solidFill>
@@ -14225,15 +15235,7 @@
                             <a:schemeClr val="tx1"/>
                           </a:solidFill>
                         </a:rPr>
-                        <a:t>9 &gt; </a:t>
-                      </a:r>
-                      <a:r>
-                        <a:rPr lang="en-US" dirty="0" smtClean="0">
-                          <a:solidFill>
-                            <a:schemeClr val="tx1"/>
-                          </a:solidFill>
-                        </a:rPr>
-                        <a:t>3</a:t>
+                        <a:t>9 &gt; 3</a:t>
                       </a:r>
                       <a:r>
                         <a:rPr lang="en-US" baseline="0" dirty="0" smtClean="0">
@@ -14307,15 +15309,7 @@
                             <a:schemeClr val="tx1"/>
                           </a:solidFill>
                         </a:rPr>
-                        <a:t>[</a:t>
-                      </a:r>
-                      <a:r>
-                        <a:rPr lang="en-US" dirty="0" smtClean="0">
-                          <a:solidFill>
-                            <a:schemeClr val="tx1"/>
-                          </a:solidFill>
-                        </a:rPr>
-                        <a:t>2,1,5,4,3,9]</a:t>
+                        <a:t>[2,1,5,4,3,9]</a:t>
                       </a:r>
                       <a:endParaRPr lang="en-US" dirty="0">
                         <a:solidFill>
@@ -14561,8 +15555,8 @@
         </p:nvSpPr>
         <p:spPr>
           <a:xfrm>
-            <a:off x="318848" y="1330897"/>
-            <a:ext cx="4062954" cy="1807309"/>
+            <a:off x="318848" y="1667290"/>
+            <a:ext cx="4062954" cy="1470916"/>
           </a:xfrm>
           <a:prstGeom prst="rect">
             <a:avLst/>
@@ -14599,7 +15593,7 @@
                   <a:schemeClr val="accent4"/>
                 </a:solidFill>
               </a:rPr>
-              <a:t>Array A = [9,2,1,5,4,3] </a:t>
+              <a:t>Let us first take a look at array:</a:t>
             </a:r>
           </a:p>
           <a:p>
@@ -14625,72 +15619,39 @@
                   <a:schemeClr val="tx1"/>
                 </a:solidFill>
               </a:rPr>
-              <a:t>Stores elements in indices, where first index is 0, when you have number of elements in array list, the last index become n-1 (where n is total number of elements), and array also has a name.</a:t>
-            </a:r>
+              <a:t>Stores elements in indices, where first index is 0, when you have number of elements in array list, the last index become n-1 (where n is total number of elements), and array also has a </a:t>
+            </a:r>
+            <a:r>
+              <a:rPr lang="en-US" dirty="0" smtClean="0">
+                <a:solidFill>
+                  <a:schemeClr val="tx1"/>
+                </a:solidFill>
+              </a:rPr>
+              <a:t>name. </a:t>
+            </a:r>
+            <a:r>
+              <a:rPr lang="en-US" b="1" dirty="0" smtClean="0">
+                <a:solidFill>
+                  <a:schemeClr val="accent4"/>
+                </a:solidFill>
+              </a:rPr>
+              <a:t>Array </a:t>
+            </a:r>
+            <a:r>
+              <a:rPr lang="en-US" b="1" dirty="0">
+                <a:solidFill>
+                  <a:schemeClr val="accent4"/>
+                </a:solidFill>
+              </a:rPr>
+              <a:t>A = [9,2,1,5,4,3] </a:t>
+            </a:r>
+          </a:p>
+          <a:p>
             <a:endParaRPr lang="en-US" dirty="0">
               <a:solidFill>
                 <a:schemeClr val="tx1"/>
               </a:solidFill>
             </a:endParaRPr>
-          </a:p>
-        </p:txBody>
-      </p:sp>
-      <p:sp>
-        <p:nvSpPr>
-          <p:cNvPr id="24" name="Rectangle 23"/>
-          <p:cNvSpPr/>
-          <p:nvPr/>
-        </p:nvSpPr>
-        <p:spPr>
-          <a:xfrm>
-            <a:off x="6511072" y="1424318"/>
-            <a:ext cx="1632409" cy="197963"/>
-          </a:xfrm>
-          <a:prstGeom prst="rect">
-            <a:avLst/>
-          </a:prstGeom>
-          <a:noFill/>
-          <a:ln>
-            <a:noFill/>
-          </a:ln>
-        </p:spPr>
-        <p:style>
-          <a:lnRef idx="2">
-            <a:schemeClr val="accent1">
-              <a:shade val="50000"/>
-            </a:schemeClr>
-          </a:lnRef>
-          <a:fillRef idx="1">
-            <a:schemeClr val="accent1"/>
-          </a:fillRef>
-          <a:effectRef idx="0">
-            <a:schemeClr val="accent1"/>
-          </a:effectRef>
-          <a:fontRef idx="minor">
-            <a:schemeClr val="lt1"/>
-          </a:fontRef>
-        </p:style>
-        <p:txBody>
-          <a:bodyPr rtlCol="0" anchor="ctr"/>
-          <a:lstStyle/>
-          <a:p>
-            <a:pPr algn="ctr"/>
-            <a:r>
-              <a:rPr lang="en-US" b="1" dirty="0" smtClean="0">
-                <a:solidFill>
-                  <a:schemeClr val="tx1"/>
-                </a:solidFill>
-              </a:rPr>
-              <a:t>Array A</a:t>
-            </a:r>
-            <a:r>
-              <a:rPr lang="en-US" b="1" dirty="0" smtClean="0">
-                <a:solidFill>
-                  <a:schemeClr val="accent4"/>
-                </a:solidFill>
-              </a:rPr>
-              <a:t>  </a:t>
-            </a:r>
           </a:p>
         </p:txBody>
       </p:sp>
@@ -15199,8 +16160,8 @@
         </p:nvSpPr>
         <p:spPr>
           <a:xfrm>
-            <a:off x="10354382" y="1895950"/>
-            <a:ext cx="1632409" cy="197963"/>
+            <a:off x="10689691" y="1868006"/>
+            <a:ext cx="920861" cy="259126"/>
           </a:xfrm>
           <a:prstGeom prst="rect">
             <a:avLst/>
@@ -15499,65 +16460,6 @@
       </p:sp>
       <p:sp>
         <p:nvSpPr>
-          <p:cNvPr id="37" name="Rectangle 36"/>
-          <p:cNvSpPr/>
-          <p:nvPr/>
-        </p:nvSpPr>
-        <p:spPr>
-          <a:xfrm>
-            <a:off x="6511072" y="1424319"/>
-            <a:ext cx="1632409" cy="197963"/>
-          </a:xfrm>
-          <a:prstGeom prst="rect">
-            <a:avLst/>
-          </a:prstGeom>
-          <a:noFill/>
-          <a:ln>
-            <a:noFill/>
-          </a:ln>
-        </p:spPr>
-        <p:style>
-          <a:lnRef idx="2">
-            <a:schemeClr val="accent1">
-              <a:shade val="50000"/>
-            </a:schemeClr>
-          </a:lnRef>
-          <a:fillRef idx="1">
-            <a:schemeClr val="accent1"/>
-          </a:fillRef>
-          <a:effectRef idx="0">
-            <a:schemeClr val="accent1"/>
-          </a:effectRef>
-          <a:fontRef idx="minor">
-            <a:schemeClr val="lt1"/>
-          </a:fontRef>
-        </p:style>
-        <p:txBody>
-          <a:bodyPr rtlCol="0" anchor="ctr"/>
-          <a:lstStyle/>
-          <a:p>
-            <a:pPr algn="ctr"/>
-            <a:r>
-              <a:rPr lang="en-US" b="1" dirty="0" smtClean="0">
-                <a:solidFill>
-                  <a:schemeClr val="tx1"/>
-                </a:solidFill>
-              </a:rPr>
-              <a:t>Array A</a:t>
-            </a:r>
-            <a:r>
-              <a:rPr lang="en-US" b="1" dirty="0" smtClean="0">
-                <a:solidFill>
-                  <a:schemeClr val="accent4"/>
-                </a:solidFill>
-              </a:rPr>
-              <a:t>  </a:t>
-            </a:r>
-          </a:p>
-        </p:txBody>
-      </p:sp>
-      <p:sp>
-        <p:nvSpPr>
           <p:cNvPr id="38" name="Left Brace 37"/>
           <p:cNvSpPr/>
           <p:nvPr/>
@@ -15687,65 +16589,6 @@
           <a:p>
             <a:pPr algn="ctr"/>
             <a:endParaRPr lang="en-US"/>
-          </a:p>
-        </p:txBody>
-      </p:sp>
-      <p:sp>
-        <p:nvSpPr>
-          <p:cNvPr id="41" name="Rectangle 40"/>
-          <p:cNvSpPr/>
-          <p:nvPr/>
-        </p:nvSpPr>
-        <p:spPr>
-          <a:xfrm>
-            <a:off x="6511072" y="1424320"/>
-            <a:ext cx="1632409" cy="197963"/>
-          </a:xfrm>
-          <a:prstGeom prst="rect">
-            <a:avLst/>
-          </a:prstGeom>
-          <a:noFill/>
-          <a:ln>
-            <a:noFill/>
-          </a:ln>
-        </p:spPr>
-        <p:style>
-          <a:lnRef idx="2">
-            <a:schemeClr val="accent1">
-              <a:shade val="50000"/>
-            </a:schemeClr>
-          </a:lnRef>
-          <a:fillRef idx="1">
-            <a:schemeClr val="accent1"/>
-          </a:fillRef>
-          <a:effectRef idx="0">
-            <a:schemeClr val="accent1"/>
-          </a:effectRef>
-          <a:fontRef idx="minor">
-            <a:schemeClr val="lt1"/>
-          </a:fontRef>
-        </p:style>
-        <p:txBody>
-          <a:bodyPr rtlCol="0" anchor="ctr"/>
-          <a:lstStyle/>
-          <a:p>
-            <a:pPr algn="ctr"/>
-            <a:r>
-              <a:rPr lang="en-US" b="1" dirty="0" smtClean="0">
-                <a:solidFill>
-                  <a:schemeClr val="tx1"/>
-                </a:solidFill>
-              </a:rPr>
-              <a:t>Array A</a:t>
-            </a:r>
-            <a:r>
-              <a:rPr lang="en-US" b="1" dirty="0" smtClean="0">
-                <a:solidFill>
-                  <a:schemeClr val="accent4"/>
-                </a:solidFill>
-              </a:rPr>
-              <a:t>  </a:t>
-            </a:r>
           </a:p>
         </p:txBody>
       </p:sp>
@@ -16196,8 +17039,8 @@
         </p:nvSpPr>
         <p:spPr>
           <a:xfrm>
-            <a:off x="6511072" y="1424321"/>
-            <a:ext cx="1632409" cy="197963"/>
+            <a:off x="6818868" y="1440331"/>
+            <a:ext cx="956159" cy="153097"/>
           </a:xfrm>
           <a:prstGeom prst="rect">
             <a:avLst/>
@@ -16885,62 +17728,6 @@
           </a:p>
         </p:txBody>
       </p:sp>
-      <p:sp>
-        <p:nvSpPr>
-          <p:cNvPr id="66" name="Rectangle 65"/>
-          <p:cNvSpPr/>
-          <p:nvPr/>
-        </p:nvSpPr>
-        <p:spPr>
-          <a:xfrm>
-            <a:off x="5042544" y="416468"/>
-            <a:ext cx="2173346" cy="518474"/>
-          </a:xfrm>
-          <a:prstGeom prst="rect">
-            <a:avLst/>
-          </a:prstGeom>
-          <a:noFill/>
-          <a:ln>
-            <a:noFill/>
-          </a:ln>
-        </p:spPr>
-        <p:style>
-          <a:lnRef idx="2">
-            <a:schemeClr val="accent1">
-              <a:shade val="50000"/>
-            </a:schemeClr>
-          </a:lnRef>
-          <a:fillRef idx="1">
-            <a:schemeClr val="accent1"/>
-          </a:fillRef>
-          <a:effectRef idx="0">
-            <a:schemeClr val="accent1"/>
-          </a:effectRef>
-          <a:fontRef idx="minor">
-            <a:schemeClr val="lt1"/>
-          </a:fontRef>
-        </p:style>
-        <p:txBody>
-          <a:bodyPr rtlCol="0" anchor="ctr"/>
-          <a:lstStyle/>
-          <a:p>
-            <a:pPr algn="ctr"/>
-            <a:r>
-              <a:rPr lang="en-US" b="1" dirty="0" smtClean="0">
-                <a:solidFill>
-                  <a:schemeClr val="accent4"/>
-                </a:solidFill>
-              </a:rPr>
-              <a:t>Dry-run Example</a:t>
-            </a:r>
-            <a:endParaRPr lang="en-US" b="1" dirty="0">
-              <a:solidFill>
-                <a:schemeClr val="accent4"/>
-              </a:solidFill>
-            </a:endParaRPr>
-          </a:p>
-        </p:txBody>
-      </p:sp>
     </p:spTree>
     <p:extLst>
       <p:ext uri="{BB962C8B-B14F-4D97-AF65-F5344CB8AC3E}">
@@ -16972,7 +17759,7 @@
                             </p:stCondLst>
                             <p:childTnLst>
                               <p:par>
-                                <p:cTn id="5" presetID="10" presetClass="entr" presetSubtype="0" fill="hold" grpId="0" nodeType="clickEffect">
+                                <p:cTn id="5" presetID="10" presetClass="entr" presetSubtype="0" fill="hold" nodeType="clickEffect">
                                   <p:stCondLst>
                                     <p:cond delay="0"/>
                                   </p:stCondLst>
@@ -16985,7 +17772,7 @@
                                           </p:stCondLst>
                                         </p:cTn>
                                         <p:tgtEl>
-                                          <p:spTgt spid="2"/>
+                                          <p:spTgt spid="5"/>
                                         </p:tgtEl>
                                         <p:attrNameLst>
                                           <p:attrName>style.visibility</p:attrName>
@@ -16999,7 +17786,7 @@
                                       <p:cBhvr>
                                         <p:cTn id="7" dur="500"/>
                                         <p:tgtEl>
-                                          <p:spTgt spid="2"/>
+                                          <p:spTgt spid="5"/>
                                         </p:tgtEl>
                                       </p:cBhvr>
                                     </p:animEffect>
@@ -17020,7 +17807,7 @@
                                           </p:stCondLst>
                                         </p:cTn>
                                         <p:tgtEl>
-                                          <p:spTgt spid="19"/>
+                                          <p:spTgt spid="6"/>
                                         </p:tgtEl>
                                         <p:attrNameLst>
                                           <p:attrName>style.visibility</p:attrName>
@@ -17034,7 +17821,7 @@
                                       <p:cBhvr>
                                         <p:cTn id="10" dur="500"/>
                                         <p:tgtEl>
-                                          <p:spTgt spid="19"/>
+                                          <p:spTgt spid="6"/>
                                         </p:tgtEl>
                                       </p:cBhvr>
                                     </p:animEffect>
@@ -17042,7 +17829,7 @@
                                 </p:cTn>
                               </p:par>
                               <p:par>
-                                <p:cTn id="11" presetID="10" presetClass="entr" presetSubtype="0" fill="hold" nodeType="withEffect">
+                                <p:cTn id="11" presetID="10" presetClass="entr" presetSubtype="0" fill="hold" grpId="0" nodeType="withEffect">
                                   <p:stCondLst>
                                     <p:cond delay="0"/>
                                   </p:stCondLst>
@@ -17055,7 +17842,7 @@
                                           </p:stCondLst>
                                         </p:cTn>
                                         <p:tgtEl>
-                                          <p:spTgt spid="4"/>
+                                          <p:spTgt spid="25"/>
                                         </p:tgtEl>
                                         <p:attrNameLst>
                                           <p:attrName>style.visibility</p:attrName>
@@ -17068,6 +17855,1319 @@
                                     <p:animEffect transition="in" filter="fade">
                                       <p:cBhvr>
                                         <p:cTn id="13" dur="500"/>
+                                        <p:tgtEl>
+                                          <p:spTgt spid="25"/>
+                                        </p:tgtEl>
+                                      </p:cBhvr>
+                                    </p:animEffect>
+                                  </p:childTnLst>
+                                </p:cTn>
+                              </p:par>
+                              <p:par>
+                                <p:cTn id="14" presetID="10" presetClass="entr" presetSubtype="0" fill="hold" grpId="0" nodeType="withEffect">
+                                  <p:stCondLst>
+                                    <p:cond delay="0"/>
+                                  </p:stCondLst>
+                                  <p:childTnLst>
+                                    <p:set>
+                                      <p:cBhvr>
+                                        <p:cTn id="15" dur="1" fill="hold">
+                                          <p:stCondLst>
+                                            <p:cond delay="0"/>
+                                          </p:stCondLst>
+                                        </p:cTn>
+                                        <p:tgtEl>
+                                          <p:spTgt spid="14"/>
+                                        </p:tgtEl>
+                                        <p:attrNameLst>
+                                          <p:attrName>style.visibility</p:attrName>
+                                        </p:attrNameLst>
+                                      </p:cBhvr>
+                                      <p:to>
+                                        <p:strVal val="visible"/>
+                                      </p:to>
+                                    </p:set>
+                                    <p:animEffect transition="in" filter="fade">
+                                      <p:cBhvr>
+                                        <p:cTn id="16" dur="500"/>
+                                        <p:tgtEl>
+                                          <p:spTgt spid="14"/>
+                                        </p:tgtEl>
+                                      </p:cBhvr>
+                                    </p:animEffect>
+                                  </p:childTnLst>
+                                </p:cTn>
+                              </p:par>
+                              <p:par>
+                                <p:cTn id="17" presetID="10" presetClass="entr" presetSubtype="0" fill="hold" grpId="0" nodeType="withEffect">
+                                  <p:stCondLst>
+                                    <p:cond delay="0"/>
+                                  </p:stCondLst>
+                                  <p:childTnLst>
+                                    <p:set>
+                                      <p:cBhvr>
+                                        <p:cTn id="18" dur="1" fill="hold">
+                                          <p:stCondLst>
+                                            <p:cond delay="0"/>
+                                          </p:stCondLst>
+                                        </p:cTn>
+                                        <p:tgtEl>
+                                          <p:spTgt spid="26"/>
+                                        </p:tgtEl>
+                                        <p:attrNameLst>
+                                          <p:attrName>style.visibility</p:attrName>
+                                        </p:attrNameLst>
+                                      </p:cBhvr>
+                                      <p:to>
+                                        <p:strVal val="visible"/>
+                                      </p:to>
+                                    </p:set>
+                                    <p:animEffect transition="in" filter="fade">
+                                      <p:cBhvr>
+                                        <p:cTn id="19" dur="500"/>
+                                        <p:tgtEl>
+                                          <p:spTgt spid="26"/>
+                                        </p:tgtEl>
+                                      </p:cBhvr>
+                                    </p:animEffect>
+                                  </p:childTnLst>
+                                </p:cTn>
+                              </p:par>
+                              <p:par>
+                                <p:cTn id="20" presetID="10" presetClass="entr" presetSubtype="0" fill="hold" grpId="0" nodeType="withEffect">
+                                  <p:stCondLst>
+                                    <p:cond delay="0"/>
+                                  </p:stCondLst>
+                                  <p:childTnLst>
+                                    <p:set>
+                                      <p:cBhvr>
+                                        <p:cTn id="21" dur="1" fill="hold">
+                                          <p:stCondLst>
+                                            <p:cond delay="0"/>
+                                          </p:stCondLst>
+                                        </p:cTn>
+                                        <p:tgtEl>
+                                          <p:spTgt spid="27"/>
+                                        </p:tgtEl>
+                                        <p:attrNameLst>
+                                          <p:attrName>style.visibility</p:attrName>
+                                        </p:attrNameLst>
+                                      </p:cBhvr>
+                                      <p:to>
+                                        <p:strVal val="visible"/>
+                                      </p:to>
+                                    </p:set>
+                                    <p:animEffect transition="in" filter="fade">
+                                      <p:cBhvr>
+                                        <p:cTn id="22" dur="500"/>
+                                        <p:tgtEl>
+                                          <p:spTgt spid="27"/>
+                                        </p:tgtEl>
+                                      </p:cBhvr>
+                                    </p:animEffect>
+                                  </p:childTnLst>
+                                </p:cTn>
+                              </p:par>
+                              <p:par>
+                                <p:cTn id="23" presetID="10" presetClass="entr" presetSubtype="0" fill="hold" grpId="0" nodeType="withEffect">
+                                  <p:stCondLst>
+                                    <p:cond delay="0"/>
+                                  </p:stCondLst>
+                                  <p:childTnLst>
+                                    <p:set>
+                                      <p:cBhvr>
+                                        <p:cTn id="24" dur="1" fill="hold">
+                                          <p:stCondLst>
+                                            <p:cond delay="0"/>
+                                          </p:stCondLst>
+                                        </p:cTn>
+                                        <p:tgtEl>
+                                          <p:spTgt spid="28"/>
+                                        </p:tgtEl>
+                                        <p:attrNameLst>
+                                          <p:attrName>style.visibility</p:attrName>
+                                        </p:attrNameLst>
+                                      </p:cBhvr>
+                                      <p:to>
+                                        <p:strVal val="visible"/>
+                                      </p:to>
+                                    </p:set>
+                                    <p:animEffect transition="in" filter="fade">
+                                      <p:cBhvr>
+                                        <p:cTn id="25" dur="500"/>
+                                        <p:tgtEl>
+                                          <p:spTgt spid="28"/>
+                                        </p:tgtEl>
+                                      </p:cBhvr>
+                                    </p:animEffect>
+                                  </p:childTnLst>
+                                </p:cTn>
+                              </p:par>
+                              <p:par>
+                                <p:cTn id="26" presetID="10" presetClass="entr" presetSubtype="0" fill="hold" grpId="0" nodeType="withEffect">
+                                  <p:stCondLst>
+                                    <p:cond delay="0"/>
+                                  </p:stCondLst>
+                                  <p:childTnLst>
+                                    <p:set>
+                                      <p:cBhvr>
+                                        <p:cTn id="27" dur="1" fill="hold">
+                                          <p:stCondLst>
+                                            <p:cond delay="0"/>
+                                          </p:stCondLst>
+                                        </p:cTn>
+                                        <p:tgtEl>
+                                          <p:spTgt spid="29"/>
+                                        </p:tgtEl>
+                                        <p:attrNameLst>
+                                          <p:attrName>style.visibility</p:attrName>
+                                        </p:attrNameLst>
+                                      </p:cBhvr>
+                                      <p:to>
+                                        <p:strVal val="visible"/>
+                                      </p:to>
+                                    </p:set>
+                                    <p:animEffect transition="in" filter="fade">
+                                      <p:cBhvr>
+                                        <p:cTn id="28" dur="500"/>
+                                        <p:tgtEl>
+                                          <p:spTgt spid="29"/>
+                                        </p:tgtEl>
+                                      </p:cBhvr>
+                                    </p:animEffect>
+                                  </p:childTnLst>
+                                </p:cTn>
+                              </p:par>
+                              <p:par>
+                                <p:cTn id="29" presetID="10" presetClass="entr" presetSubtype="0" fill="hold" grpId="0" nodeType="withEffect">
+                                  <p:stCondLst>
+                                    <p:cond delay="0"/>
+                                  </p:stCondLst>
+                                  <p:childTnLst>
+                                    <p:set>
+                                      <p:cBhvr>
+                                        <p:cTn id="30" dur="1" fill="hold">
+                                          <p:stCondLst>
+                                            <p:cond delay="0"/>
+                                          </p:stCondLst>
+                                        </p:cTn>
+                                        <p:tgtEl>
+                                          <p:spTgt spid="30"/>
+                                        </p:tgtEl>
+                                        <p:attrNameLst>
+                                          <p:attrName>style.visibility</p:attrName>
+                                        </p:attrNameLst>
+                                      </p:cBhvr>
+                                      <p:to>
+                                        <p:strVal val="visible"/>
+                                      </p:to>
+                                    </p:set>
+                                    <p:animEffect transition="in" filter="fade">
+                                      <p:cBhvr>
+                                        <p:cTn id="31" dur="500"/>
+                                        <p:tgtEl>
+                                          <p:spTgt spid="30"/>
+                                        </p:tgtEl>
+                                      </p:cBhvr>
+                                    </p:animEffect>
+                                  </p:childTnLst>
+                                </p:cTn>
+                              </p:par>
+                              <p:par>
+                                <p:cTn id="32" presetID="10" presetClass="entr" presetSubtype="0" fill="hold" grpId="0" nodeType="withEffect">
+                                  <p:stCondLst>
+                                    <p:cond delay="0"/>
+                                  </p:stCondLst>
+                                  <p:childTnLst>
+                                    <p:set>
+                                      <p:cBhvr>
+                                        <p:cTn id="33" dur="1" fill="hold">
+                                          <p:stCondLst>
+                                            <p:cond delay="0"/>
+                                          </p:stCondLst>
+                                        </p:cTn>
+                                        <p:tgtEl>
+                                          <p:spTgt spid="31"/>
+                                        </p:tgtEl>
+                                        <p:attrNameLst>
+                                          <p:attrName>style.visibility</p:attrName>
+                                        </p:attrNameLst>
+                                      </p:cBhvr>
+                                      <p:to>
+                                        <p:strVal val="visible"/>
+                                      </p:to>
+                                    </p:set>
+                                    <p:animEffect transition="in" filter="fade">
+                                      <p:cBhvr>
+                                        <p:cTn id="34" dur="500"/>
+                                        <p:tgtEl>
+                                          <p:spTgt spid="31"/>
+                                        </p:tgtEl>
+                                      </p:cBhvr>
+                                    </p:animEffect>
+                                  </p:childTnLst>
+                                </p:cTn>
+                              </p:par>
+                              <p:par>
+                                <p:cTn id="35" presetID="10" presetClass="entr" presetSubtype="0" fill="hold" grpId="0" nodeType="withEffect">
+                                  <p:stCondLst>
+                                    <p:cond delay="0"/>
+                                  </p:stCondLst>
+                                  <p:childTnLst>
+                                    <p:set>
+                                      <p:cBhvr>
+                                        <p:cTn id="36" dur="1" fill="hold">
+                                          <p:stCondLst>
+                                            <p:cond delay="0"/>
+                                          </p:stCondLst>
+                                        </p:cTn>
+                                        <p:tgtEl>
+                                          <p:spTgt spid="32"/>
+                                        </p:tgtEl>
+                                        <p:attrNameLst>
+                                          <p:attrName>style.visibility</p:attrName>
+                                        </p:attrNameLst>
+                                      </p:cBhvr>
+                                      <p:to>
+                                        <p:strVal val="visible"/>
+                                      </p:to>
+                                    </p:set>
+                                    <p:animEffect transition="in" filter="fade">
+                                      <p:cBhvr>
+                                        <p:cTn id="37" dur="500"/>
+                                        <p:tgtEl>
+                                          <p:spTgt spid="32"/>
+                                        </p:tgtEl>
+                                      </p:cBhvr>
+                                    </p:animEffect>
+                                  </p:childTnLst>
+                                </p:cTn>
+                              </p:par>
+                              <p:par>
+                                <p:cTn id="38" presetID="10" presetClass="entr" presetSubtype="0" fill="hold" grpId="0" nodeType="withEffect">
+                                  <p:stCondLst>
+                                    <p:cond delay="0"/>
+                                  </p:stCondLst>
+                                  <p:childTnLst>
+                                    <p:set>
+                                      <p:cBhvr>
+                                        <p:cTn id="39" dur="1" fill="hold">
+                                          <p:stCondLst>
+                                            <p:cond delay="0"/>
+                                          </p:stCondLst>
+                                        </p:cTn>
+                                        <p:tgtEl>
+                                          <p:spTgt spid="33"/>
+                                        </p:tgtEl>
+                                        <p:attrNameLst>
+                                          <p:attrName>style.visibility</p:attrName>
+                                        </p:attrNameLst>
+                                      </p:cBhvr>
+                                      <p:to>
+                                        <p:strVal val="visible"/>
+                                      </p:to>
+                                    </p:set>
+                                    <p:animEffect transition="in" filter="fade">
+                                      <p:cBhvr>
+                                        <p:cTn id="40" dur="500"/>
+                                        <p:tgtEl>
+                                          <p:spTgt spid="33"/>
+                                        </p:tgtEl>
+                                      </p:cBhvr>
+                                    </p:animEffect>
+                                  </p:childTnLst>
+                                </p:cTn>
+                              </p:par>
+                              <p:par>
+                                <p:cTn id="41" presetID="10" presetClass="entr" presetSubtype="0" fill="hold" grpId="0" nodeType="withEffect">
+                                  <p:stCondLst>
+                                    <p:cond delay="0"/>
+                                  </p:stCondLst>
+                                  <p:childTnLst>
+                                    <p:set>
+                                      <p:cBhvr>
+                                        <p:cTn id="42" dur="1" fill="hold">
+                                          <p:stCondLst>
+                                            <p:cond delay="0"/>
+                                          </p:stCondLst>
+                                        </p:cTn>
+                                        <p:tgtEl>
+                                          <p:spTgt spid="34"/>
+                                        </p:tgtEl>
+                                        <p:attrNameLst>
+                                          <p:attrName>style.visibility</p:attrName>
+                                        </p:attrNameLst>
+                                      </p:cBhvr>
+                                      <p:to>
+                                        <p:strVal val="visible"/>
+                                      </p:to>
+                                    </p:set>
+                                    <p:animEffect transition="in" filter="fade">
+                                      <p:cBhvr>
+                                        <p:cTn id="43" dur="500"/>
+                                        <p:tgtEl>
+                                          <p:spTgt spid="34"/>
+                                        </p:tgtEl>
+                                      </p:cBhvr>
+                                    </p:animEffect>
+                                  </p:childTnLst>
+                                </p:cTn>
+                              </p:par>
+                              <p:par>
+                                <p:cTn id="44" presetID="10" presetClass="entr" presetSubtype="0" fill="hold" grpId="0" nodeType="withEffect">
+                                  <p:stCondLst>
+                                    <p:cond delay="0"/>
+                                  </p:stCondLst>
+                                  <p:childTnLst>
+                                    <p:set>
+                                      <p:cBhvr>
+                                        <p:cTn id="45" dur="1" fill="hold">
+                                          <p:stCondLst>
+                                            <p:cond delay="0"/>
+                                          </p:stCondLst>
+                                        </p:cTn>
+                                        <p:tgtEl>
+                                          <p:spTgt spid="35"/>
+                                        </p:tgtEl>
+                                        <p:attrNameLst>
+                                          <p:attrName>style.visibility</p:attrName>
+                                        </p:attrNameLst>
+                                      </p:cBhvr>
+                                      <p:to>
+                                        <p:strVal val="visible"/>
+                                      </p:to>
+                                    </p:set>
+                                    <p:animEffect transition="in" filter="fade">
+                                      <p:cBhvr>
+                                        <p:cTn id="46" dur="500"/>
+                                        <p:tgtEl>
+                                          <p:spTgt spid="35"/>
+                                        </p:tgtEl>
+                                      </p:cBhvr>
+                                    </p:animEffect>
+                                  </p:childTnLst>
+                                </p:cTn>
+                              </p:par>
+                              <p:par>
+                                <p:cTn id="47" presetID="10" presetClass="entr" presetSubtype="0" fill="hold" grpId="0" nodeType="withEffect">
+                                  <p:stCondLst>
+                                    <p:cond delay="0"/>
+                                  </p:stCondLst>
+                                  <p:childTnLst>
+                                    <p:set>
+                                      <p:cBhvr>
+                                        <p:cTn id="48" dur="1" fill="hold">
+                                          <p:stCondLst>
+                                            <p:cond delay="0"/>
+                                          </p:stCondLst>
+                                        </p:cTn>
+                                        <p:tgtEl>
+                                          <p:spTgt spid="36"/>
+                                        </p:tgtEl>
+                                        <p:attrNameLst>
+                                          <p:attrName>style.visibility</p:attrName>
+                                        </p:attrNameLst>
+                                      </p:cBhvr>
+                                      <p:to>
+                                        <p:strVal val="visible"/>
+                                      </p:to>
+                                    </p:set>
+                                    <p:animEffect transition="in" filter="fade">
+                                      <p:cBhvr>
+                                        <p:cTn id="49" dur="500"/>
+                                        <p:tgtEl>
+                                          <p:spTgt spid="36"/>
+                                        </p:tgtEl>
+                                      </p:cBhvr>
+                                    </p:animEffect>
+                                  </p:childTnLst>
+                                </p:cTn>
+                              </p:par>
+                              <p:par>
+                                <p:cTn id="50" presetID="10" presetClass="entr" presetSubtype="0" fill="hold" grpId="0" nodeType="withEffect">
+                                  <p:stCondLst>
+                                    <p:cond delay="0"/>
+                                  </p:stCondLst>
+                                  <p:childTnLst>
+                                    <p:set>
+                                      <p:cBhvr>
+                                        <p:cTn id="51" dur="1" fill="hold">
+                                          <p:stCondLst>
+                                            <p:cond delay="0"/>
+                                          </p:stCondLst>
+                                        </p:cTn>
+                                        <p:tgtEl>
+                                          <p:spTgt spid="38"/>
+                                        </p:tgtEl>
+                                        <p:attrNameLst>
+                                          <p:attrName>style.visibility</p:attrName>
+                                        </p:attrNameLst>
+                                      </p:cBhvr>
+                                      <p:to>
+                                        <p:strVal val="visible"/>
+                                      </p:to>
+                                    </p:set>
+                                    <p:animEffect transition="in" filter="fade">
+                                      <p:cBhvr>
+                                        <p:cTn id="52" dur="500"/>
+                                        <p:tgtEl>
+                                          <p:spTgt spid="38"/>
+                                        </p:tgtEl>
+                                      </p:cBhvr>
+                                    </p:animEffect>
+                                  </p:childTnLst>
+                                </p:cTn>
+                              </p:par>
+                              <p:par>
+                                <p:cTn id="53" presetID="10" presetClass="entr" presetSubtype="0" fill="hold" grpId="0" nodeType="withEffect">
+                                  <p:stCondLst>
+                                    <p:cond delay="0"/>
+                                  </p:stCondLst>
+                                  <p:childTnLst>
+                                    <p:set>
+                                      <p:cBhvr>
+                                        <p:cTn id="54" dur="1" fill="hold">
+                                          <p:stCondLst>
+                                            <p:cond delay="0"/>
+                                          </p:stCondLst>
+                                        </p:cTn>
+                                        <p:tgtEl>
+                                          <p:spTgt spid="39"/>
+                                        </p:tgtEl>
+                                        <p:attrNameLst>
+                                          <p:attrName>style.visibility</p:attrName>
+                                        </p:attrNameLst>
+                                      </p:cBhvr>
+                                      <p:to>
+                                        <p:strVal val="visible"/>
+                                      </p:to>
+                                    </p:set>
+                                    <p:animEffect transition="in" filter="fade">
+                                      <p:cBhvr>
+                                        <p:cTn id="55" dur="500"/>
+                                        <p:tgtEl>
+                                          <p:spTgt spid="39"/>
+                                        </p:tgtEl>
+                                      </p:cBhvr>
+                                    </p:animEffect>
+                                  </p:childTnLst>
+                                </p:cTn>
+                              </p:par>
+                              <p:par>
+                                <p:cTn id="56" presetID="10" presetClass="entr" presetSubtype="0" fill="hold" grpId="0" nodeType="withEffect">
+                                  <p:stCondLst>
+                                    <p:cond delay="0"/>
+                                  </p:stCondLst>
+                                  <p:childTnLst>
+                                    <p:set>
+                                      <p:cBhvr>
+                                        <p:cTn id="57" dur="1" fill="hold">
+                                          <p:stCondLst>
+                                            <p:cond delay="0"/>
+                                          </p:stCondLst>
+                                        </p:cTn>
+                                        <p:tgtEl>
+                                          <p:spTgt spid="40"/>
+                                        </p:tgtEl>
+                                        <p:attrNameLst>
+                                          <p:attrName>style.visibility</p:attrName>
+                                        </p:attrNameLst>
+                                      </p:cBhvr>
+                                      <p:to>
+                                        <p:strVal val="visible"/>
+                                      </p:to>
+                                    </p:set>
+                                    <p:animEffect transition="in" filter="fade">
+                                      <p:cBhvr>
+                                        <p:cTn id="58" dur="500"/>
+                                        <p:tgtEl>
+                                          <p:spTgt spid="40"/>
+                                        </p:tgtEl>
+                                      </p:cBhvr>
+                                    </p:animEffect>
+                                  </p:childTnLst>
+                                </p:cTn>
+                              </p:par>
+                              <p:par>
+                                <p:cTn id="59" presetID="10" presetClass="entr" presetSubtype="0" fill="hold" grpId="0" nodeType="withEffect">
+                                  <p:stCondLst>
+                                    <p:cond delay="0"/>
+                                  </p:stCondLst>
+                                  <p:childTnLst>
+                                    <p:set>
+                                      <p:cBhvr>
+                                        <p:cTn id="60" dur="1" fill="hold">
+                                          <p:stCondLst>
+                                            <p:cond delay="0"/>
+                                          </p:stCondLst>
+                                        </p:cTn>
+                                        <p:tgtEl>
+                                          <p:spTgt spid="42"/>
+                                        </p:tgtEl>
+                                        <p:attrNameLst>
+                                          <p:attrName>style.visibility</p:attrName>
+                                        </p:attrNameLst>
+                                      </p:cBhvr>
+                                      <p:to>
+                                        <p:strVal val="visible"/>
+                                      </p:to>
+                                    </p:set>
+                                    <p:animEffect transition="in" filter="fade">
+                                      <p:cBhvr>
+                                        <p:cTn id="61" dur="500"/>
+                                        <p:tgtEl>
+                                          <p:spTgt spid="42"/>
+                                        </p:tgtEl>
+                                      </p:cBhvr>
+                                    </p:animEffect>
+                                  </p:childTnLst>
+                                </p:cTn>
+                              </p:par>
+                              <p:par>
+                                <p:cTn id="62" presetID="10" presetClass="entr" presetSubtype="0" fill="hold" grpId="0" nodeType="withEffect">
+                                  <p:stCondLst>
+                                    <p:cond delay="0"/>
+                                  </p:stCondLst>
+                                  <p:childTnLst>
+                                    <p:set>
+                                      <p:cBhvr>
+                                        <p:cTn id="63" dur="1" fill="hold">
+                                          <p:stCondLst>
+                                            <p:cond delay="0"/>
+                                          </p:stCondLst>
+                                        </p:cTn>
+                                        <p:tgtEl>
+                                          <p:spTgt spid="43"/>
+                                        </p:tgtEl>
+                                        <p:attrNameLst>
+                                          <p:attrName>style.visibility</p:attrName>
+                                        </p:attrNameLst>
+                                      </p:cBhvr>
+                                      <p:to>
+                                        <p:strVal val="visible"/>
+                                      </p:to>
+                                    </p:set>
+                                    <p:animEffect transition="in" filter="fade">
+                                      <p:cBhvr>
+                                        <p:cTn id="64" dur="500"/>
+                                        <p:tgtEl>
+                                          <p:spTgt spid="43"/>
+                                        </p:tgtEl>
+                                      </p:cBhvr>
+                                    </p:animEffect>
+                                  </p:childTnLst>
+                                </p:cTn>
+                              </p:par>
+                              <p:par>
+                                <p:cTn id="65" presetID="10" presetClass="entr" presetSubtype="0" fill="hold" nodeType="withEffect">
+                                  <p:stCondLst>
+                                    <p:cond delay="0"/>
+                                  </p:stCondLst>
+                                  <p:childTnLst>
+                                    <p:set>
+                                      <p:cBhvr>
+                                        <p:cTn id="66" dur="1" fill="hold">
+                                          <p:stCondLst>
+                                            <p:cond delay="0"/>
+                                          </p:stCondLst>
+                                        </p:cTn>
+                                        <p:tgtEl>
+                                          <p:spTgt spid="44"/>
+                                        </p:tgtEl>
+                                        <p:attrNameLst>
+                                          <p:attrName>style.visibility</p:attrName>
+                                        </p:attrNameLst>
+                                      </p:cBhvr>
+                                      <p:to>
+                                        <p:strVal val="visible"/>
+                                      </p:to>
+                                    </p:set>
+                                    <p:animEffect transition="in" filter="fade">
+                                      <p:cBhvr>
+                                        <p:cTn id="67" dur="500"/>
+                                        <p:tgtEl>
+                                          <p:spTgt spid="44"/>
+                                        </p:tgtEl>
+                                      </p:cBhvr>
+                                    </p:animEffect>
+                                  </p:childTnLst>
+                                </p:cTn>
+                              </p:par>
+                              <p:par>
+                                <p:cTn id="68" presetID="10" presetClass="entr" presetSubtype="0" fill="hold" grpId="0" nodeType="withEffect">
+                                  <p:stCondLst>
+                                    <p:cond delay="0"/>
+                                  </p:stCondLst>
+                                  <p:childTnLst>
+                                    <p:set>
+                                      <p:cBhvr>
+                                        <p:cTn id="69" dur="1" fill="hold">
+                                          <p:stCondLst>
+                                            <p:cond delay="0"/>
+                                          </p:stCondLst>
+                                        </p:cTn>
+                                        <p:tgtEl>
+                                          <p:spTgt spid="45"/>
+                                        </p:tgtEl>
+                                        <p:attrNameLst>
+                                          <p:attrName>style.visibility</p:attrName>
+                                        </p:attrNameLst>
+                                      </p:cBhvr>
+                                      <p:to>
+                                        <p:strVal val="visible"/>
+                                      </p:to>
+                                    </p:set>
+                                    <p:animEffect transition="in" filter="fade">
+                                      <p:cBhvr>
+                                        <p:cTn id="70" dur="500"/>
+                                        <p:tgtEl>
+                                          <p:spTgt spid="45"/>
+                                        </p:tgtEl>
+                                      </p:cBhvr>
+                                    </p:animEffect>
+                                  </p:childTnLst>
+                                </p:cTn>
+                              </p:par>
+                              <p:par>
+                                <p:cTn id="71" presetID="10" presetClass="entr" presetSubtype="0" fill="hold" grpId="0" nodeType="withEffect">
+                                  <p:stCondLst>
+                                    <p:cond delay="0"/>
+                                  </p:stCondLst>
+                                  <p:childTnLst>
+                                    <p:set>
+                                      <p:cBhvr>
+                                        <p:cTn id="72" dur="1" fill="hold">
+                                          <p:stCondLst>
+                                            <p:cond delay="0"/>
+                                          </p:stCondLst>
+                                        </p:cTn>
+                                        <p:tgtEl>
+                                          <p:spTgt spid="46"/>
+                                        </p:tgtEl>
+                                        <p:attrNameLst>
+                                          <p:attrName>style.visibility</p:attrName>
+                                        </p:attrNameLst>
+                                      </p:cBhvr>
+                                      <p:to>
+                                        <p:strVal val="visible"/>
+                                      </p:to>
+                                    </p:set>
+                                    <p:animEffect transition="in" filter="fade">
+                                      <p:cBhvr>
+                                        <p:cTn id="73" dur="500"/>
+                                        <p:tgtEl>
+                                          <p:spTgt spid="46"/>
+                                        </p:tgtEl>
+                                      </p:cBhvr>
+                                    </p:animEffect>
+                                  </p:childTnLst>
+                                </p:cTn>
+                              </p:par>
+                              <p:par>
+                                <p:cTn id="74" presetID="10" presetClass="entr" presetSubtype="0" fill="hold" grpId="0" nodeType="withEffect">
+                                  <p:stCondLst>
+                                    <p:cond delay="0"/>
+                                  </p:stCondLst>
+                                  <p:childTnLst>
+                                    <p:set>
+                                      <p:cBhvr>
+                                        <p:cTn id="75" dur="1" fill="hold">
+                                          <p:stCondLst>
+                                            <p:cond delay="0"/>
+                                          </p:stCondLst>
+                                        </p:cTn>
+                                        <p:tgtEl>
+                                          <p:spTgt spid="47"/>
+                                        </p:tgtEl>
+                                        <p:attrNameLst>
+                                          <p:attrName>style.visibility</p:attrName>
+                                        </p:attrNameLst>
+                                      </p:cBhvr>
+                                      <p:to>
+                                        <p:strVal val="visible"/>
+                                      </p:to>
+                                    </p:set>
+                                    <p:animEffect transition="in" filter="fade">
+                                      <p:cBhvr>
+                                        <p:cTn id="76" dur="500"/>
+                                        <p:tgtEl>
+                                          <p:spTgt spid="47"/>
+                                        </p:tgtEl>
+                                      </p:cBhvr>
+                                    </p:animEffect>
+                                  </p:childTnLst>
+                                </p:cTn>
+                              </p:par>
+                              <p:par>
+                                <p:cTn id="77" presetID="10" presetClass="entr" presetSubtype="0" fill="hold" grpId="0" nodeType="withEffect">
+                                  <p:stCondLst>
+                                    <p:cond delay="0"/>
+                                  </p:stCondLst>
+                                  <p:childTnLst>
+                                    <p:set>
+                                      <p:cBhvr>
+                                        <p:cTn id="78" dur="1" fill="hold">
+                                          <p:stCondLst>
+                                            <p:cond delay="0"/>
+                                          </p:stCondLst>
+                                        </p:cTn>
+                                        <p:tgtEl>
+                                          <p:spTgt spid="48"/>
+                                        </p:tgtEl>
+                                        <p:attrNameLst>
+                                          <p:attrName>style.visibility</p:attrName>
+                                        </p:attrNameLst>
+                                      </p:cBhvr>
+                                      <p:to>
+                                        <p:strVal val="visible"/>
+                                      </p:to>
+                                    </p:set>
+                                    <p:animEffect transition="in" filter="fade">
+                                      <p:cBhvr>
+                                        <p:cTn id="79" dur="500"/>
+                                        <p:tgtEl>
+                                          <p:spTgt spid="48"/>
+                                        </p:tgtEl>
+                                      </p:cBhvr>
+                                    </p:animEffect>
+                                  </p:childTnLst>
+                                </p:cTn>
+                              </p:par>
+                              <p:par>
+                                <p:cTn id="80" presetID="10" presetClass="entr" presetSubtype="0" fill="hold" grpId="0" nodeType="withEffect">
+                                  <p:stCondLst>
+                                    <p:cond delay="0"/>
+                                  </p:stCondLst>
+                                  <p:childTnLst>
+                                    <p:set>
+                                      <p:cBhvr>
+                                        <p:cTn id="81" dur="1" fill="hold">
+                                          <p:stCondLst>
+                                            <p:cond delay="0"/>
+                                          </p:stCondLst>
+                                        </p:cTn>
+                                        <p:tgtEl>
+                                          <p:spTgt spid="49"/>
+                                        </p:tgtEl>
+                                        <p:attrNameLst>
+                                          <p:attrName>style.visibility</p:attrName>
+                                        </p:attrNameLst>
+                                      </p:cBhvr>
+                                      <p:to>
+                                        <p:strVal val="visible"/>
+                                      </p:to>
+                                    </p:set>
+                                    <p:animEffect transition="in" filter="fade">
+                                      <p:cBhvr>
+                                        <p:cTn id="82" dur="500"/>
+                                        <p:tgtEl>
+                                          <p:spTgt spid="49"/>
+                                        </p:tgtEl>
+                                      </p:cBhvr>
+                                    </p:animEffect>
+                                  </p:childTnLst>
+                                </p:cTn>
+                              </p:par>
+                              <p:par>
+                                <p:cTn id="83" presetID="10" presetClass="entr" presetSubtype="0" fill="hold" grpId="0" nodeType="withEffect">
+                                  <p:stCondLst>
+                                    <p:cond delay="0"/>
+                                  </p:stCondLst>
+                                  <p:childTnLst>
+                                    <p:set>
+                                      <p:cBhvr>
+                                        <p:cTn id="84" dur="1" fill="hold">
+                                          <p:stCondLst>
+                                            <p:cond delay="0"/>
+                                          </p:stCondLst>
+                                        </p:cTn>
+                                        <p:tgtEl>
+                                          <p:spTgt spid="50"/>
+                                        </p:tgtEl>
+                                        <p:attrNameLst>
+                                          <p:attrName>style.visibility</p:attrName>
+                                        </p:attrNameLst>
+                                      </p:cBhvr>
+                                      <p:to>
+                                        <p:strVal val="visible"/>
+                                      </p:to>
+                                    </p:set>
+                                    <p:animEffect transition="in" filter="fade">
+                                      <p:cBhvr>
+                                        <p:cTn id="85" dur="500"/>
+                                        <p:tgtEl>
+                                          <p:spTgt spid="50"/>
+                                        </p:tgtEl>
+                                      </p:cBhvr>
+                                    </p:animEffect>
+                                  </p:childTnLst>
+                                </p:cTn>
+                              </p:par>
+                              <p:par>
+                                <p:cTn id="86" presetID="10" presetClass="entr" presetSubtype="0" fill="hold" grpId="0" nodeType="withEffect">
+                                  <p:stCondLst>
+                                    <p:cond delay="0"/>
+                                  </p:stCondLst>
+                                  <p:childTnLst>
+                                    <p:set>
+                                      <p:cBhvr>
+                                        <p:cTn id="87" dur="1" fill="hold">
+                                          <p:stCondLst>
+                                            <p:cond delay="0"/>
+                                          </p:stCondLst>
+                                        </p:cTn>
+                                        <p:tgtEl>
+                                          <p:spTgt spid="51"/>
+                                        </p:tgtEl>
+                                        <p:attrNameLst>
+                                          <p:attrName>style.visibility</p:attrName>
+                                        </p:attrNameLst>
+                                      </p:cBhvr>
+                                      <p:to>
+                                        <p:strVal val="visible"/>
+                                      </p:to>
+                                    </p:set>
+                                    <p:animEffect transition="in" filter="fade">
+                                      <p:cBhvr>
+                                        <p:cTn id="88" dur="500"/>
+                                        <p:tgtEl>
+                                          <p:spTgt spid="51"/>
+                                        </p:tgtEl>
+                                      </p:cBhvr>
+                                    </p:animEffect>
+                                  </p:childTnLst>
+                                </p:cTn>
+                              </p:par>
+                              <p:par>
+                                <p:cTn id="89" presetID="10" presetClass="entr" presetSubtype="0" fill="hold" grpId="0" nodeType="withEffect">
+                                  <p:stCondLst>
+                                    <p:cond delay="0"/>
+                                  </p:stCondLst>
+                                  <p:childTnLst>
+                                    <p:set>
+                                      <p:cBhvr>
+                                        <p:cTn id="90" dur="1" fill="hold">
+                                          <p:stCondLst>
+                                            <p:cond delay="0"/>
+                                          </p:stCondLst>
+                                        </p:cTn>
+                                        <p:tgtEl>
+                                          <p:spTgt spid="52"/>
+                                        </p:tgtEl>
+                                        <p:attrNameLst>
+                                          <p:attrName>style.visibility</p:attrName>
+                                        </p:attrNameLst>
+                                      </p:cBhvr>
+                                      <p:to>
+                                        <p:strVal val="visible"/>
+                                      </p:to>
+                                    </p:set>
+                                    <p:animEffect transition="in" filter="fade">
+                                      <p:cBhvr>
+                                        <p:cTn id="91" dur="500"/>
+                                        <p:tgtEl>
+                                          <p:spTgt spid="52"/>
+                                        </p:tgtEl>
+                                      </p:cBhvr>
+                                    </p:animEffect>
+                                  </p:childTnLst>
+                                </p:cTn>
+                              </p:par>
+                              <p:par>
+                                <p:cTn id="92" presetID="10" presetClass="entr" presetSubtype="0" fill="hold" grpId="0" nodeType="withEffect">
+                                  <p:stCondLst>
+                                    <p:cond delay="0"/>
+                                  </p:stCondLst>
+                                  <p:childTnLst>
+                                    <p:set>
+                                      <p:cBhvr>
+                                        <p:cTn id="93" dur="1" fill="hold">
+                                          <p:stCondLst>
+                                            <p:cond delay="0"/>
+                                          </p:stCondLst>
+                                        </p:cTn>
+                                        <p:tgtEl>
+                                          <p:spTgt spid="53"/>
+                                        </p:tgtEl>
+                                        <p:attrNameLst>
+                                          <p:attrName>style.visibility</p:attrName>
+                                        </p:attrNameLst>
+                                      </p:cBhvr>
+                                      <p:to>
+                                        <p:strVal val="visible"/>
+                                      </p:to>
+                                    </p:set>
+                                    <p:animEffect transition="in" filter="fade">
+                                      <p:cBhvr>
+                                        <p:cTn id="94" dur="500"/>
+                                        <p:tgtEl>
+                                          <p:spTgt spid="53"/>
+                                        </p:tgtEl>
+                                      </p:cBhvr>
+                                    </p:animEffect>
+                                  </p:childTnLst>
+                                </p:cTn>
+                              </p:par>
+                              <p:par>
+                                <p:cTn id="95" presetID="10" presetClass="entr" presetSubtype="0" fill="hold" grpId="0" nodeType="withEffect">
+                                  <p:stCondLst>
+                                    <p:cond delay="0"/>
+                                  </p:stCondLst>
+                                  <p:childTnLst>
+                                    <p:set>
+                                      <p:cBhvr>
+                                        <p:cTn id="96" dur="1" fill="hold">
+                                          <p:stCondLst>
+                                            <p:cond delay="0"/>
+                                          </p:stCondLst>
+                                        </p:cTn>
+                                        <p:tgtEl>
+                                          <p:spTgt spid="54"/>
+                                        </p:tgtEl>
+                                        <p:attrNameLst>
+                                          <p:attrName>style.visibility</p:attrName>
+                                        </p:attrNameLst>
+                                      </p:cBhvr>
+                                      <p:to>
+                                        <p:strVal val="visible"/>
+                                      </p:to>
+                                    </p:set>
+                                    <p:animEffect transition="in" filter="fade">
+                                      <p:cBhvr>
+                                        <p:cTn id="97" dur="500"/>
+                                        <p:tgtEl>
+                                          <p:spTgt spid="54"/>
+                                        </p:tgtEl>
+                                      </p:cBhvr>
+                                    </p:animEffect>
+                                  </p:childTnLst>
+                                </p:cTn>
+                              </p:par>
+                              <p:par>
+                                <p:cTn id="98" presetID="10" presetClass="entr" presetSubtype="0" fill="hold" grpId="0" nodeType="withEffect">
+                                  <p:stCondLst>
+                                    <p:cond delay="0"/>
+                                  </p:stCondLst>
+                                  <p:childTnLst>
+                                    <p:set>
+                                      <p:cBhvr>
+                                        <p:cTn id="99" dur="1" fill="hold">
+                                          <p:stCondLst>
+                                            <p:cond delay="0"/>
+                                          </p:stCondLst>
+                                        </p:cTn>
+                                        <p:tgtEl>
+                                          <p:spTgt spid="55"/>
+                                        </p:tgtEl>
+                                        <p:attrNameLst>
+                                          <p:attrName>style.visibility</p:attrName>
+                                        </p:attrNameLst>
+                                      </p:cBhvr>
+                                      <p:to>
+                                        <p:strVal val="visible"/>
+                                      </p:to>
+                                    </p:set>
+                                    <p:animEffect transition="in" filter="fade">
+                                      <p:cBhvr>
+                                        <p:cTn id="100" dur="500"/>
+                                        <p:tgtEl>
+                                          <p:spTgt spid="55"/>
+                                        </p:tgtEl>
+                                      </p:cBhvr>
+                                    </p:animEffect>
+                                  </p:childTnLst>
+                                </p:cTn>
+                              </p:par>
+                              <p:par>
+                                <p:cTn id="101" presetID="10" presetClass="entr" presetSubtype="0" fill="hold" nodeType="withEffect">
+                                  <p:stCondLst>
+                                    <p:cond delay="0"/>
+                                  </p:stCondLst>
+                                  <p:childTnLst>
+                                    <p:set>
+                                      <p:cBhvr>
+                                        <p:cTn id="102" dur="1" fill="hold">
+                                          <p:stCondLst>
+                                            <p:cond delay="0"/>
+                                          </p:stCondLst>
+                                        </p:cTn>
+                                        <p:tgtEl>
+                                          <p:spTgt spid="56"/>
+                                        </p:tgtEl>
+                                        <p:attrNameLst>
+                                          <p:attrName>style.visibility</p:attrName>
+                                        </p:attrNameLst>
+                                      </p:cBhvr>
+                                      <p:to>
+                                        <p:strVal val="visible"/>
+                                      </p:to>
+                                    </p:set>
+                                    <p:animEffect transition="in" filter="fade">
+                                      <p:cBhvr>
+                                        <p:cTn id="103" dur="500"/>
+                                        <p:tgtEl>
+                                          <p:spTgt spid="56"/>
+                                        </p:tgtEl>
+                                      </p:cBhvr>
+                                    </p:animEffect>
+                                  </p:childTnLst>
+                                </p:cTn>
+                              </p:par>
+                              <p:par>
+                                <p:cTn id="104" presetID="10" presetClass="entr" presetSubtype="0" fill="hold" grpId="0" nodeType="withEffect">
+                                  <p:stCondLst>
+                                    <p:cond delay="0"/>
+                                  </p:stCondLst>
+                                  <p:childTnLst>
+                                    <p:set>
+                                      <p:cBhvr>
+                                        <p:cTn id="105" dur="1" fill="hold">
+                                          <p:stCondLst>
+                                            <p:cond delay="0"/>
+                                          </p:stCondLst>
+                                        </p:cTn>
+                                        <p:tgtEl>
+                                          <p:spTgt spid="57"/>
+                                        </p:tgtEl>
+                                        <p:attrNameLst>
+                                          <p:attrName>style.visibility</p:attrName>
+                                        </p:attrNameLst>
+                                      </p:cBhvr>
+                                      <p:to>
+                                        <p:strVal val="visible"/>
+                                      </p:to>
+                                    </p:set>
+                                    <p:animEffect transition="in" filter="fade">
+                                      <p:cBhvr>
+                                        <p:cTn id="106" dur="500"/>
+                                        <p:tgtEl>
+                                          <p:spTgt spid="57"/>
+                                        </p:tgtEl>
+                                      </p:cBhvr>
+                                    </p:animEffect>
+                                  </p:childTnLst>
+                                </p:cTn>
+                              </p:par>
+                              <p:par>
+                                <p:cTn id="107" presetID="10" presetClass="entr" presetSubtype="0" fill="hold" grpId="0" nodeType="withEffect">
+                                  <p:stCondLst>
+                                    <p:cond delay="0"/>
+                                  </p:stCondLst>
+                                  <p:childTnLst>
+                                    <p:set>
+                                      <p:cBhvr>
+                                        <p:cTn id="108" dur="1" fill="hold">
+                                          <p:stCondLst>
+                                            <p:cond delay="0"/>
+                                          </p:stCondLst>
+                                        </p:cTn>
+                                        <p:tgtEl>
+                                          <p:spTgt spid="58"/>
+                                        </p:tgtEl>
+                                        <p:attrNameLst>
+                                          <p:attrName>style.visibility</p:attrName>
+                                        </p:attrNameLst>
+                                      </p:cBhvr>
+                                      <p:to>
+                                        <p:strVal val="visible"/>
+                                      </p:to>
+                                    </p:set>
+                                    <p:animEffect transition="in" filter="fade">
+                                      <p:cBhvr>
+                                        <p:cTn id="109" dur="500"/>
+                                        <p:tgtEl>
+                                          <p:spTgt spid="58"/>
+                                        </p:tgtEl>
+                                      </p:cBhvr>
+                                    </p:animEffect>
+                                  </p:childTnLst>
+                                </p:cTn>
+                              </p:par>
+                              <p:par>
+                                <p:cTn id="110" presetID="10" presetClass="entr" presetSubtype="0" fill="hold" grpId="0" nodeType="withEffect">
+                                  <p:stCondLst>
+                                    <p:cond delay="0"/>
+                                  </p:stCondLst>
+                                  <p:childTnLst>
+                                    <p:set>
+                                      <p:cBhvr>
+                                        <p:cTn id="111" dur="1" fill="hold">
+                                          <p:stCondLst>
+                                            <p:cond delay="0"/>
+                                          </p:stCondLst>
+                                        </p:cTn>
+                                        <p:tgtEl>
+                                          <p:spTgt spid="59"/>
+                                        </p:tgtEl>
+                                        <p:attrNameLst>
+                                          <p:attrName>style.visibility</p:attrName>
+                                        </p:attrNameLst>
+                                      </p:cBhvr>
+                                      <p:to>
+                                        <p:strVal val="visible"/>
+                                      </p:to>
+                                    </p:set>
+                                    <p:animEffect transition="in" filter="fade">
+                                      <p:cBhvr>
+                                        <p:cTn id="112" dur="500"/>
+                                        <p:tgtEl>
+                                          <p:spTgt spid="59"/>
+                                        </p:tgtEl>
+                                      </p:cBhvr>
+                                    </p:animEffect>
+                                  </p:childTnLst>
+                                </p:cTn>
+                              </p:par>
+                              <p:par>
+                                <p:cTn id="113" presetID="10" presetClass="entr" presetSubtype="0" fill="hold" nodeType="withEffect">
+                                  <p:stCondLst>
+                                    <p:cond delay="0"/>
+                                  </p:stCondLst>
+                                  <p:childTnLst>
+                                    <p:set>
+                                      <p:cBhvr>
+                                        <p:cTn id="114" dur="1" fill="hold">
+                                          <p:stCondLst>
+                                            <p:cond delay="0"/>
+                                          </p:stCondLst>
+                                        </p:cTn>
+                                        <p:tgtEl>
+                                          <p:spTgt spid="61"/>
+                                        </p:tgtEl>
+                                        <p:attrNameLst>
+                                          <p:attrName>style.visibility</p:attrName>
+                                        </p:attrNameLst>
+                                      </p:cBhvr>
+                                      <p:to>
+                                        <p:strVal val="visible"/>
+                                      </p:to>
+                                    </p:set>
+                                    <p:animEffect transition="in" filter="fade">
+                                      <p:cBhvr>
+                                        <p:cTn id="115" dur="500"/>
+                                        <p:tgtEl>
+                                          <p:spTgt spid="61"/>
+                                        </p:tgtEl>
+                                      </p:cBhvr>
+                                    </p:animEffect>
+                                  </p:childTnLst>
+                                </p:cTn>
+                              </p:par>
+                              <p:par>
+                                <p:cTn id="116" presetID="10" presetClass="entr" presetSubtype="0" fill="hold" grpId="0" nodeType="withEffect">
+                                  <p:stCondLst>
+                                    <p:cond delay="0"/>
+                                  </p:stCondLst>
+                                  <p:childTnLst>
+                                    <p:set>
+                                      <p:cBhvr>
+                                        <p:cTn id="117" dur="1" fill="hold">
+                                          <p:stCondLst>
+                                            <p:cond delay="0"/>
+                                          </p:stCondLst>
+                                        </p:cTn>
+                                        <p:tgtEl>
+                                          <p:spTgt spid="65"/>
+                                        </p:tgtEl>
+                                        <p:attrNameLst>
+                                          <p:attrName>style.visibility</p:attrName>
+                                        </p:attrNameLst>
+                                      </p:cBhvr>
+                                      <p:to>
+                                        <p:strVal val="visible"/>
+                                      </p:to>
+                                    </p:set>
+                                    <p:animEffect transition="in" filter="fade">
+                                      <p:cBhvr>
+                                        <p:cTn id="118" dur="500"/>
+                                        <p:tgtEl>
+                                          <p:spTgt spid="65"/>
+                                        </p:tgtEl>
+                                      </p:cBhvr>
+                                    </p:animEffect>
+                                  </p:childTnLst>
+                                </p:cTn>
+                              </p:par>
+                            </p:childTnLst>
+                          </p:cTn>
+                        </p:par>
+                      </p:childTnLst>
+                    </p:cTn>
+                  </p:par>
+                  <p:par>
+                    <p:cTn id="119" fill="hold">
+                      <p:stCondLst>
+                        <p:cond delay="indefinite"/>
+                      </p:stCondLst>
+                      <p:childTnLst>
+                        <p:par>
+                          <p:cTn id="120" fill="hold">
+                            <p:stCondLst>
+                              <p:cond delay="0"/>
+                            </p:stCondLst>
+                            <p:childTnLst>
+                              <p:par>
+                                <p:cTn id="121" presetID="10" presetClass="entr" presetSubtype="0" fill="hold" grpId="0" nodeType="clickEffect">
+                                  <p:stCondLst>
+                                    <p:cond delay="0"/>
+                                  </p:stCondLst>
+                                  <p:childTnLst>
+                                    <p:set>
+                                      <p:cBhvr>
+                                        <p:cTn id="122" dur="1" fill="hold">
+                                          <p:stCondLst>
+                                            <p:cond delay="0"/>
+                                          </p:stCondLst>
+                                        </p:cTn>
+                                        <p:tgtEl>
+                                          <p:spTgt spid="2"/>
+                                        </p:tgtEl>
+                                        <p:attrNameLst>
+                                          <p:attrName>style.visibility</p:attrName>
+                                        </p:attrNameLst>
+                                      </p:cBhvr>
+                                      <p:to>
+                                        <p:strVal val="visible"/>
+                                      </p:to>
+                                    </p:set>
+                                    <p:animEffect transition="in" filter="fade">
+                                      <p:cBhvr>
+                                        <p:cTn id="123" dur="500"/>
+                                        <p:tgtEl>
+                                          <p:spTgt spid="2"/>
+                                        </p:tgtEl>
+                                      </p:cBhvr>
+                                    </p:animEffect>
+                                  </p:childTnLst>
+                                </p:cTn>
+                              </p:par>
+                              <p:par>
+                                <p:cTn id="124" presetID="10" presetClass="entr" presetSubtype="0" fill="hold" nodeType="withEffect">
+                                  <p:stCondLst>
+                                    <p:cond delay="0"/>
+                                  </p:stCondLst>
+                                  <p:childTnLst>
+                                    <p:set>
+                                      <p:cBhvr>
+                                        <p:cTn id="125" dur="1" fill="hold">
+                                          <p:stCondLst>
+                                            <p:cond delay="0"/>
+                                          </p:stCondLst>
+                                        </p:cTn>
+                                        <p:tgtEl>
+                                          <p:spTgt spid="4"/>
+                                        </p:tgtEl>
+                                        <p:attrNameLst>
+                                          <p:attrName>style.visibility</p:attrName>
+                                        </p:attrNameLst>
+                                      </p:cBhvr>
+                                      <p:to>
+                                        <p:strVal val="visible"/>
+                                      </p:to>
+                                    </p:set>
+                                    <p:animEffect transition="in" filter="fade">
+                                      <p:cBhvr>
+                                        <p:cTn id="126" dur="500"/>
                                         <p:tgtEl>
                                           <p:spTgt spid="4"/>
                                         </p:tgtEl>
@@ -17105,7 +19205,40 @@
     </p:tnLst>
     <p:bldLst>
       <p:bldP spid="2" grpId="0"/>
-      <p:bldP spid="19" grpId="0" animBg="1"/>
+      <p:bldP spid="6" grpId="0" animBg="1"/>
+      <p:bldP spid="25" grpId="0"/>
+      <p:bldP spid="14" grpId="0" animBg="1"/>
+      <p:bldP spid="26" grpId="0" animBg="1"/>
+      <p:bldP spid="27" grpId="0" animBg="1"/>
+      <p:bldP spid="28" grpId="0" animBg="1"/>
+      <p:bldP spid="29" grpId="0" animBg="1"/>
+      <p:bldP spid="30" grpId="0" animBg="1"/>
+      <p:bldP spid="31" grpId="0"/>
+      <p:bldP spid="32" grpId="0"/>
+      <p:bldP spid="33" grpId="0"/>
+      <p:bldP spid="34" grpId="0"/>
+      <p:bldP spid="35" grpId="0"/>
+      <p:bldP spid="36" grpId="0"/>
+      <p:bldP spid="38" grpId="0" animBg="1"/>
+      <p:bldP spid="39" grpId="0"/>
+      <p:bldP spid="40" grpId="0" animBg="1"/>
+      <p:bldP spid="42" grpId="0" animBg="1"/>
+      <p:bldP spid="43" grpId="0"/>
+      <p:bldP spid="45" grpId="0" animBg="1"/>
+      <p:bldP spid="46" grpId="0"/>
+      <p:bldP spid="47" grpId="0"/>
+      <p:bldP spid="48" grpId="0" animBg="1"/>
+      <p:bldP spid="49" grpId="0"/>
+      <p:bldP spid="50" grpId="0" animBg="1"/>
+      <p:bldP spid="51" grpId="0"/>
+      <p:bldP spid="52" grpId="0" animBg="1"/>
+      <p:bldP spid="53" grpId="0" animBg="1"/>
+      <p:bldP spid="54" grpId="0" animBg="1"/>
+      <p:bldP spid="55" grpId="0" animBg="1"/>
+      <p:bldP spid="57" grpId="0" animBg="1"/>
+      <p:bldP spid="58" grpId="0" animBg="1"/>
+      <p:bldP spid="59" grpId="0" animBg="1"/>
+      <p:bldP spid="65" grpId="0"/>
     </p:bldLst>
   </p:timing>
 </p:sld>
@@ -17865,15 +19998,7 @@
                             <a:schemeClr val="tx1"/>
                           </a:solidFill>
                         </a:rPr>
-                        <a:t> </a:t>
-                      </a:r>
-                      <a:r>
-                        <a:rPr lang="en-US" dirty="0" smtClean="0">
-                          <a:solidFill>
-                            <a:schemeClr val="tx1"/>
-                          </a:solidFill>
-                        </a:rPr>
-                        <a:t>     </a:t>
+                        <a:t>      </a:t>
                       </a:r>
                       <a:r>
                         <a:rPr lang="en-US" dirty="0" smtClean="0">
@@ -19465,15 +21590,7 @@
                             <a:schemeClr val="tx1"/>
                           </a:solidFill>
                         </a:rPr>
-                        <a:t> </a:t>
-                      </a:r>
-                      <a:r>
-                        <a:rPr lang="en-US" dirty="0" smtClean="0">
-                          <a:solidFill>
-                            <a:schemeClr val="tx1"/>
-                          </a:solidFill>
-                        </a:rPr>
-                        <a:t>     </a:t>
+                        <a:t>      </a:t>
                       </a:r>
                       <a:r>
                         <a:rPr lang="en-US" dirty="0" smtClean="0">
@@ -20834,8 +22951,8 @@
         </p:nvSpPr>
         <p:spPr>
           <a:xfrm>
-            <a:off x="2438400" y="4230303"/>
-            <a:ext cx="7010400" cy="1994034"/>
+            <a:off x="2325278" y="4118124"/>
+            <a:ext cx="7010400" cy="1008011"/>
           </a:xfrm>
           <a:prstGeom prst="rect">
             <a:avLst/>
@@ -20872,12 +22989,65 @@
                   <a:schemeClr val="accent4"/>
                 </a:solidFill>
               </a:rPr>
-              <a:t>Now no swap in our test, we are going to merge this array to the biggest elements we found earlier. Sorted array is</a:t>
-            </a:r>
-          </a:p>
-          <a:p>
-            <a:pPr algn="ctr"/>
-            <a:endParaRPr lang="en-US" b="1" dirty="0">
+              <a:t>Now no swap in our test, we </a:t>
+            </a:r>
+            <a:r>
+              <a:rPr lang="en-US" b="1" dirty="0" smtClean="0">
+                <a:solidFill>
+                  <a:schemeClr val="accent4"/>
+                </a:solidFill>
+              </a:rPr>
+              <a:t>can merge </a:t>
+            </a:r>
+            <a:r>
+              <a:rPr lang="en-US" b="1" dirty="0" smtClean="0">
+                <a:solidFill>
+                  <a:schemeClr val="accent4"/>
+                </a:solidFill>
+              </a:rPr>
+              <a:t>this array to the </a:t>
+            </a:r>
+            <a:r>
+              <a:rPr lang="en-US" b="1" dirty="0" smtClean="0">
+                <a:solidFill>
+                  <a:schemeClr val="accent4"/>
+                </a:solidFill>
+              </a:rPr>
+              <a:t>Sorted </a:t>
+            </a:r>
+            <a:r>
+              <a:rPr lang="en-US" b="1" dirty="0" smtClean="0">
+                <a:solidFill>
+                  <a:schemeClr val="accent4"/>
+                </a:solidFill>
+              </a:rPr>
+              <a:t>elements we found </a:t>
+            </a:r>
+            <a:r>
+              <a:rPr lang="en-US" b="1" dirty="0" smtClean="0">
+                <a:solidFill>
+                  <a:schemeClr val="accent4"/>
+                </a:solidFill>
+              </a:rPr>
+              <a:t>earlier</a:t>
+            </a:r>
+            <a:r>
+              <a:rPr lang="en-US" b="1" dirty="0">
+                <a:solidFill>
+                  <a:schemeClr val="accent4"/>
+                </a:solidFill>
+              </a:rPr>
+              <a:t>,</a:t>
+            </a:r>
+            <a:r>
+              <a:rPr lang="en-US" b="1" dirty="0" smtClean="0">
+                <a:solidFill>
+                  <a:schemeClr val="accent4"/>
+                </a:solidFill>
+              </a:rPr>
+              <a:t> then we get:</a:t>
+            </a:r>
+            <a:endParaRPr lang="en-US" b="1" dirty="0" smtClean="0">
               <a:solidFill>
                 <a:schemeClr val="accent4"/>
               </a:solidFill>
@@ -20885,14 +23055,6 @@
           </a:p>
           <a:p>
             <a:pPr algn="ctr"/>
-            <a:r>
-              <a:rPr lang="en-US" b="1" dirty="0" smtClean="0">
-                <a:solidFill>
-                  <a:schemeClr val="accent4"/>
-                </a:solidFill>
-              </a:rPr>
-              <a:t>A = [1,2,3,4,5,9]</a:t>
-            </a:r>
             <a:endParaRPr lang="en-US" b="1" dirty="0">
               <a:solidFill>
                 <a:schemeClr val="accent4"/>
@@ -21050,6 +23212,70 @@
                 </a:solidFill>
               </a:rPr>
               <a:t>Array become A = [1,2,3]</a:t>
+            </a:r>
+            <a:endParaRPr lang="en-US" b="1" dirty="0">
+              <a:solidFill>
+                <a:schemeClr val="accent4"/>
+              </a:solidFill>
+            </a:endParaRPr>
+          </a:p>
+        </p:txBody>
+      </p:sp>
+      <p:sp>
+        <p:nvSpPr>
+          <p:cNvPr id="14" name="Rectangle 13"/>
+          <p:cNvSpPr/>
+          <p:nvPr/>
+        </p:nvSpPr>
+        <p:spPr>
+          <a:xfrm>
+            <a:off x="2394711" y="5018035"/>
+            <a:ext cx="7010400" cy="598106"/>
+          </a:xfrm>
+          <a:prstGeom prst="rect">
+            <a:avLst/>
+          </a:prstGeom>
+          <a:noFill/>
+          <a:ln>
+            <a:noFill/>
+          </a:ln>
+        </p:spPr>
+        <p:style>
+          <a:lnRef idx="2">
+            <a:schemeClr val="accent1">
+              <a:shade val="50000"/>
+            </a:schemeClr>
+          </a:lnRef>
+          <a:fillRef idx="1">
+            <a:schemeClr val="accent1"/>
+          </a:fillRef>
+          <a:effectRef idx="0">
+            <a:schemeClr val="accent1"/>
+          </a:effectRef>
+          <a:fontRef idx="minor">
+            <a:schemeClr val="lt1"/>
+          </a:fontRef>
+        </p:style>
+        <p:txBody>
+          <a:bodyPr rtlCol="0" anchor="ctr"/>
+          <a:lstStyle/>
+          <a:p>
+            <a:pPr algn="ctr"/>
+            <a:endParaRPr lang="en-US" b="1" dirty="0">
+              <a:solidFill>
+                <a:schemeClr val="accent4"/>
+              </a:solidFill>
+            </a:endParaRPr>
+          </a:p>
+          <a:p>
+            <a:pPr algn="ctr"/>
+            <a:r>
+              <a:rPr lang="en-US" b="1" dirty="0" smtClean="0">
+                <a:solidFill>
+                  <a:schemeClr val="accent4"/>
+                </a:solidFill>
+              </a:rPr>
+              <a:t>A = [1,2,3,4,5,9]</a:t>
             </a:r>
             <a:endParaRPr lang="en-US" b="1" dirty="0">
               <a:solidFill>
@@ -21115,7 +23341,7 @@
                                     </p:set>
                                     <p:animEffect transition="in" filter="fade">
                                       <p:cBhvr>
-                                        <p:cTn id="7" dur="1000"/>
+                                        <p:cTn id="7" dur="300"/>
                                         <p:tgtEl>
                                           <p:spTgt spid="10"/>
                                         </p:tgtEl>
@@ -21123,7 +23349,7 @@
                                     </p:animEffect>
                                     <p:anim calcmode="lin" valueType="num">
                                       <p:cBhvr>
-                                        <p:cTn id="8" dur="1000" fill="hold"/>
+                                        <p:cTn id="8" dur="300" fill="hold"/>
                                         <p:tgtEl>
                                           <p:spTgt spid="10"/>
                                         </p:tgtEl>
@@ -21146,7 +23372,7 @@
                                     </p:anim>
                                     <p:anim calcmode="lin" valueType="num">
                                       <p:cBhvr>
-                                        <p:cTn id="9" dur="1000" fill="hold"/>
+                                        <p:cTn id="9" dur="300" fill="hold"/>
                                         <p:tgtEl>
                                           <p:spTgt spid="10"/>
                                         </p:tgtEl>
@@ -21167,6 +23393,59 @@
                                         </p:tav>
                                       </p:tavLst>
                                     </p:anim>
+                                  </p:childTnLst>
+                                </p:cTn>
+                              </p:par>
+                            </p:childTnLst>
+                          </p:cTn>
+                        </p:par>
+                      </p:childTnLst>
+                    </p:cTn>
+                  </p:par>
+                  <p:par>
+                    <p:cTn id="10" fill="hold">
+                      <p:stCondLst>
+                        <p:cond delay="indefinite"/>
+                      </p:stCondLst>
+                      <p:childTnLst>
+                        <p:par>
+                          <p:cTn id="11" fill="hold">
+                            <p:stCondLst>
+                              <p:cond delay="0"/>
+                            </p:stCondLst>
+                            <p:childTnLst>
+                              <p:par>
+                                <p:cTn id="12" presetID="10" presetClass="entr" presetSubtype="0" fill="hold" grpId="0" nodeType="clickEffect">
+                                  <p:stCondLst>
+                                    <p:cond delay="0"/>
+                                  </p:stCondLst>
+                                  <p:childTnLst>
+                                    <p:set>
+                                      <p:cBhvr>
+                                        <p:cTn id="13" dur="1" fill="hold">
+                                          <p:stCondLst>
+                                            <p:cond delay="0"/>
+                                          </p:stCondLst>
+                                        </p:cTn>
+                                        <p:tgtEl>
+                                          <p:spTgt spid="14"/>
+                                        </p:tgtEl>
+                                        <p:attrNameLst>
+                                          <p:attrName>style.visibility</p:attrName>
+                                        </p:attrNameLst>
+                                      </p:cBhvr>
+                                      <p:to>
+                                        <p:strVal val="visible"/>
+                                      </p:to>
+                                    </p:set>
+                                    <p:animEffect transition="in" filter="fade">
+                                      <p:cBhvr>
+                                        <p:cTn id="14" dur="500"/>
+                                        <p:tgtEl>
+                                          <p:spTgt spid="14"/>
+                                        </p:tgtEl>
+                                      </p:cBhvr>
+                                    </p:animEffect>
                                   </p:childTnLst>
                                 </p:cTn>
                               </p:par>
@@ -21199,6 +23478,7 @@
     </p:tnLst>
     <p:bldLst>
       <p:bldP spid="10" grpId="0"/>
+      <p:bldP spid="14" grpId="0"/>
     </p:bldLst>
   </p:timing>
 </p:sld>
@@ -21787,7 +24067,7 @@
         <p:spPr>
           <a:xfrm>
             <a:off x="783589" y="1102913"/>
-            <a:ext cx="4089026" cy="518474"/>
+            <a:ext cx="4976188" cy="518474"/>
           </a:xfrm>
           <a:prstGeom prst="rect">
             <a:avLst/>
@@ -21824,7 +24104,23 @@
                   <a:schemeClr val="accent4"/>
                 </a:solidFill>
               </a:rPr>
-              <a:t>Let us try another comparison</a:t>
+              <a:t>Let us try another </a:t>
+            </a:r>
+            <a:r>
+              <a:rPr lang="en-US" b="1" dirty="0">
+                <a:solidFill>
+                  <a:schemeClr val="accent4"/>
+                </a:solidFill>
+              </a:rPr>
+              <a:t>v</a:t>
+            </a:r>
+            <a:r>
+              <a:rPr lang="en-US" b="1" dirty="0" smtClean="0">
+                <a:solidFill>
+                  <a:schemeClr val="accent4"/>
+                </a:solidFill>
+              </a:rPr>
+              <a:t>isualization comparison</a:t>
             </a:r>
             <a:endParaRPr lang="en-US" b="1" dirty="0">
               <a:solidFill>
@@ -21880,15 +24176,7 @@
                   <a:schemeClr val="accent4"/>
                 </a:solidFill>
               </a:rPr>
-              <a:t>PASS 1</a:t>
-            </a:r>
-            <a:r>
-              <a:rPr lang="en-US" b="1" dirty="0" smtClean="0">
-                <a:solidFill>
-                  <a:schemeClr val="accent4"/>
-                </a:solidFill>
-              </a:rPr>
-              <a:t>:</a:t>
+              <a:t>PASS 1:</a:t>
             </a:r>
             <a:endParaRPr lang="en-US" b="1" dirty="0">
               <a:solidFill>
@@ -21945,6 +24233,62 @@
                 </a:solidFill>
               </a:rPr>
               <a:t>There is swap because 9 is big compared to that number</a:t>
+            </a:r>
+            <a:endParaRPr lang="en-US" b="1" dirty="0">
+              <a:solidFill>
+                <a:schemeClr val="accent4"/>
+              </a:solidFill>
+            </a:endParaRPr>
+          </a:p>
+        </p:txBody>
+      </p:sp>
+      <p:sp>
+        <p:nvSpPr>
+          <p:cNvPr id="18" name="Rectangle 17"/>
+          <p:cNvSpPr/>
+          <p:nvPr/>
+        </p:nvSpPr>
+        <p:spPr>
+          <a:xfrm>
+            <a:off x="7143749" y="4724399"/>
+            <a:ext cx="4626645" cy="472353"/>
+          </a:xfrm>
+          <a:prstGeom prst="rect">
+            <a:avLst/>
+          </a:prstGeom>
+          <a:noFill/>
+          <a:ln>
+            <a:noFill/>
+          </a:ln>
+        </p:spPr>
+        <p:style>
+          <a:lnRef idx="2">
+            <a:schemeClr val="accent1">
+              <a:shade val="50000"/>
+            </a:schemeClr>
+          </a:lnRef>
+          <a:fillRef idx="1">
+            <a:schemeClr val="accent1"/>
+          </a:fillRef>
+          <a:effectRef idx="0">
+            <a:schemeClr val="accent1"/>
+          </a:effectRef>
+          <a:fontRef idx="minor">
+            <a:schemeClr val="lt1"/>
+          </a:fontRef>
+        </p:style>
+        <p:txBody>
+          <a:bodyPr rtlCol="0" anchor="ctr"/>
+          <a:lstStyle/>
+          <a:p>
+            <a:pPr algn="ctr"/>
+            <a:r>
+              <a:rPr lang="en-US" b="1" dirty="0" smtClean="0">
+                <a:solidFill>
+                  <a:schemeClr val="accent4"/>
+                </a:solidFill>
+              </a:rPr>
+              <a:t>Now 9 is in correct order</a:t>
             </a:r>
             <a:endParaRPr lang="en-US" b="1" dirty="0">
               <a:solidFill>
@@ -23353,6 +25697,110 @@
                                       </p:cBhvr>
                                       <p:rCtr x="-6758" y="4375"/>
                                     </p:animMotion>
+                                  </p:childTnLst>
+                                </p:cTn>
+                              </p:par>
+                            </p:childTnLst>
+                          </p:cTn>
+                        </p:par>
+                      </p:childTnLst>
+                    </p:cTn>
+                  </p:par>
+                  <p:par>
+                    <p:cTn id="113" fill="hold">
+                      <p:stCondLst>
+                        <p:cond delay="indefinite"/>
+                      </p:stCondLst>
+                      <p:childTnLst>
+                        <p:par>
+                          <p:cTn id="114" fill="hold">
+                            <p:stCondLst>
+                              <p:cond delay="0"/>
+                            </p:stCondLst>
+                            <p:childTnLst>
+                              <p:par>
+                                <p:cTn id="115" presetID="1" presetClass="emph" presetSubtype="2" fill="hold" nodeType="clickEffect">
+                                  <p:stCondLst>
+                                    <p:cond delay="0"/>
+                                  </p:stCondLst>
+                                  <p:childTnLst>
+                                    <p:animClr clrSpc="rgb" dir="cw">
+                                      <p:cBhvr>
+                                        <p:cTn id="116" dur="2000" fill="hold"/>
+                                        <p:tgtEl>
+                                          <p:spTgt spid="11"/>
+                                        </p:tgtEl>
+                                        <p:attrNameLst>
+                                          <p:attrName>fillcolor</p:attrName>
+                                        </p:attrNameLst>
+                                      </p:cBhvr>
+                                      <p:to>
+                                        <a:srgbClr val="70AD47"/>
+                                      </p:to>
+                                    </p:animClr>
+                                    <p:set>
+                                      <p:cBhvr>
+                                        <p:cTn id="117" dur="2000" fill="hold"/>
+                                        <p:tgtEl>
+                                          <p:spTgt spid="11"/>
+                                        </p:tgtEl>
+                                        <p:attrNameLst>
+                                          <p:attrName>fill.type</p:attrName>
+                                        </p:attrNameLst>
+                                      </p:cBhvr>
+                                      <p:to>
+                                        <p:strVal val="solid"/>
+                                      </p:to>
+                                    </p:set>
+                                    <p:set>
+                                      <p:cBhvr>
+                                        <p:cTn id="118" dur="2000" fill="hold"/>
+                                        <p:tgtEl>
+                                          <p:spTgt spid="11"/>
+                                        </p:tgtEl>
+                                        <p:attrNameLst>
+                                          <p:attrName>fill.on</p:attrName>
+                                        </p:attrNameLst>
+                                      </p:cBhvr>
+                                      <p:to>
+                                        <p:strVal val="true"/>
+                                      </p:to>
+                                    </p:set>
+                                  </p:childTnLst>
+                                </p:cTn>
+                              </p:par>
+                              <p:par>
+                                <p:cTn id="119" presetID="10" presetClass="entr" presetSubtype="0" fill="hold" grpId="0" nodeType="withEffect">
+                                  <p:stCondLst>
+                                    <p:cond delay="0"/>
+                                  </p:stCondLst>
+                                  <p:childTnLst>
+                                    <p:set>
+                                      <p:cBhvr>
+                                        <p:cTn id="120" dur="1" fill="hold">
+                                          <p:stCondLst>
+                                            <p:cond delay="0"/>
+                                          </p:stCondLst>
+                                        </p:cTn>
+                                        <p:tgtEl>
+                                          <p:spTgt spid="18"/>
+                                        </p:tgtEl>
+                                        <p:attrNameLst>
+                                          <p:attrName>style.visibility</p:attrName>
+                                        </p:attrNameLst>
+                                      </p:cBhvr>
+                                      <p:to>
+                                        <p:strVal val="visible"/>
+                                      </p:to>
+                                    </p:set>
+                                    <p:animEffect transition="in" filter="fade">
+                                      <p:cBhvr>
+                                        <p:cTn id="121" dur="500"/>
+                                        <p:tgtEl>
+                                          <p:spTgt spid="18"/>
+                                        </p:tgtEl>
+                                      </p:cBhvr>
+                                    </p:animEffect>
                                   </p:childTnLst>
                                 </p:cTn>
                               </p:par>
@@ -23404,6 +25852,7 @@
       <p:bldP spid="23" grpId="7"/>
       <p:bldP spid="23" grpId="8"/>
       <p:bldP spid="23" grpId="9"/>
+      <p:bldP spid="18" grpId="0"/>
     </p:bldLst>
   </p:timing>
 </p:sld>

--- a/auca/Sem-3/ICP/Assignment/Solution/Group4_Bubble_Sort_Presentation.pptx
+++ b/auca/Sem-3/ICP/Assignment/Solution/Group4_Bubble_Sort_Presentation.pptx
@@ -7219,7 +7219,7 @@
         </p:nvSpPr>
         <p:spPr>
           <a:xfrm>
-            <a:off x="3898259" y="663329"/>
+            <a:off x="4017134" y="1571391"/>
             <a:ext cx="4395482" cy="518474"/>
           </a:xfrm>
           <a:prstGeom prst="rect">
@@ -7275,7 +7275,7 @@
         </p:nvSpPr>
         <p:spPr>
           <a:xfrm flipV="1">
-            <a:off x="4425885" y="1181803"/>
+            <a:off x="4555758" y="2067006"/>
             <a:ext cx="3318235" cy="45719"/>
           </a:xfrm>
           <a:prstGeom prst="rect">
@@ -20925,21 +20925,30 @@
                             </p:childTnLst>
                           </p:cTn>
                         </p:par>
+                      </p:childTnLst>
+                    </p:cTn>
+                  </p:par>
+                  <p:par>
+                    <p:cTn id="57" fill="hold">
+                      <p:stCondLst>
+                        <p:cond delay="indefinite"/>
+                      </p:stCondLst>
+                      <p:childTnLst>
                         <p:par>
-                          <p:cTn id="57" fill="hold">
+                          <p:cTn id="58" fill="hold">
                             <p:stCondLst>
-                              <p:cond delay="100"/>
+                              <p:cond delay="0"/>
                             </p:stCondLst>
                             <p:childTnLst>
                               <p:par>
-                                <p:cTn id="58" presetID="42" presetClass="entr" presetSubtype="0" fill="hold" grpId="0" nodeType="afterEffect">
+                                <p:cTn id="59" presetID="42" presetClass="entr" presetSubtype="0" fill="hold" grpId="0" nodeType="clickEffect">
                                   <p:stCondLst>
                                     <p:cond delay="0"/>
                                   </p:stCondLst>
                                   <p:childTnLst>
                                     <p:set>
                                       <p:cBhvr>
-                                        <p:cTn id="59" dur="1" fill="hold">
+                                        <p:cTn id="60" dur="1" fill="hold">
                                           <p:stCondLst>
                                             <p:cond delay="0"/>
                                           </p:stCondLst>
@@ -20957,7 +20966,7 @@
                                     </p:set>
                                     <p:animEffect transition="in" filter="fade">
                                       <p:cBhvr>
-                                        <p:cTn id="60" dur="100"/>
+                                        <p:cTn id="61" dur="100"/>
                                         <p:tgtEl>
                                           <p:spTgt spid="15"/>
                                         </p:tgtEl>
@@ -20965,7 +20974,7 @@
                                     </p:animEffect>
                                     <p:anim calcmode="lin" valueType="num">
                                       <p:cBhvr>
-                                        <p:cTn id="61" dur="100" fill="hold"/>
+                                        <p:cTn id="62" dur="100" fill="hold"/>
                                         <p:tgtEl>
                                           <p:spTgt spid="15"/>
                                         </p:tgtEl>
@@ -20988,7 +20997,7 @@
                                     </p:anim>
                                     <p:anim calcmode="lin" valueType="num">
                                       <p:cBhvr>
-                                        <p:cTn id="62" dur="100" fill="hold"/>
+                                        <p:cTn id="63" dur="100" fill="hold"/>
                                         <p:tgtEl>
                                           <p:spTgt spid="15"/>
                                         </p:tgtEl>
@@ -21019,26 +21028,26 @@
                     </p:cTn>
                   </p:par>
                   <p:par>
-                    <p:cTn id="63" fill="hold">
+                    <p:cTn id="64" fill="hold">
                       <p:stCondLst>
                         <p:cond delay="indefinite"/>
                       </p:stCondLst>
                       <p:childTnLst>
                         <p:par>
-                          <p:cTn id="64" fill="hold">
+                          <p:cTn id="65" fill="hold">
                             <p:stCondLst>
                               <p:cond delay="0"/>
                             </p:stCondLst>
                             <p:childTnLst>
                               <p:par>
-                                <p:cTn id="65" presetID="42" presetClass="exit" presetSubtype="0" fill="hold" grpId="1" nodeType="clickEffect">
+                                <p:cTn id="66" presetID="42" presetClass="exit" presetSubtype="0" fill="hold" grpId="1" nodeType="clickEffect">
                                   <p:stCondLst>
                                     <p:cond delay="0"/>
                                   </p:stCondLst>
                                   <p:childTnLst>
                                     <p:animEffect transition="out" filter="fade">
                                       <p:cBhvr>
-                                        <p:cTn id="66" dur="100"/>
+                                        <p:cTn id="67" dur="100"/>
                                         <p:tgtEl>
                                           <p:spTgt spid="15"/>
                                         </p:tgtEl>
@@ -21046,7 +21055,7 @@
                                     </p:animEffect>
                                     <p:anim calcmode="lin" valueType="num">
                                       <p:cBhvr>
-                                        <p:cTn id="67" dur="100"/>
+                                        <p:cTn id="68" dur="100"/>
                                         <p:tgtEl>
                                           <p:spTgt spid="15"/>
                                         </p:tgtEl>
@@ -21069,7 +21078,7 @@
                                     </p:anim>
                                     <p:anim calcmode="lin" valueType="num">
                                       <p:cBhvr>
-                                        <p:cTn id="68" dur="100"/>
+                                        <p:cTn id="69" dur="100"/>
                                         <p:tgtEl>
                                           <p:spTgt spid="15"/>
                                         </p:tgtEl>
@@ -21092,7 +21101,7 @@
                                     </p:anim>
                                     <p:set>
                                       <p:cBhvr>
-                                        <p:cTn id="69" dur="1" fill="hold">
+                                        <p:cTn id="70" dur="1" fill="hold">
                                           <p:stCondLst>
                                             <p:cond delay="99"/>
                                           </p:stCondLst>
@@ -21115,20 +21124,20 @@
                           </p:cTn>
                         </p:par>
                         <p:par>
-                          <p:cTn id="70" fill="hold">
+                          <p:cTn id="71" fill="hold">
                             <p:stCondLst>
                               <p:cond delay="100"/>
                             </p:stCondLst>
                             <p:childTnLst>
                               <p:par>
-                                <p:cTn id="71" presetID="42" presetClass="path" presetSubtype="0" accel="50000" decel="50000" fill="hold" grpId="0" nodeType="afterEffect">
+                                <p:cTn id="72" presetID="42" presetClass="path" presetSubtype="0" accel="50000" decel="50000" fill="hold" grpId="0" nodeType="afterEffect">
                                   <p:stCondLst>
                                     <p:cond delay="0"/>
                                   </p:stCondLst>
                                   <p:childTnLst>
                                     <p:animMotion origin="layout" path="M 3.75E-6 -2.59259E-6 L -0.13698 0.08982 " pathEditMode="relative" rAng="0" ptsTypes="AA">
                                       <p:cBhvr>
-                                        <p:cTn id="72" dur="100" fill="hold"/>
+                                        <p:cTn id="73" dur="100" fill="hold"/>
                                         <p:tgtEl>
                                           <p:spTgt spid="7"/>
                                         </p:tgtEl>
@@ -21149,26 +21158,26 @@
                     </p:cTn>
                   </p:par>
                   <p:par>
-                    <p:cTn id="73" fill="hold">
+                    <p:cTn id="74" fill="hold">
                       <p:stCondLst>
                         <p:cond delay="indefinite"/>
                       </p:stCondLst>
                       <p:childTnLst>
                         <p:par>
-                          <p:cTn id="74" fill="hold">
+                          <p:cTn id="75" fill="hold">
                             <p:stCondLst>
                               <p:cond delay="0"/>
                             </p:stCondLst>
                             <p:childTnLst>
                               <p:par>
-                                <p:cTn id="75" presetID="10" presetClass="entr" presetSubtype="0" fill="hold" grpId="0" nodeType="clickEffect">
+                                <p:cTn id="76" presetID="10" presetClass="entr" presetSubtype="0" fill="hold" grpId="0" nodeType="clickEffect">
                                   <p:stCondLst>
                                     <p:cond delay="0"/>
                                   </p:stCondLst>
                                   <p:childTnLst>
                                     <p:set>
                                       <p:cBhvr>
-                                        <p:cTn id="76" dur="1" fill="hold">
+                                        <p:cTn id="77" dur="1" fill="hold">
                                           <p:stCondLst>
                                             <p:cond delay="0"/>
                                           </p:stCondLst>
@@ -21186,7 +21195,7 @@
                                     </p:set>
                                     <p:animEffect transition="in" filter="fade">
                                       <p:cBhvr>
-                                        <p:cTn id="77" dur="100"/>
+                                        <p:cTn id="78" dur="100"/>
                                         <p:tgtEl>
                                           <p:spTgt spid="20"/>
                                         </p:tgtEl>
@@ -21199,20 +21208,20 @@
                           </p:cTn>
                         </p:par>
                         <p:par>
-                          <p:cTn id="78" fill="hold">
+                          <p:cTn id="79" fill="hold">
                             <p:stCondLst>
                               <p:cond delay="100"/>
                             </p:stCondLst>
                             <p:childTnLst>
                               <p:par>
-                                <p:cTn id="79" presetID="1" presetClass="emph" presetSubtype="2" fill="hold" nodeType="afterEffect">
+                                <p:cTn id="80" presetID="1" presetClass="emph" presetSubtype="2" fill="hold" nodeType="afterEffect">
                                   <p:stCondLst>
                                     <p:cond delay="0"/>
                                   </p:stCondLst>
                                   <p:childTnLst>
                                     <p:animClr clrSpc="rgb" dir="cw">
                                       <p:cBhvr>
-                                        <p:cTn id="80" dur="100" fill="hold"/>
+                                        <p:cTn id="81" dur="100" fill="hold"/>
                                         <p:tgtEl>
                                           <p:spTgt spid="8"/>
                                         </p:tgtEl>
@@ -21226,7 +21235,7 @@
                                     </p:animClr>
                                     <p:set>
                                       <p:cBhvr>
-                                        <p:cTn id="81" dur="100" fill="hold"/>
+                                        <p:cTn id="82" dur="100" fill="hold"/>
                                         <p:tgtEl>
                                           <p:spTgt spid="8"/>
                                         </p:tgtEl>
@@ -21240,7 +21249,7 @@
                                     </p:set>
                                     <p:set>
                                       <p:cBhvr>
-                                        <p:cTn id="82" dur="100" fill="hold"/>
+                                        <p:cTn id="83" dur="100" fill="hold"/>
                                         <p:tgtEl>
                                           <p:spTgt spid="8"/>
                                         </p:tgtEl>
@@ -21259,20 +21268,20 @@
                           </p:cTn>
                         </p:par>
                         <p:par>
-                          <p:cTn id="83" fill="hold">
+                          <p:cTn id="84" fill="hold">
                             <p:stCondLst>
                               <p:cond delay="200"/>
                             </p:stCondLst>
                             <p:childTnLst>
                               <p:par>
-                                <p:cTn id="84" presetID="1" presetClass="emph" presetSubtype="2" fill="hold" nodeType="afterEffect">
+                                <p:cTn id="85" presetID="1" presetClass="emph" presetSubtype="2" fill="hold" nodeType="afterEffect">
                                   <p:stCondLst>
                                     <p:cond delay="0"/>
                                   </p:stCondLst>
                                   <p:childTnLst>
                                     <p:animClr clrSpc="rgb" dir="cw">
                                       <p:cBhvr>
-                                        <p:cTn id="85" dur="1000" fill="hold"/>
+                                        <p:cTn id="86" dur="1000" fill="hold"/>
                                         <p:tgtEl>
                                           <p:spTgt spid="7"/>
                                         </p:tgtEl>
@@ -21286,7 +21295,7 @@
                                     </p:animClr>
                                     <p:set>
                                       <p:cBhvr>
-                                        <p:cTn id="86" dur="1000" fill="hold"/>
+                                        <p:cTn id="87" dur="1000" fill="hold"/>
                                         <p:tgtEl>
                                           <p:spTgt spid="7"/>
                                         </p:tgtEl>
@@ -21300,7 +21309,7 @@
                                     </p:set>
                                     <p:set>
                                       <p:cBhvr>
-                                        <p:cTn id="87" dur="1000" fill="hold"/>
+                                        <p:cTn id="88" dur="1000" fill="hold"/>
                                         <p:tgtEl>
                                           <p:spTgt spid="7"/>
                                         </p:tgtEl>
@@ -21319,20 +21328,20 @@
                           </p:cTn>
                         </p:par>
                         <p:par>
-                          <p:cTn id="88" fill="hold">
+                          <p:cTn id="89" fill="hold">
                             <p:stCondLst>
                               <p:cond delay="1200"/>
                             </p:stCondLst>
                             <p:childTnLst>
                               <p:par>
-                                <p:cTn id="89" presetID="1" presetClass="emph" presetSubtype="2" fill="hold" nodeType="afterEffect">
+                                <p:cTn id="90" presetID="1" presetClass="emph" presetSubtype="2" fill="hold" nodeType="afterEffect">
                                   <p:stCondLst>
                                     <p:cond delay="0"/>
                                   </p:stCondLst>
                                   <p:childTnLst>
                                     <p:animClr clrSpc="rgb" dir="cw">
                                       <p:cBhvr>
-                                        <p:cTn id="90" dur="1300" fill="hold"/>
+                                        <p:cTn id="91" dur="1300" fill="hold"/>
                                         <p:tgtEl>
                                           <p:spTgt spid="9"/>
                                         </p:tgtEl>
@@ -21346,7 +21355,7 @@
                                     </p:animClr>
                                     <p:set>
                                       <p:cBhvr>
-                                        <p:cTn id="91" dur="1300" fill="hold"/>
+                                        <p:cTn id="92" dur="1300" fill="hold"/>
                                         <p:tgtEl>
                                           <p:spTgt spid="9"/>
                                         </p:tgtEl>
@@ -21360,7 +21369,7 @@
                                     </p:set>
                                     <p:set>
                                       <p:cBhvr>
-                                        <p:cTn id="92" dur="1300" fill="hold"/>
+                                        <p:cTn id="93" dur="1300" fill="hold"/>
                                         <p:tgtEl>
                                           <p:spTgt spid="9"/>
                                         </p:tgtEl>
@@ -21379,20 +21388,20 @@
                           </p:cTn>
                         </p:par>
                         <p:par>
-                          <p:cTn id="93" fill="hold">
+                          <p:cTn id="94" fill="hold">
                             <p:stCondLst>
                               <p:cond delay="2500"/>
                             </p:stCondLst>
                             <p:childTnLst>
                               <p:par>
-                                <p:cTn id="94" presetID="1" presetClass="emph" presetSubtype="2" fill="hold" nodeType="afterEffect">
+                                <p:cTn id="95" presetID="1" presetClass="emph" presetSubtype="2" fill="hold" nodeType="afterEffect">
                                   <p:stCondLst>
                                     <p:cond delay="0"/>
                                   </p:stCondLst>
                                   <p:childTnLst>
                                     <p:animClr clrSpc="rgb" dir="cw">
                                       <p:cBhvr>
-                                        <p:cTn id="95" dur="2200" fill="hold"/>
+                                        <p:cTn id="96" dur="2200" fill="hold"/>
                                         <p:tgtEl>
                                           <p:spTgt spid="10"/>
                                         </p:tgtEl>
@@ -21406,7 +21415,7 @@
                                     </p:animClr>
                                     <p:set>
                                       <p:cBhvr>
-                                        <p:cTn id="96" dur="2200" fill="hold"/>
+                                        <p:cTn id="97" dur="2200" fill="hold"/>
                                         <p:tgtEl>
                                           <p:spTgt spid="10"/>
                                         </p:tgtEl>
@@ -21420,7 +21429,7 @@
                                     </p:set>
                                     <p:set>
                                       <p:cBhvr>
-                                        <p:cTn id="97" dur="2200" fill="hold"/>
+                                        <p:cTn id="98" dur="2200" fill="hold"/>
                                         <p:tgtEl>
                                           <p:spTgt spid="10"/>
                                         </p:tgtEl>

--- a/auca/Sem-3/ICP/Assignment/Solution/Group4_Bubble_Sort_Presentation.pptx
+++ b/auca/Sem-3/ICP/Assignment/Solution/Group4_Bubble_Sort_Presentation.pptx
@@ -254,7 +254,7 @@
           <a:p>
             <a:fld id="{A6152C0B-C603-4969-B01A-475E84C50A19}" type="datetimeFigureOut">
               <a:rPr lang="en-US" smtClean="0"/>
-              <a:t>10/10/2025</a:t>
+              <a:t>10/12/2025</a:t>
             </a:fld>
             <a:endParaRPr lang="en-US"/>
           </a:p>
@@ -431,7 +431,7 @@
           <a:p>
             <a:fld id="{A6152C0B-C603-4969-B01A-475E84C50A19}" type="datetimeFigureOut">
               <a:rPr lang="en-US" smtClean="0"/>
-              <a:t>10/10/2025</a:t>
+              <a:t>10/12/2025</a:t>
             </a:fld>
             <a:endParaRPr lang="en-US"/>
           </a:p>
@@ -618,7 +618,7 @@
           <a:p>
             <a:fld id="{A6152C0B-C603-4969-B01A-475E84C50A19}" type="datetimeFigureOut">
               <a:rPr lang="en-US" smtClean="0"/>
-              <a:t>10/10/2025</a:t>
+              <a:t>10/12/2025</a:t>
             </a:fld>
             <a:endParaRPr lang="en-US"/>
           </a:p>
@@ -795,7 +795,7 @@
           <a:p>
             <a:fld id="{A6152C0B-C603-4969-B01A-475E84C50A19}" type="datetimeFigureOut">
               <a:rPr lang="en-US" smtClean="0"/>
-              <a:t>10/10/2025</a:t>
+              <a:t>10/12/2025</a:t>
             </a:fld>
             <a:endParaRPr lang="en-US"/>
           </a:p>
@@ -1048,7 +1048,7 @@
           <a:p>
             <a:fld id="{A6152C0B-C603-4969-B01A-475E84C50A19}" type="datetimeFigureOut">
               <a:rPr lang="en-US" smtClean="0"/>
-              <a:t>10/10/2025</a:t>
+              <a:t>10/12/2025</a:t>
             </a:fld>
             <a:endParaRPr lang="en-US"/>
           </a:p>
@@ -1287,7 +1287,7 @@
           <a:p>
             <a:fld id="{A6152C0B-C603-4969-B01A-475E84C50A19}" type="datetimeFigureOut">
               <a:rPr lang="en-US" smtClean="0"/>
-              <a:t>10/10/2025</a:t>
+              <a:t>10/12/2025</a:t>
             </a:fld>
             <a:endParaRPr lang="en-US"/>
           </a:p>
@@ -1661,7 +1661,7 @@
           <a:p>
             <a:fld id="{A6152C0B-C603-4969-B01A-475E84C50A19}" type="datetimeFigureOut">
               <a:rPr lang="en-US" smtClean="0"/>
-              <a:t>10/10/2025</a:t>
+              <a:t>10/12/2025</a:t>
             </a:fld>
             <a:endParaRPr lang="en-US"/>
           </a:p>
@@ -1786,7 +1786,7 @@
           <a:p>
             <a:fld id="{A6152C0B-C603-4969-B01A-475E84C50A19}" type="datetimeFigureOut">
               <a:rPr lang="en-US" smtClean="0"/>
-              <a:t>10/10/2025</a:t>
+              <a:t>10/12/2025</a:t>
             </a:fld>
             <a:endParaRPr lang="en-US"/>
           </a:p>
@@ -1888,7 +1888,7 @@
           <a:p>
             <a:fld id="{A6152C0B-C603-4969-B01A-475E84C50A19}" type="datetimeFigureOut">
               <a:rPr lang="en-US" smtClean="0"/>
-              <a:t>10/10/2025</a:t>
+              <a:t>10/12/2025</a:t>
             </a:fld>
             <a:endParaRPr lang="en-US"/>
           </a:p>
@@ -2172,7 +2172,7 @@
           <a:p>
             <a:fld id="{A6152C0B-C603-4969-B01A-475E84C50A19}" type="datetimeFigureOut">
               <a:rPr lang="en-US" smtClean="0"/>
-              <a:t>10/10/2025</a:t>
+              <a:t>10/12/2025</a:t>
             </a:fld>
             <a:endParaRPr lang="en-US"/>
           </a:p>
@@ -2432,7 +2432,7 @@
           <a:p>
             <a:fld id="{A6152C0B-C603-4969-B01A-475E84C50A19}" type="datetimeFigureOut">
               <a:rPr lang="en-US" smtClean="0"/>
-              <a:t>10/10/2025</a:t>
+              <a:t>10/12/2025</a:t>
             </a:fld>
             <a:endParaRPr lang="en-US"/>
           </a:p>
@@ -2650,7 +2650,7 @@
           <a:p>
             <a:fld id="{A6152C0B-C603-4969-B01A-475E84C50A19}" type="datetimeFigureOut">
               <a:rPr lang="en-US" smtClean="0"/>
-              <a:t>10/10/2025</a:t>
+              <a:t>10/12/2025</a:t>
             </a:fld>
             <a:endParaRPr lang="en-US"/>
           </a:p>
@@ -3480,7 +3480,7 @@
         </p:nvSpPr>
         <p:spPr>
           <a:xfrm>
-            <a:off x="6410269" y="2864207"/>
+            <a:off x="6410269" y="2704237"/>
             <a:ext cx="5389553" cy="3319819"/>
           </a:xfrm>
           <a:prstGeom prst="rect">
@@ -3828,8 +3828,51 @@
                   <a:schemeClr val="accent4"/>
                 </a:solidFill>
               </a:rPr>
-              <a:t>⁠NISHIMWE Prosper 28926</a:t>
-            </a:r>
+              <a:t>⁠NISHIMWE Prosper </a:t>
+            </a:r>
+            <a:r>
+              <a:rPr lang="en-US" sz="2000" dirty="0" smtClean="0">
+                <a:solidFill>
+                  <a:schemeClr val="accent4"/>
+                </a:solidFill>
+              </a:rPr>
+              <a:t>28926</a:t>
+            </a:r>
+          </a:p>
+          <a:p>
+            <a:pPr marL="514350" indent="-514350">
+              <a:buFont typeface="+mj-lt"/>
+              <a:buAutoNum type="arabicPeriod" startAt="7"/>
+            </a:pPr>
+            <a:r>
+              <a:rPr lang="en-US" sz="2000" dirty="0">
+                <a:solidFill>
+                  <a:schemeClr val="accent4"/>
+                </a:solidFill>
+              </a:rPr>
+              <a:t>ISHIMWE </a:t>
+            </a:r>
+            <a:r>
+              <a:rPr lang="en-US" sz="2000" dirty="0" err="1" smtClean="0">
+                <a:solidFill>
+                  <a:schemeClr val="accent4"/>
+                </a:solidFill>
+              </a:rPr>
+              <a:t>Vainqueur</a:t>
+            </a:r>
+            <a:r>
+              <a:rPr lang="en-US" sz="2000" dirty="0">
+                <a:solidFill>
+                  <a:schemeClr val="accent4"/>
+                </a:solidFill>
+              </a:rPr>
+              <a:t> 29748</a:t>
+            </a:r>
+            <a:endParaRPr lang="en-US" sz="2000" dirty="0">
+              <a:solidFill>
+                <a:schemeClr val="accent4"/>
+              </a:solidFill>
+            </a:endParaRPr>
           </a:p>
           <a:p>
             <a:pPr marL="457200" indent="-457200">
@@ -5693,11 +5736,7 @@
             </a:r>
             <a:r>
               <a:rPr lang="en-US" dirty="0" smtClean="0"/>
-              <a:t>logic</a:t>
-            </a:r>
-            <a:r>
-              <a:rPr lang="en-US" dirty="0" smtClean="0"/>
-              <a:t>.</a:t>
+              <a:t>logic.</a:t>
             </a:r>
             <a:endParaRPr lang="en-US" dirty="0"/>
           </a:p>
@@ -6494,15 +6533,7 @@
                   <a:schemeClr val="accent4"/>
                 </a:solidFill>
               </a:rPr>
-              <a:t>What </a:t>
-            </a:r>
-            <a:r>
-              <a:rPr lang="en-US" sz="2000" b="1" dirty="0" smtClean="0">
-                <a:solidFill>
-                  <a:schemeClr val="accent4"/>
-                </a:solidFill>
-              </a:rPr>
-              <a:t>is Bubble sort?</a:t>
+              <a:t>What is Bubble sort?</a:t>
             </a:r>
           </a:p>
           <a:p>
@@ -7505,15 +7536,7 @@
                             <a:schemeClr val="tx1"/>
                           </a:solidFill>
                         </a:rPr>
-                        <a:t>Swaps </a:t>
-                      </a:r>
-                      <a:r>
-                        <a:rPr lang="en-US" sz="1800" dirty="0" smtClean="0">
-                          <a:solidFill>
-                            <a:schemeClr val="tx1"/>
-                          </a:solidFill>
-                        </a:rPr>
-                        <a:t>Adjacent/neighboring</a:t>
+                        <a:t>Swaps Adjacent/neighboring</a:t>
                       </a:r>
                       <a:r>
                         <a:rPr lang="en-US" sz="1800" baseline="0" dirty="0" smtClean="0">
@@ -7521,15 +7544,7 @@
                             <a:schemeClr val="tx1"/>
                           </a:solidFill>
                         </a:rPr>
-                        <a:t> </a:t>
-                      </a:r>
-                      <a:r>
-                        <a:rPr lang="en-US" sz="1800" baseline="0" dirty="0" smtClean="0">
-                          <a:solidFill>
-                            <a:schemeClr val="tx1"/>
-                          </a:solidFill>
-                        </a:rPr>
-                        <a:t>elements</a:t>
+                        <a:t> elements</a:t>
                       </a:r>
                       <a:endParaRPr lang="en-US" sz="1800" dirty="0">
                         <a:solidFill>
@@ -8219,11 +8234,6 @@
               </a:rPr>
               <a:t>Purpose of this example:</a:t>
             </a:r>
-            <a:endParaRPr lang="en-US" sz="2000" b="1" dirty="0" smtClean="0">
-              <a:solidFill>
-                <a:schemeClr val="accent4"/>
-              </a:solidFill>
-            </a:endParaRPr>
           </a:p>
           <a:p>
             <a:pPr marL="0" indent="0">
